--- a/documentation/finops-ai-agent.pptx
+++ b/documentation/finops-ai-agent.pptx
@@ -4319,7 +4319,7 @@
         </p:nvSpPr>
         <p:spPr>
           <a:xfrm>
-            <a:off x="1134062" y="817661"/>
+            <a:off x="1134062" y="817662"/>
             <a:ext cx="2251965" cy="558801"/>
           </a:xfrm>
           <a:prstGeom prst="rect">
@@ -4725,7 +4725,7 @@
         </p:nvSpPr>
         <p:spPr>
           <a:xfrm>
-            <a:off x="1159462" y="9990141"/>
+            <a:off x="1159462" y="9990142"/>
             <a:ext cx="2980945" cy="495301"/>
           </a:xfrm>
           <a:prstGeom prst="rect">
@@ -4881,8 +4881,8 @@
         </p:blipFill>
         <p:spPr>
           <a:xfrm>
-            <a:off x="10832898" y="3036776"/>
-            <a:ext cx="12608638" cy="6730173"/>
+            <a:off x="9923107" y="3290775"/>
+            <a:ext cx="13366029" cy="7134450"/>
           </a:xfrm>
           <a:prstGeom prst="rect">
             <a:avLst/>
@@ -4892,6 +4892,51 @@
           </a:ln>
         </p:spPr>
       </p:pic>
+      <p:sp>
+        <p:nvSpPr>
+          <p:cNvPr id="181" name="직사각형"/>
+          <p:cNvSpPr/>
+          <p:nvPr/>
+        </p:nvSpPr>
+        <p:spPr>
+          <a:xfrm>
+            <a:off x="19939000" y="5130800"/>
+            <a:ext cx="3397663" cy="5471319"/>
+          </a:xfrm>
+          <a:prstGeom prst="rect">
+            <a:avLst/>
+          </a:prstGeom>
+          <a:ln w="63500">
+            <a:solidFill>
+              <a:srgbClr val="FF2600"/>
+            </a:solidFill>
+            <a:miter lim="400000"/>
+          </a:ln>
+        </p:spPr>
+        <p:txBody>
+          <a:bodyPr lIns="50800" tIns="50800" rIns="50800" bIns="50800" anchor="ctr"/>
+          <a:lstStyle/>
+          <a:p>
+            <a:pPr algn="ctr" defTabSz="825500">
+              <a:lnSpc>
+                <a:spcPct val="100000"/>
+              </a:lnSpc>
+              <a:spcBef>
+                <a:spcPts val="0"/>
+              </a:spcBef>
+              <a:defRPr sz="3200">
+                <a:solidFill>
+                  <a:srgbClr val="FFFFFF"/>
+                </a:solidFill>
+                <a:latin typeface="Helvetica Neue Medium"/>
+                <a:ea typeface="Helvetica Neue Medium"/>
+                <a:cs typeface="Helvetica Neue Medium"/>
+                <a:sym typeface="Helvetica Neue Medium"/>
+              </a:defRPr>
+            </a:pPr>
+          </a:p>
+        </p:txBody>
+      </p:sp>
     </p:spTree>
   </p:cSld>
   <p:clrMapOvr>
@@ -4920,7 +4965,7 @@
       </p:grpSpPr>
       <p:sp>
         <p:nvSpPr>
-          <p:cNvPr id="182" name="기술 아키텍쳐"/>
+          <p:cNvPr id="183" name="기술 아키텍쳐"/>
           <p:cNvSpPr txBox="1"/>
           <p:nvPr/>
         </p:nvSpPr>
@@ -4971,7 +5016,7 @@
       </p:sp>
       <p:sp>
         <p:nvSpPr>
-          <p:cNvPr id="183" name="Router Agent: LangChain과 LangGraph 기반으로 동작, LLM이 의도를 분류하고, 신뢰도 점수와 근거를 함께 반환…"/>
+          <p:cNvPr id="184" name="Router Agent: LangChain과 LangGraph 기반으로 동작, LLM이 의도를 분류하고, 신뢰도 점수와 근거를 함께 반환…"/>
           <p:cNvSpPr txBox="1"/>
           <p:nvPr/>
         </p:nvSpPr>
@@ -5089,13 +5134,13 @@
       </p:sp>
       <p:sp>
         <p:nvSpPr>
-          <p:cNvPr id="184" name="Streamlit으로 구현되어 실시간 채팅 인터페이스를 제공, SQL 결과, 문서 인용, 일반 답변을 의도에 맞게 표시"/>
+          <p:cNvPr id="185" name="Streamlit으로 구현되어 실시간 채팅 인터페이스를 제공, SQL 결과, 문서 인용, 일반 답변을 의도에 맞게 표시"/>
           <p:cNvSpPr txBox="1"/>
           <p:nvPr/>
         </p:nvSpPr>
         <p:spPr>
           <a:xfrm>
-            <a:off x="559238" y="12609092"/>
+            <a:off x="559238" y="12609093"/>
             <a:ext cx="12568445" cy="406401"/>
           </a:xfrm>
           <a:prstGeom prst="rect">
@@ -5142,7 +5187,7 @@
       </p:sp>
       <p:sp>
         <p:nvSpPr>
-          <p:cNvPr id="185" name="ETL 파이프라인이 Redshift에서 CUR 데이터를 추출, 정규화, 집계하여 Parquet으로 저장한다. 최신 버전은 심볼릭 링크를 통해 접근한다.…"/>
+          <p:cNvPr id="186" name="ETL 파이프라인이 Redshift에서 CUR 데이터를 추출, 정규화, 집계하여 Parquet으로 저장한다. 최신 버전은 심볼릭 링크를 통해 접근한다.…"/>
           <p:cNvSpPr txBox="1"/>
           <p:nvPr/>
         </p:nvSpPr>
@@ -5214,7 +5259,7 @@
       </p:sp>
       <p:sp>
         <p:nvSpPr>
-          <p:cNvPr id="186" name="Agent"/>
+          <p:cNvPr id="187" name="Agent"/>
           <p:cNvSpPr txBox="1"/>
           <p:nvPr/>
         </p:nvSpPr>
@@ -5265,7 +5310,7 @@
       </p:sp>
       <p:sp>
         <p:nvSpPr>
-          <p:cNvPr id="187" name="Data (ETL: Extract &amp; Transform &amp; Load Pipeline)"/>
+          <p:cNvPr id="188" name="Data (ETL: Extract &amp; Transform &amp; Load Pipeline)"/>
           <p:cNvSpPr txBox="1"/>
           <p:nvPr/>
         </p:nvSpPr>
@@ -5316,7 +5361,7 @@
       </p:sp>
       <p:sp>
         <p:nvSpPr>
-          <p:cNvPr id="188" name="UI"/>
+          <p:cNvPr id="189" name="UI"/>
           <p:cNvSpPr txBox="1"/>
           <p:nvPr/>
         </p:nvSpPr>
@@ -5367,7 +5412,7 @@
       </p:sp>
       <p:sp>
         <p:nvSpPr>
-          <p:cNvPr id="189" name="UI"/>
+          <p:cNvPr id="190" name="UI"/>
           <p:cNvSpPr/>
           <p:nvPr/>
         </p:nvSpPr>
@@ -5419,7 +5464,7 @@
       </p:sp>
       <p:sp>
         <p:nvSpPr>
-          <p:cNvPr id="190" name="Router…"/>
+          <p:cNvPr id="191" name="Router…"/>
           <p:cNvSpPr/>
           <p:nvPr/>
         </p:nvSpPr>
@@ -5488,7 +5533,7 @@
       </p:sp>
       <p:sp>
         <p:nvSpPr>
-          <p:cNvPr id="191" name="General…"/>
+          <p:cNvPr id="192" name="General…"/>
           <p:cNvSpPr/>
           <p:nvPr/>
         </p:nvSpPr>
@@ -5557,7 +5602,7 @@
       </p:sp>
       <p:sp>
         <p:nvSpPr>
-          <p:cNvPr id="192" name="Docs…"/>
+          <p:cNvPr id="193" name="Docs…"/>
           <p:cNvSpPr/>
           <p:nvPr/>
         </p:nvSpPr>
@@ -5626,7 +5671,7 @@
       </p:sp>
       <p:sp>
         <p:nvSpPr>
-          <p:cNvPr id="193" name="SQL…"/>
+          <p:cNvPr id="194" name="SQL…"/>
           <p:cNvSpPr/>
           <p:nvPr/>
         </p:nvSpPr>
@@ -5695,7 +5740,7 @@
       </p:sp>
       <p:sp>
         <p:nvSpPr>
-          <p:cNvPr id="194" name="Data"/>
+          <p:cNvPr id="195" name="Data"/>
           <p:cNvSpPr/>
           <p:nvPr/>
         </p:nvSpPr>
@@ -5761,14 +5806,14 @@
       </p:sp>
       <p:sp>
         <p:nvSpPr>
-          <p:cNvPr id="195" name="ETL Pipeline…"/>
+          <p:cNvPr id="196" name="ETL Pipeline…"/>
           <p:cNvSpPr txBox="1"/>
           <p:nvPr/>
         </p:nvSpPr>
         <p:spPr>
           <a:xfrm>
-            <a:off x="13536532" y="2651947"/>
-            <a:ext cx="4713466" cy="3606801"/>
+            <a:off x="13481463" y="2575747"/>
+            <a:ext cx="4713467" cy="4064001"/>
           </a:xfrm>
           <a:prstGeom prst="rect">
             <a:avLst/>
@@ -5851,23 +5896,7 @@
             </a:r>
           </a:p>
           <a:p>
-            <a:pPr defTabSz="457200">
-              <a:lnSpc>
-                <a:spcPct val="100000"/>
-              </a:lnSpc>
-              <a:spcBef>
-                <a:spcPts val="1200"/>
-              </a:spcBef>
-              <a:defRPr sz="2100">
-                <a:latin typeface="나눔고딕"/>
-                <a:ea typeface="나눔고딕"/>
-                <a:cs typeface="나눔고딕"/>
-                <a:sym typeface="나눔고딕"/>
-              </a:defRPr>
-            </a:pPr>
-          </a:p>
-          <a:p>
-            <a:pPr marL="266700" indent="-266700" defTabSz="457200">
+            <a:pPr lvl="1" marL="876300" indent="-266700" defTabSz="457200">
               <a:lnSpc>
                 <a:spcPct val="100000"/>
               </a:lnSpc>
@@ -5884,11 +5913,27 @@
               </a:defRPr>
             </a:pPr>
             <a:r>
-              <a:t>문서 인덱스</a:t>
-            </a:r>
-          </a:p>
-          <a:p>
-            <a:pPr lvl="1" marL="876300" indent="-266700" defTabSz="457200">
+              <a:t>DuckDB 쿼리</a:t>
+            </a:r>
+          </a:p>
+          <a:p>
+            <a:pPr defTabSz="457200">
+              <a:lnSpc>
+                <a:spcPct val="100000"/>
+              </a:lnSpc>
+              <a:spcBef>
+                <a:spcPts val="1200"/>
+              </a:spcBef>
+              <a:defRPr sz="2100">
+                <a:latin typeface="나눔고딕"/>
+                <a:ea typeface="나눔고딕"/>
+                <a:cs typeface="나눔고딕"/>
+                <a:sym typeface="나눔고딕"/>
+              </a:defRPr>
+            </a:pPr>
+          </a:p>
+          <a:p>
+            <a:pPr marL="266700" indent="-266700" defTabSz="457200">
               <a:lnSpc>
                 <a:spcPct val="100000"/>
               </a:lnSpc>
@@ -5905,7 +5950,7 @@
               </a:defRPr>
             </a:pPr>
             <a:r>
-              <a:t>SageMaker 공식 문서 수집</a:t>
+              <a:t>문서 인덱스</a:t>
             </a:r>
           </a:p>
           <a:p>
@@ -5926,7 +5971,7 @@
               </a:defRPr>
             </a:pPr>
             <a:r>
-              <a:t>HTML 분할 &gt; 청크 생성 &gt; 임베딩</a:t>
+              <a:t>SageMaker 공식 문서 수집</a:t>
             </a:r>
           </a:p>
           <a:p>
@@ -5947,6 +5992,27 @@
               </a:defRPr>
             </a:pPr>
             <a:r>
+              <a:t>HTML 분할 &gt; 청크 생성 &gt; 임베딩</a:t>
+            </a:r>
+          </a:p>
+          <a:p>
+            <a:pPr lvl="1" marL="876300" indent="-266700" defTabSz="457200">
+              <a:lnSpc>
+                <a:spcPct val="100000"/>
+              </a:lnSpc>
+              <a:spcBef>
+                <a:spcPts val="1200"/>
+              </a:spcBef>
+              <a:buSzPct val="123000"/>
+              <a:buChar char="-"/>
+              <a:defRPr sz="2100">
+                <a:latin typeface="나눔고딕"/>
+                <a:ea typeface="나눔고딕"/>
+                <a:cs typeface="나눔고딕"/>
+                <a:sym typeface="나눔고딕"/>
+              </a:defRPr>
+            </a:pPr>
+            <a:r>
               <a:t>Chroma Vector DB 저장</a:t>
             </a:r>
           </a:p>
@@ -5954,7 +6020,7 @@
       </p:sp>
       <p:sp>
         <p:nvSpPr>
-          <p:cNvPr id="196" name="선"/>
+          <p:cNvPr id="197" name="선"/>
           <p:cNvSpPr/>
           <p:nvPr/>
         </p:nvSpPr>
@@ -5984,7 +6050,7 @@
       </p:sp>
       <p:sp>
         <p:nvSpPr>
-          <p:cNvPr id="197" name="선"/>
+          <p:cNvPr id="198" name="선"/>
           <p:cNvSpPr/>
           <p:nvPr/>
         </p:nvSpPr>
@@ -6014,14 +6080,14 @@
       </p:sp>
       <p:sp>
         <p:nvSpPr>
-          <p:cNvPr id="198" name="선"/>
+          <p:cNvPr id="199" name="선"/>
           <p:cNvSpPr/>
           <p:nvPr/>
         </p:nvSpPr>
         <p:spPr>
           <a:xfrm>
             <a:off x="8548763" y="2099209"/>
-            <a:ext cx="1090538" cy="1"/>
+            <a:ext cx="1090537" cy="1"/>
           </a:xfrm>
           <a:prstGeom prst="line">
             <a:avLst/>
@@ -6043,7 +6109,7 @@
       </p:sp>
       <p:sp>
         <p:nvSpPr>
-          <p:cNvPr id="199" name="선"/>
+          <p:cNvPr id="200" name="선"/>
           <p:cNvSpPr/>
           <p:nvPr/>
         </p:nvSpPr>
@@ -6072,14 +6138,14 @@
       </p:sp>
       <p:sp>
         <p:nvSpPr>
-          <p:cNvPr id="200" name="선"/>
+          <p:cNvPr id="201" name="선"/>
           <p:cNvSpPr/>
           <p:nvPr/>
         </p:nvSpPr>
         <p:spPr>
           <a:xfrm>
             <a:off x="8548763" y="6176485"/>
-            <a:ext cx="1090538" cy="1"/>
+            <a:ext cx="1090537" cy="1"/>
           </a:xfrm>
           <a:prstGeom prst="line">
             <a:avLst/>
@@ -6101,7 +6167,7 @@
       </p:sp>
       <p:sp>
         <p:nvSpPr>
-          <p:cNvPr id="201" name="선"/>
+          <p:cNvPr id="202" name="선"/>
           <p:cNvSpPr/>
           <p:nvPr/>
         </p:nvSpPr>
@@ -6130,7 +6196,7 @@
       </p:sp>
       <p:sp>
         <p:nvSpPr>
-          <p:cNvPr id="202" name="선"/>
+          <p:cNvPr id="203" name="선"/>
           <p:cNvSpPr/>
           <p:nvPr/>
         </p:nvSpPr>
@@ -6160,14 +6226,14 @@
       </p:sp>
       <p:sp>
         <p:nvSpPr>
-          <p:cNvPr id="203" name="선"/>
+          <p:cNvPr id="204" name="선"/>
           <p:cNvSpPr/>
           <p:nvPr/>
         </p:nvSpPr>
         <p:spPr>
           <a:xfrm flipV="1">
             <a:off x="11911228" y="4127787"/>
-            <a:ext cx="1248280" cy="1"/>
+            <a:ext cx="1248281" cy="1"/>
           </a:xfrm>
           <a:prstGeom prst="line">
             <a:avLst/>
@@ -6190,7 +6256,7 @@
       </p:sp>
       <p:sp>
         <p:nvSpPr>
-          <p:cNvPr id="204" name="Response"/>
+          <p:cNvPr id="205" name="Response"/>
           <p:cNvSpPr/>
           <p:nvPr/>
         </p:nvSpPr>
@@ -6242,7 +6308,7 @@
       </p:sp>
       <p:sp>
         <p:nvSpPr>
-          <p:cNvPr id="205" name="일반 대화"/>
+          <p:cNvPr id="206" name="일반 대화"/>
           <p:cNvSpPr txBox="1"/>
           <p:nvPr/>
         </p:nvSpPr>
@@ -6282,7 +6348,7 @@
       </p:sp>
       <p:sp>
         <p:nvSpPr>
-          <p:cNvPr id="206" name="NL to SQL"/>
+          <p:cNvPr id="207" name="NL to SQL"/>
           <p:cNvSpPr txBox="1"/>
           <p:nvPr/>
         </p:nvSpPr>
@@ -6322,7 +6388,7 @@
       </p:sp>
       <p:sp>
         <p:nvSpPr>
-          <p:cNvPr id="207" name="RAG"/>
+          <p:cNvPr id="208" name="RAG"/>
           <p:cNvSpPr txBox="1"/>
           <p:nvPr/>
         </p:nvSpPr>
@@ -6388,7 +6454,7 @@
       </p:grpSpPr>
       <p:sp>
         <p:nvSpPr>
-          <p:cNvPr id="209" name="핵심 기술"/>
+          <p:cNvPr id="210" name="핵심 기술"/>
           <p:cNvSpPr txBox="1"/>
           <p:nvPr/>
         </p:nvSpPr>
@@ -6439,7 +6505,7 @@
       </p:sp>
       <p:sp>
         <p:nvSpPr>
-          <p:cNvPr id="210" name="LangGraph를 이용해 상태 기반 워크플로우로 구성…"/>
+          <p:cNvPr id="211" name="LangGraph를 이용해 상태 기반 워크플로우로 구성…"/>
           <p:cNvSpPr txBox="1"/>
           <p:nvPr/>
         </p:nvSpPr>
@@ -6568,7 +6634,7 @@
       </p:sp>
       <p:sp>
         <p:nvSpPr>
-          <p:cNvPr id="211" name="문서를 HTML 분할 후 청킹하여 의미 단위로 임베딩…"/>
+          <p:cNvPr id="212" name="문서를 HTML 분할 후 청킹하여 의미 단위로 임베딩…"/>
           <p:cNvSpPr txBox="1"/>
           <p:nvPr/>
         </p:nvSpPr>
@@ -6674,7 +6740,7 @@
       </p:sp>
       <p:sp>
         <p:nvSpPr>
-          <p:cNvPr id="212" name="Agent 설계"/>
+          <p:cNvPr id="213" name="Agent 설계"/>
           <p:cNvSpPr txBox="1"/>
           <p:nvPr/>
         </p:nvSpPr>
@@ -6725,7 +6791,7 @@
       </p:sp>
       <p:sp>
         <p:nvSpPr>
-          <p:cNvPr id="213" name="Rag 최적화"/>
+          <p:cNvPr id="214" name="Rag 최적화"/>
           <p:cNvSpPr txBox="1"/>
           <p:nvPr/>
         </p:nvSpPr>
@@ -6776,7 +6842,7 @@
       </p:sp>
       <p:pic>
         <p:nvPicPr>
-          <p:cNvPr id="214" name="붙여넣은 동영상.png" descr="붙여넣은 동영상.png"/>
+          <p:cNvPr id="215" name="붙여넣은 동영상.png" descr="붙여넣은 동영상.png"/>
           <p:cNvPicPr>
             <a:picLocks noChangeAspect="1"/>
           </p:cNvPicPr>
@@ -6792,8 +6858,8 @@
         </p:blipFill>
         <p:spPr>
           <a:xfrm>
-            <a:off x="8870095" y="7915278"/>
-            <a:ext cx="9770500" cy="3317628"/>
+            <a:off x="10114695" y="7178678"/>
+            <a:ext cx="9770499" cy="3317628"/>
           </a:xfrm>
           <a:prstGeom prst="rect">
             <a:avLst/>
@@ -6805,7 +6871,7 @@
       </p:pic>
       <p:pic>
         <p:nvPicPr>
-          <p:cNvPr id="215" name="붙여넣은 동영상.png" descr="붙여넣은 동영상.png"/>
+          <p:cNvPr id="216" name="붙여넣은 동영상.png" descr="붙여넣은 동영상.png"/>
           <p:cNvPicPr>
             <a:picLocks noChangeAspect="1"/>
           </p:cNvPicPr>
@@ -6821,8 +6887,8 @@
         </p:blipFill>
         <p:spPr>
           <a:xfrm>
-            <a:off x="13106400" y="10115371"/>
-            <a:ext cx="10818423" cy="3255017"/>
+            <a:off x="11963400" y="10267771"/>
+            <a:ext cx="10818423" cy="3255018"/>
           </a:xfrm>
           <a:prstGeom prst="rect">
             <a:avLst/>
@@ -6834,7 +6900,7 @@
       </p:pic>
       <p:pic>
         <p:nvPicPr>
-          <p:cNvPr id="216" name="붙여넣은 동영상.png" descr="붙여넣은 동영상.png"/>
+          <p:cNvPr id="217" name="붙여넣은 동영상.png" descr="붙여넣은 동영상.png"/>
           <p:cNvPicPr>
             <a:picLocks noChangeAspect="1"/>
           </p:cNvPicPr>
@@ -6850,8 +6916,8 @@
         </p:blipFill>
         <p:spPr>
           <a:xfrm>
-            <a:off x="10909300" y="1593850"/>
-            <a:ext cx="9372600" cy="4838700"/>
+            <a:off x="12179300" y="1046164"/>
+            <a:ext cx="9372600" cy="4838701"/>
           </a:xfrm>
           <a:prstGeom prst="rect">
             <a:avLst/>
@@ -6889,7 +6955,7 @@
       </p:grpSpPr>
       <p:sp>
         <p:nvSpPr>
-          <p:cNvPr id="218" name="Demo"/>
+          <p:cNvPr id="219" name="Demo"/>
           <p:cNvSpPr txBox="1"/>
           <p:nvPr/>
         </p:nvSpPr>
@@ -6940,7 +7006,7 @@
       </p:sp>
       <p:pic>
         <p:nvPicPr>
-          <p:cNvPr id="219" name="붙여넣은 동영상.png" descr="붙여넣은 동영상.png"/>
+          <p:cNvPr id="220" name="붙여넣은 동영상.png" descr="붙여넣은 동영상.png"/>
           <p:cNvPicPr>
             <a:picLocks noChangeAspect="1"/>
           </p:cNvPicPr>

--- a/documentation/finops-ai-agent.pptx
+++ b/documentation/finops-ai-agent.pptx
@@ -6927,6 +6927,180 @@
           </a:ln>
         </p:spPr>
       </p:pic>
+      <p:sp>
+        <p:nvSpPr>
+          <p:cNvPr id="218" name="개선 포인트…"/>
+          <p:cNvSpPr txBox="1"/>
+          <p:nvPr/>
+        </p:nvSpPr>
+        <p:spPr>
+          <a:xfrm>
+            <a:off x="564034" y="4816478"/>
+            <a:ext cx="9032749" cy="1778001"/>
+          </a:xfrm>
+          <a:prstGeom prst="rect">
+            <a:avLst/>
+          </a:prstGeom>
+          <a:ln w="12700">
+            <a:miter lim="400000"/>
+          </a:ln>
+          <a:extLst>
+            <a:ext uri="{C572A759-6A51-4108-AA02-DFA0A04FC94B}">
+              <ma14:wrappingTextBoxFlag xmlns:ma14="http://schemas.microsoft.com/office/mac/drawingml/2011/main" val="1"/>
+            </a:ext>
+          </a:extLst>
+        </p:spPr>
+        <p:txBody>
+          <a:bodyPr wrap="none" lIns="50800" tIns="50800" rIns="50800" bIns="50800" anchor="ctr">
+            <a:spAutoFit/>
+          </a:bodyPr>
+          <a:lstStyle/>
+          <a:p>
+            <a:pPr defTabSz="457200">
+              <a:lnSpc>
+                <a:spcPct val="100000"/>
+              </a:lnSpc>
+              <a:spcBef>
+                <a:spcPts val="1200"/>
+              </a:spcBef>
+              <a:defRPr b="1" sz="2100">
+                <a:latin typeface="나눔고딕"/>
+                <a:ea typeface="나눔고딕"/>
+                <a:cs typeface="나눔고딕"/>
+                <a:sym typeface="나눔고딕"/>
+              </a:defRPr>
+            </a:pPr>
+            <a:r>
+              <a:t>개선 포인트</a:t>
+            </a:r>
+          </a:p>
+          <a:p>
+            <a:pPr defTabSz="457200">
+              <a:lnSpc>
+                <a:spcPct val="100000"/>
+              </a:lnSpc>
+              <a:spcBef>
+                <a:spcPts val="1200"/>
+              </a:spcBef>
+              <a:defRPr sz="2100">
+                <a:latin typeface="나눔고딕"/>
+                <a:ea typeface="나눔고딕"/>
+                <a:cs typeface="나눔고딕"/>
+                <a:sym typeface="나눔고딕"/>
+              </a:defRPr>
+            </a:pPr>
+            <a:r>
+              <a:t>Agent 재 라우팅 : 답변 품질이 낮을 경우, 다른 Agent에게 답변 품질 보강 요청</a:t>
+            </a:r>
+          </a:p>
+          <a:p>
+            <a:pPr defTabSz="457200">
+              <a:lnSpc>
+                <a:spcPct val="100000"/>
+              </a:lnSpc>
+              <a:spcBef>
+                <a:spcPts val="1200"/>
+              </a:spcBef>
+              <a:defRPr sz="2100">
+                <a:latin typeface="나눔고딕"/>
+                <a:ea typeface="나눔고딕"/>
+                <a:cs typeface="나눔고딕"/>
+                <a:sym typeface="나눔고딕"/>
+              </a:defRPr>
+            </a:pPr>
+            <a:r>
+              <a:t>ETL 과정에 LLM 도입 : CUR 데이터 분석에 AI 활용</a:t>
+            </a:r>
+          </a:p>
+          <a:p>
+            <a:pPr defTabSz="457200">
+              <a:lnSpc>
+                <a:spcPct val="100000"/>
+              </a:lnSpc>
+              <a:spcBef>
+                <a:spcPts val="1200"/>
+              </a:spcBef>
+              <a:defRPr sz="2100">
+                <a:latin typeface="나눔고딕"/>
+                <a:ea typeface="나눔고딕"/>
+                <a:cs typeface="나눔고딕"/>
+                <a:sym typeface="나눔고딕"/>
+              </a:defRPr>
+            </a:pPr>
+            <a:r>
+              <a:t>프롬프트 보강 Agent 도입</a:t>
+            </a:r>
+          </a:p>
+        </p:txBody>
+      </p:sp>
+      <p:sp>
+        <p:nvSpPr>
+          <p:cNvPr id="219" name="개선 포인트…"/>
+          <p:cNvSpPr txBox="1"/>
+          <p:nvPr/>
+        </p:nvSpPr>
+        <p:spPr>
+          <a:xfrm>
+            <a:off x="543849" y="11068108"/>
+            <a:ext cx="6808204" cy="863601"/>
+          </a:xfrm>
+          <a:prstGeom prst="rect">
+            <a:avLst/>
+          </a:prstGeom>
+          <a:ln w="12700">
+            <a:miter lim="400000"/>
+          </a:ln>
+          <a:extLst>
+            <a:ext uri="{C572A759-6A51-4108-AA02-DFA0A04FC94B}">
+              <ma14:wrappingTextBoxFlag xmlns:ma14="http://schemas.microsoft.com/office/mac/drawingml/2011/main" val="1"/>
+            </a:ext>
+          </a:extLst>
+        </p:spPr>
+        <p:txBody>
+          <a:bodyPr wrap="none" lIns="50800" tIns="50800" rIns="50800" bIns="50800" anchor="ctr">
+            <a:spAutoFit/>
+          </a:bodyPr>
+          <a:lstStyle/>
+          <a:p>
+            <a:pPr defTabSz="457200">
+              <a:lnSpc>
+                <a:spcPct val="100000"/>
+              </a:lnSpc>
+              <a:spcBef>
+                <a:spcPts val="1200"/>
+              </a:spcBef>
+              <a:defRPr b="1" sz="2100">
+                <a:latin typeface="나눔고딕"/>
+                <a:ea typeface="나눔고딕"/>
+                <a:cs typeface="나눔고딕"/>
+                <a:sym typeface="나눔고딕"/>
+              </a:defRPr>
+            </a:pPr>
+            <a:r>
+              <a:t>개선 포인트</a:t>
+            </a:r>
+          </a:p>
+          <a:p>
+            <a:pPr defTabSz="457200">
+              <a:lnSpc>
+                <a:spcPct val="100000"/>
+              </a:lnSpc>
+              <a:spcBef>
+                <a:spcPts val="1200"/>
+              </a:spcBef>
+              <a:defRPr sz="2100">
+                <a:latin typeface="나눔고딕"/>
+                <a:ea typeface="나눔고딕"/>
+                <a:cs typeface="나눔고딕"/>
+                <a:sym typeface="나눔고딕"/>
+              </a:defRPr>
+            </a:pPr>
+            <a:r>
+              <a:t>문서 임베딩 단계에서 Summary 생성하여 키워드 검색 구현</a:t>
+            </a:r>
+          </a:p>
+        </p:txBody>
+      </p:sp>
     </p:spTree>
   </p:cSld>
   <p:clrMapOvr>
@@ -6955,7 +7129,7 @@
       </p:grpSpPr>
       <p:sp>
         <p:nvSpPr>
-          <p:cNvPr id="219" name="Demo"/>
+          <p:cNvPr id="221" name="Demo"/>
           <p:cNvSpPr txBox="1"/>
           <p:nvPr/>
         </p:nvSpPr>
@@ -7006,7 +7180,7 @@
       </p:sp>
       <p:pic>
         <p:nvPicPr>
-          <p:cNvPr id="220" name="붙여넣은 동영상.png" descr="붙여넣은 동영상.png"/>
+          <p:cNvPr id="222" name="붙여넣은 동영상.png" descr="붙여넣은 동영상.png"/>
           <p:cNvPicPr>
             <a:picLocks noChangeAspect="1"/>
           </p:cNvPicPr>

--- a/documentation/finops-ai-agent.pptx
+++ b/documentation/finops-ai-agent.pptx
@@ -4963,9 +4963,38 @@
           <a:chExt cx="0" cy="0"/>
         </a:xfrm>
       </p:grpSpPr>
-      <p:sp>
-        <p:nvSpPr>
-          <p:cNvPr id="183" name="기술 아키텍쳐"/>
+      <p:pic>
+        <p:nvPicPr>
+          <p:cNvPr id="183" name="Untitled diagram _ Mermaid Chart-2025-08-29-024632.png" descr="Untitled diagram _ Mermaid Chart-2025-08-29-024632.png"/>
+          <p:cNvPicPr>
+            <a:picLocks noChangeAspect="1"/>
+          </p:cNvPicPr>
+          <p:nvPr/>
+        </p:nvPicPr>
+        <p:blipFill>
+          <a:blip r:embed="rId2">
+            <a:extLst/>
+          </a:blip>
+          <a:stretch>
+            <a:fillRect/>
+          </a:stretch>
+        </p:blipFill>
+        <p:spPr>
+          <a:xfrm>
+            <a:off x="9923975" y="2008046"/>
+            <a:ext cx="14271132" cy="9699908"/>
+          </a:xfrm>
+          <a:prstGeom prst="rect">
+            <a:avLst/>
+          </a:prstGeom>
+          <a:ln w="12700">
+            <a:miter lim="400000"/>
+          </a:ln>
+        </p:spPr>
+      </p:pic>
+      <p:sp>
+        <p:nvSpPr>
+          <p:cNvPr id="184" name="기술 아키텍쳐"/>
           <p:cNvSpPr txBox="1"/>
           <p:nvPr/>
         </p:nvSpPr>
@@ -5016,14 +5045,14 @@
       </p:sp>
       <p:sp>
         <p:nvSpPr>
-          <p:cNvPr id="184" name="Router Agent: LangChain과 LangGraph 기반으로 동작, LLM이 의도를 분류하고, 신뢰도 점수와 근거를 함께 반환…"/>
+          <p:cNvPr id="185" name="Router Agent:  LangChain과 LangGraph 기반으로 동작, LLM이 의도를 분류하고, 신뢰도 점수와 근거를 함께 반환…"/>
           <p:cNvSpPr txBox="1"/>
           <p:nvPr/>
         </p:nvSpPr>
         <p:spPr>
           <a:xfrm>
-            <a:off x="537091" y="7908065"/>
-            <a:ext cx="22559316" cy="1778001"/>
+            <a:off x="486291" y="2681846"/>
+            <a:ext cx="10175673" cy="4425951"/>
           </a:xfrm>
           <a:prstGeom prst="rect">
             <a:avLst/>
@@ -5045,7 +5074,7 @@
           <a:p>
             <a:pPr marL="457200" indent="-317500" defTabSz="457200">
               <a:lnSpc>
-                <a:spcPct val="100000"/>
+                <a:spcPct val="150000"/>
               </a:lnSpc>
               <a:spcBef>
                 <a:spcPts val="1200"/>
@@ -5053,7 +5082,7 @@
               <a:buSzPct val="123000"/>
               <a:buFont typeface="Times Roman"/>
               <a:buChar char="•"/>
-              <a:defRPr sz="2100">
+              <a:defRPr sz="1800">
                 <a:latin typeface="나눔고딕"/>
                 <a:ea typeface="나눔고딕"/>
                 <a:cs typeface="나눔고딕"/>
@@ -5061,13 +5090,17 @@
               </a:defRPr>
             </a:pPr>
             <a:r>
-              <a:t>Router Agent: LangChain과 LangGraph 기반으로 동작, LLM이 의도를 분류하고, 신뢰도 점수와 근거를 함께 반환</a:t>
+              <a:t>Router Agent: </a:t>
+            </a:r>
+            <a:br/>
+            <a:r>
+              <a:t>LangChain과 LangGraph 기반으로 동작, LLM이 의도를 분류하고, 신뢰도 점수와 근거를 함께 반환</a:t>
             </a:r>
           </a:p>
           <a:p>
             <a:pPr marL="457200" indent="-317500" defTabSz="457200">
               <a:lnSpc>
-                <a:spcPct val="100000"/>
+                <a:spcPct val="150000"/>
               </a:lnSpc>
               <a:spcBef>
                 <a:spcPts val="1200"/>
@@ -5075,7 +5108,7 @@
               <a:buSzPct val="123000"/>
               <a:buFont typeface="Times Roman"/>
               <a:buChar char="•"/>
-              <a:defRPr sz="2100">
+              <a:defRPr sz="1800">
                 <a:latin typeface="나눔고딕"/>
                 <a:ea typeface="나눔고딕"/>
                 <a:cs typeface="나눔고딕"/>
@@ -5083,13 +5116,17 @@
               </a:defRPr>
             </a:pPr>
             <a:r>
-              <a:t>General Agent: 인사, 도움말 같은 일반 질의에 응답</a:t>
+              <a:t>General Agent: </a:t>
+            </a:r>
+            <a:br/>
+            <a:r>
+              <a:t>인사, 도움말 같은 일반 질의에 응답</a:t>
             </a:r>
           </a:p>
           <a:p>
             <a:pPr marL="457200" indent="-317500" defTabSz="457200">
               <a:lnSpc>
-                <a:spcPct val="100000"/>
+                <a:spcPct val="150000"/>
               </a:lnSpc>
               <a:spcBef>
                 <a:spcPts val="1200"/>
@@ -5097,7 +5134,7 @@
               <a:buSzPct val="123000"/>
               <a:buFont typeface="Times Roman"/>
               <a:buChar char="•"/>
-              <a:defRPr sz="2100">
+              <a:defRPr sz="1800">
                 <a:latin typeface="나눔고딕"/>
                 <a:ea typeface="나눔고딕"/>
                 <a:cs typeface="나눔고딕"/>
@@ -5105,13 +5142,17 @@
               </a:defRPr>
             </a:pPr>
             <a:r>
-              <a:t>SQL Agent: Redshift CUR에서 추출·변환된 데이터 &gt; Parquet 형식으로 Read &gt; 자연어를 SQL로 변환하고 실행</a:t>
+              <a:t>SQL Agent:</a:t>
+            </a:r>
+            <a:br/>
+            <a:r>
+              <a:t> Redshift CUR에서 추출·변환된 데이터 &gt; Parquet 형식으로 Read &gt; NL2SQL</a:t>
             </a:r>
           </a:p>
           <a:p>
             <a:pPr marL="457200" indent="-317500" defTabSz="457200">
               <a:lnSpc>
-                <a:spcPct val="100000"/>
+                <a:spcPct val="150000"/>
               </a:lnSpc>
               <a:spcBef>
                 <a:spcPts val="1200"/>
@@ -5119,7 +5160,7 @@
               <a:buSzPct val="123000"/>
               <a:buFont typeface="Times Roman"/>
               <a:buChar char="•"/>
-              <a:defRPr sz="2100">
+              <a:defRPr sz="1800">
                 <a:latin typeface="나눔고딕"/>
                 <a:ea typeface="나눔고딕"/>
                 <a:cs typeface="나눔고딕"/>
@@ -5127,21 +5168,33 @@
               </a:defRPr>
             </a:pPr>
             <a:r>
-              <a:t>Docs Agent: SageMaker 공식 문서를 크롤링·청킹·임베딩하여 Chroma 벡터 DB에 저장,  LangChain RAG로 검색 후 답변을 생성. 답변 품질이 낮을 경우 Tavily를 통해 웹검색 수행하여 품질 보강</a:t>
-            </a:r>
-          </a:p>
-        </p:txBody>
-      </p:sp>
-      <p:sp>
-        <p:nvSpPr>
-          <p:cNvPr id="185" name="Streamlit으로 구현되어 실시간 채팅 인터페이스를 제공, SQL 결과, 문서 인용, 일반 답변을 의도에 맞게 표시"/>
+              <a:t>Docs Agent: </a:t>
+            </a:r>
+            <a:br/>
+            <a:r>
+              <a:t>SageMaker 공식 문서를 크롤링·청킹·임베딩하여 Chroma 벡터 DB에 저장</a:t>
+            </a:r>
+            <a:br/>
+            <a:r>
+              <a:t>LangChain RAG로 검색 후 답변을 생성. </a:t>
+            </a:r>
+            <a:br/>
+            <a:r>
+              <a:t>답변 품질이 낮을 경우 Tavily를 통해 웹검색 수행하여 품질 보강</a:t>
+            </a:r>
+          </a:p>
+        </p:txBody>
+      </p:sp>
+      <p:sp>
+        <p:nvSpPr>
+          <p:cNvPr id="186" name="Streamlit으로 구현, 실시간 채팅…"/>
           <p:cNvSpPr txBox="1"/>
           <p:nvPr/>
         </p:nvSpPr>
         <p:spPr>
           <a:xfrm>
-            <a:off x="559238" y="12609093"/>
-            <a:ext cx="12568445" cy="406401"/>
+            <a:off x="511691" y="10279790"/>
+            <a:ext cx="5314646" cy="768351"/>
           </a:xfrm>
           <a:prstGeom prst="rect">
             <a:avLst/>
@@ -5159,42 +5212,61 @@
           <a:bodyPr wrap="none" lIns="50800" tIns="50800" rIns="50800" bIns="50800" anchor="ctr">
             <a:spAutoFit/>
           </a:bodyPr>
-          <a:lstStyle>
-            <a:lvl1pPr marL="266700" indent="-266700" defTabSz="457200">
-              <a:lnSpc>
-                <a:spcPct val="100000"/>
+          <a:lstStyle/>
+          <a:p>
+            <a:pPr marL="266700" indent="-266700" defTabSz="457200">
+              <a:lnSpc>
+                <a:spcPct val="150000"/>
               </a:lnSpc>
               <a:spcBef>
                 <a:spcPts val="0"/>
               </a:spcBef>
               <a:buSzPct val="123000"/>
               <a:buChar char="•"/>
-              <a:defRPr sz="2100">
+              <a:defRPr sz="1800">
                 <a:latin typeface="나눔고딕"/>
                 <a:ea typeface="나눔고딕"/>
                 <a:cs typeface="나눔고딕"/>
                 <a:sym typeface="나눔고딕"/>
               </a:defRPr>
-            </a:lvl1pPr>
-          </a:lstStyle>
-          <a:p>
-            <a:pPr/>
-            <a:r>
-              <a:t>Streamlit으로 구현되어 실시간 채팅 인터페이스를 제공, SQL 결과, 문서 인용, 일반 답변을 의도에 맞게 표시</a:t>
-            </a:r>
-          </a:p>
-        </p:txBody>
-      </p:sp>
-      <p:sp>
-        <p:nvSpPr>
-          <p:cNvPr id="186" name="ETL 파이프라인이 Redshift에서 CUR 데이터를 추출, 정규화, 집계하여 Parquet으로 저장한다. 최신 버전은 심볼릭 링크를 통해 접근한다.…"/>
+            </a:pPr>
+            <a:r>
+              <a:t>Streamlit으로 구현, 실시간 채팅</a:t>
+            </a:r>
+          </a:p>
+          <a:p>
+            <a:pPr marL="266700" indent="-266700" defTabSz="457200">
+              <a:lnSpc>
+                <a:spcPct val="150000"/>
+              </a:lnSpc>
+              <a:spcBef>
+                <a:spcPts val="0"/>
+              </a:spcBef>
+              <a:buSzPct val="123000"/>
+              <a:buChar char="•"/>
+              <a:defRPr sz="1800">
+                <a:latin typeface="나눔고딕"/>
+                <a:ea typeface="나눔고딕"/>
+                <a:cs typeface="나눔고딕"/>
+                <a:sym typeface="나눔고딕"/>
+              </a:defRPr>
+            </a:pPr>
+            <a:r>
+              <a:t>SQL 결과, 문서 인용, 일반 답변을 의도에 맞게 표시</a:t>
+            </a:r>
+          </a:p>
+        </p:txBody>
+      </p:sp>
+      <p:sp>
+        <p:nvSpPr>
+          <p:cNvPr id="187" name="ETL 파이프라인이 Redshift에서 CUR 데이터를 추출, 정규화, 집계 후 Parquet으로 저장…"/>
           <p:cNvSpPr txBox="1"/>
           <p:nvPr/>
         </p:nvSpPr>
         <p:spPr>
           <a:xfrm>
-            <a:off x="537091" y="10781382"/>
-            <a:ext cx="15820318" cy="863601"/>
+            <a:off x="511691" y="8352773"/>
+            <a:ext cx="8822742" cy="920751"/>
           </a:xfrm>
           <a:prstGeom prst="rect">
             <a:avLst/>
@@ -5216,14 +5288,14 @@
           <a:p>
             <a:pPr marL="266700" indent="-266700" defTabSz="457200">
               <a:lnSpc>
-                <a:spcPct val="100000"/>
+                <a:spcPct val="150000"/>
               </a:lnSpc>
               <a:spcBef>
                 <a:spcPts val="1200"/>
               </a:spcBef>
               <a:buSzPct val="123000"/>
               <a:buChar char="•"/>
-              <a:defRPr sz="2100">
+              <a:defRPr sz="1800">
                 <a:latin typeface="나눔고딕"/>
                 <a:ea typeface="나눔고딕"/>
                 <a:cs typeface="나눔고딕"/>
@@ -5231,20 +5303,20 @@
               </a:defRPr>
             </a:pPr>
             <a:r>
-              <a:t>ETL 파이프라인이 Redshift에서 CUR 데이터를 추출, 정규화, 집계하여 Parquet으로 저장한다. 최신 버전은 심볼릭 링크를 통해 접근한다.</a:t>
+              <a:t>ETL 파이프라인이 Redshift에서 CUR 데이터를 추출, 정규화, 집계 후 Parquet으로 저장</a:t>
             </a:r>
           </a:p>
           <a:p>
             <a:pPr marL="266700" indent="-266700" defTabSz="457200">
               <a:lnSpc>
-                <a:spcPct val="100000"/>
+                <a:spcPct val="150000"/>
               </a:lnSpc>
               <a:spcBef>
                 <a:spcPts val="1200"/>
               </a:spcBef>
               <a:buSzPct val="123000"/>
               <a:buChar char="•"/>
-              <a:defRPr sz="2100">
+              <a:defRPr sz="1800">
                 <a:latin typeface="나눔고딕"/>
                 <a:ea typeface="나눔고딕"/>
                 <a:cs typeface="나눔고딕"/>
@@ -5252,21 +5324,21 @@
               </a:defRPr>
             </a:pPr>
             <a:r>
-              <a:t>SageMaker 공식 문서를 수집, 청킹, 임베딩하여 Chorma DB에 저장한다. </a:t>
-            </a:r>
-          </a:p>
-        </p:txBody>
-      </p:sp>
-      <p:sp>
-        <p:nvSpPr>
-          <p:cNvPr id="187" name="Agent"/>
+              <a:t>SageMaker 공식 문서를 수집, 청킹, 임베딩하여 Chorma DB에 저장</a:t>
+            </a:r>
+          </a:p>
+        </p:txBody>
+      </p:sp>
+      <p:sp>
+        <p:nvSpPr>
+          <p:cNvPr id="188" name="Agent"/>
           <p:cNvSpPr txBox="1"/>
           <p:nvPr/>
         </p:nvSpPr>
         <p:spPr>
           <a:xfrm>
-            <a:off x="537091" y="7283450"/>
-            <a:ext cx="1090538" cy="495301"/>
+            <a:off x="486291" y="2109970"/>
+            <a:ext cx="909753" cy="419101"/>
           </a:xfrm>
           <a:prstGeom prst="rect">
             <a:avLst/>
@@ -5292,7 +5364,7 @@
               <a:spcBef>
                 <a:spcPts val="1200"/>
               </a:spcBef>
-              <a:defRPr b="1" sz="2700">
+              <a:defRPr b="1" sz="2200">
                 <a:latin typeface="나눔고딕"/>
                 <a:ea typeface="나눔고딕"/>
                 <a:cs typeface="나눔고딕"/>
@@ -5310,14 +5382,14 @@
       </p:sp>
       <p:sp>
         <p:nvSpPr>
-          <p:cNvPr id="188" name="Data (ETL: Extract &amp; Transform &amp; Load Pipeline)"/>
+          <p:cNvPr id="189" name="Data (ETL: Extract &amp; Transform &amp; Load Pipeline)"/>
           <p:cNvSpPr txBox="1"/>
           <p:nvPr/>
         </p:nvSpPr>
         <p:spPr>
           <a:xfrm>
-            <a:off x="537091" y="10172648"/>
-            <a:ext cx="7625526" cy="495301"/>
+            <a:off x="511691" y="7807404"/>
+            <a:ext cx="6234558" cy="419101"/>
           </a:xfrm>
           <a:prstGeom prst="rect">
             <a:avLst/>
@@ -5343,7 +5415,7 @@
               <a:spcBef>
                 <a:spcPts val="1200"/>
               </a:spcBef>
-              <a:defRPr b="1" sz="2700">
+              <a:defRPr b="1" sz="2200">
                 <a:latin typeface="나눔고딕"/>
                 <a:ea typeface="나눔고딕"/>
                 <a:cs typeface="나눔고딕"/>
@@ -5361,14 +5433,14 @@
       </p:sp>
       <p:sp>
         <p:nvSpPr>
-          <p:cNvPr id="189" name="UI"/>
+          <p:cNvPr id="190" name="UI"/>
           <p:cNvSpPr txBox="1"/>
           <p:nvPr/>
         </p:nvSpPr>
         <p:spPr>
           <a:xfrm>
-            <a:off x="537091" y="11923517"/>
-            <a:ext cx="446571" cy="495301"/>
+            <a:off x="511691" y="9844697"/>
+            <a:ext cx="385040" cy="419101"/>
           </a:xfrm>
           <a:prstGeom prst="rect">
             <a:avLst/>
@@ -5394,7 +5466,7 @@
               <a:spcBef>
                 <a:spcPts val="1200"/>
               </a:spcBef>
-              <a:defRPr b="1" sz="2700">
+              <a:defRPr b="1" sz="2200">
                 <a:latin typeface="나눔고딕"/>
                 <a:ea typeface="나눔고딕"/>
                 <a:cs typeface="나눔고딕"/>
@@ -5406,1022 +5478,6 @@
             <a:pPr/>
             <a:r>
               <a:t>UI</a:t>
-            </a:r>
-          </a:p>
-        </p:txBody>
-      </p:sp>
-      <p:sp>
-        <p:nvSpPr>
-          <p:cNvPr id="190" name="UI"/>
-          <p:cNvSpPr/>
-          <p:nvPr/>
-        </p:nvSpPr>
-        <p:spPr>
-          <a:xfrm>
-            <a:off x="1697885" y="3492787"/>
-            <a:ext cx="1773338" cy="1270001"/>
-          </a:xfrm>
-          <a:prstGeom prst="rect">
-            <a:avLst/>
-          </a:prstGeom>
-          <a:ln w="25400">
-            <a:solidFill>
-              <a:srgbClr val="000000"/>
-            </a:solidFill>
-            <a:miter lim="400000"/>
-          </a:ln>
-          <a:extLst>
-            <a:ext uri="{C572A759-6A51-4108-AA02-DFA0A04FC94B}">
-              <ma14:wrappingTextBoxFlag xmlns:ma14="http://schemas.microsoft.com/office/mac/drawingml/2011/main" val="1"/>
-            </a:ext>
-          </a:extLst>
-        </p:spPr>
-        <p:txBody>
-          <a:bodyPr lIns="50800" tIns="50800" rIns="50800" bIns="50800" anchor="ctr"/>
-          <a:lstStyle>
-            <a:lvl1pPr algn="ctr" defTabSz="825500">
-              <a:lnSpc>
-                <a:spcPct val="100000"/>
-              </a:lnSpc>
-              <a:spcBef>
-                <a:spcPts val="0"/>
-              </a:spcBef>
-              <a:defRPr b="1" sz="3300">
-                <a:latin typeface="나눔고딕"/>
-                <a:ea typeface="나눔고딕"/>
-                <a:cs typeface="나눔고딕"/>
-                <a:sym typeface="나눔고딕"/>
-              </a:defRPr>
-            </a:lvl1pPr>
-          </a:lstStyle>
-          <a:p>
-            <a:pPr/>
-            <a:r>
-              <a:t>UI</a:t>
-            </a:r>
-          </a:p>
-        </p:txBody>
-      </p:sp>
-      <p:sp>
-        <p:nvSpPr>
-          <p:cNvPr id="191" name="Router…"/>
-          <p:cNvSpPr/>
-          <p:nvPr/>
-        </p:nvSpPr>
-        <p:spPr>
-          <a:xfrm>
-            <a:off x="5063385" y="3530887"/>
-            <a:ext cx="1773338" cy="1270001"/>
-          </a:xfrm>
-          <a:prstGeom prst="rect">
-            <a:avLst/>
-          </a:prstGeom>
-          <a:ln w="25400">
-            <a:solidFill>
-              <a:srgbClr val="000000"/>
-            </a:solidFill>
-            <a:miter lim="400000"/>
-          </a:ln>
-          <a:extLst>
-            <a:ext uri="{C572A759-6A51-4108-AA02-DFA0A04FC94B}">
-              <ma14:wrappingTextBoxFlag xmlns:ma14="http://schemas.microsoft.com/office/mac/drawingml/2011/main" val="1"/>
-            </a:ext>
-          </a:extLst>
-        </p:spPr>
-        <p:txBody>
-          <a:bodyPr lIns="50800" tIns="50800" rIns="50800" bIns="50800" anchor="ctr"/>
-          <a:lstStyle/>
-          <a:p>
-            <a:pPr algn="ctr" defTabSz="825500">
-              <a:lnSpc>
-                <a:spcPct val="100000"/>
-              </a:lnSpc>
-              <a:spcBef>
-                <a:spcPts val="0"/>
-              </a:spcBef>
-              <a:defRPr b="1" sz="2800">
-                <a:latin typeface="나눔고딕"/>
-                <a:ea typeface="나눔고딕"/>
-                <a:cs typeface="나눔고딕"/>
-                <a:sym typeface="나눔고딕"/>
-              </a:defRPr>
-            </a:pPr>
-            <a:r>
-              <a:t>Router</a:t>
-            </a:r>
-          </a:p>
-          <a:p>
-            <a:pPr algn="ctr" defTabSz="825500">
-              <a:lnSpc>
-                <a:spcPct val="100000"/>
-              </a:lnSpc>
-              <a:spcBef>
-                <a:spcPts val="0"/>
-              </a:spcBef>
-              <a:defRPr b="1" sz="2800">
-                <a:latin typeface="나눔고딕"/>
-                <a:ea typeface="나눔고딕"/>
-                <a:cs typeface="나눔고딕"/>
-                <a:sym typeface="나눔고딕"/>
-              </a:defRPr>
-            </a:pPr>
-            <a:r>
-              <a:t>Agent</a:t>
-            </a:r>
-          </a:p>
-        </p:txBody>
-      </p:sp>
-      <p:sp>
-        <p:nvSpPr>
-          <p:cNvPr id="192" name="General…"/>
-          <p:cNvSpPr/>
-          <p:nvPr/>
-        </p:nvSpPr>
-        <p:spPr>
-          <a:xfrm>
-            <a:off x="9638028" y="1508947"/>
-            <a:ext cx="1773338" cy="1270001"/>
-          </a:xfrm>
-          <a:prstGeom prst="rect">
-            <a:avLst/>
-          </a:prstGeom>
-          <a:ln w="25400">
-            <a:solidFill>
-              <a:srgbClr val="000000"/>
-            </a:solidFill>
-            <a:miter lim="400000"/>
-          </a:ln>
-          <a:extLst>
-            <a:ext uri="{C572A759-6A51-4108-AA02-DFA0A04FC94B}">
-              <ma14:wrappingTextBoxFlag xmlns:ma14="http://schemas.microsoft.com/office/mac/drawingml/2011/main" val="1"/>
-            </a:ext>
-          </a:extLst>
-        </p:spPr>
-        <p:txBody>
-          <a:bodyPr lIns="50800" tIns="50800" rIns="50800" bIns="50800" anchor="ctr"/>
-          <a:lstStyle/>
-          <a:p>
-            <a:pPr algn="ctr" defTabSz="825500">
-              <a:lnSpc>
-                <a:spcPct val="100000"/>
-              </a:lnSpc>
-              <a:spcBef>
-                <a:spcPts val="0"/>
-              </a:spcBef>
-              <a:defRPr b="1" sz="2800">
-                <a:latin typeface="나눔고딕"/>
-                <a:ea typeface="나눔고딕"/>
-                <a:cs typeface="나눔고딕"/>
-                <a:sym typeface="나눔고딕"/>
-              </a:defRPr>
-            </a:pPr>
-            <a:r>
-              <a:t>General</a:t>
-            </a:r>
-          </a:p>
-          <a:p>
-            <a:pPr algn="ctr" defTabSz="825500">
-              <a:lnSpc>
-                <a:spcPct val="100000"/>
-              </a:lnSpc>
-              <a:spcBef>
-                <a:spcPts val="0"/>
-              </a:spcBef>
-              <a:defRPr b="1" sz="2800">
-                <a:latin typeface="나눔고딕"/>
-                <a:ea typeface="나눔고딕"/>
-                <a:cs typeface="나눔고딕"/>
-                <a:sym typeface="나눔고딕"/>
-              </a:defRPr>
-            </a:pPr>
-            <a:r>
-              <a:t>Agent</a:t>
-            </a:r>
-          </a:p>
-        </p:txBody>
-      </p:sp>
-      <p:sp>
-        <p:nvSpPr>
-          <p:cNvPr id="193" name="Docs…"/>
-          <p:cNvSpPr/>
-          <p:nvPr/>
-        </p:nvSpPr>
-        <p:spPr>
-          <a:xfrm>
-            <a:off x="9638028" y="5572947"/>
-            <a:ext cx="1773338" cy="1270001"/>
-          </a:xfrm>
-          <a:prstGeom prst="rect">
-            <a:avLst/>
-          </a:prstGeom>
-          <a:ln w="25400">
-            <a:solidFill>
-              <a:srgbClr val="000000"/>
-            </a:solidFill>
-            <a:miter lim="400000"/>
-          </a:ln>
-          <a:extLst>
-            <a:ext uri="{C572A759-6A51-4108-AA02-DFA0A04FC94B}">
-              <ma14:wrappingTextBoxFlag xmlns:ma14="http://schemas.microsoft.com/office/mac/drawingml/2011/main" val="1"/>
-            </a:ext>
-          </a:extLst>
-        </p:spPr>
-        <p:txBody>
-          <a:bodyPr lIns="50800" tIns="50800" rIns="50800" bIns="50800" anchor="ctr"/>
-          <a:lstStyle/>
-          <a:p>
-            <a:pPr algn="ctr" defTabSz="825500">
-              <a:lnSpc>
-                <a:spcPct val="100000"/>
-              </a:lnSpc>
-              <a:spcBef>
-                <a:spcPts val="0"/>
-              </a:spcBef>
-              <a:defRPr b="1" sz="2800">
-                <a:latin typeface="나눔고딕"/>
-                <a:ea typeface="나눔고딕"/>
-                <a:cs typeface="나눔고딕"/>
-                <a:sym typeface="나눔고딕"/>
-              </a:defRPr>
-            </a:pPr>
-            <a:r>
-              <a:t>Docs</a:t>
-            </a:r>
-          </a:p>
-          <a:p>
-            <a:pPr algn="ctr" defTabSz="825500">
-              <a:lnSpc>
-                <a:spcPct val="100000"/>
-              </a:lnSpc>
-              <a:spcBef>
-                <a:spcPts val="0"/>
-              </a:spcBef>
-              <a:defRPr b="1" sz="2800">
-                <a:latin typeface="나눔고딕"/>
-                <a:ea typeface="나눔고딕"/>
-                <a:cs typeface="나눔고딕"/>
-                <a:sym typeface="나눔고딕"/>
-              </a:defRPr>
-            </a:pPr>
-            <a:r>
-              <a:t>Agent</a:t>
-            </a:r>
-          </a:p>
-        </p:txBody>
-      </p:sp>
-      <p:sp>
-        <p:nvSpPr>
-          <p:cNvPr id="194" name="SQL…"/>
-          <p:cNvSpPr/>
-          <p:nvPr/>
-        </p:nvSpPr>
-        <p:spPr>
-          <a:xfrm>
-            <a:off x="9638028" y="3540947"/>
-            <a:ext cx="1773338" cy="1270001"/>
-          </a:xfrm>
-          <a:prstGeom prst="rect">
-            <a:avLst/>
-          </a:prstGeom>
-          <a:ln w="25400">
-            <a:solidFill>
-              <a:srgbClr val="000000"/>
-            </a:solidFill>
-            <a:miter lim="400000"/>
-          </a:ln>
-          <a:extLst>
-            <a:ext uri="{C572A759-6A51-4108-AA02-DFA0A04FC94B}">
-              <ma14:wrappingTextBoxFlag xmlns:ma14="http://schemas.microsoft.com/office/mac/drawingml/2011/main" val="1"/>
-            </a:ext>
-          </a:extLst>
-        </p:spPr>
-        <p:txBody>
-          <a:bodyPr lIns="50800" tIns="50800" rIns="50800" bIns="50800" anchor="ctr"/>
-          <a:lstStyle/>
-          <a:p>
-            <a:pPr algn="ctr" defTabSz="825500">
-              <a:lnSpc>
-                <a:spcPct val="100000"/>
-              </a:lnSpc>
-              <a:spcBef>
-                <a:spcPts val="0"/>
-              </a:spcBef>
-              <a:defRPr b="1" sz="2800">
-                <a:latin typeface="나눔고딕"/>
-                <a:ea typeface="나눔고딕"/>
-                <a:cs typeface="나눔고딕"/>
-                <a:sym typeface="나눔고딕"/>
-              </a:defRPr>
-            </a:pPr>
-            <a:r>
-              <a:t>SQL</a:t>
-            </a:r>
-          </a:p>
-          <a:p>
-            <a:pPr algn="ctr" defTabSz="825500">
-              <a:lnSpc>
-                <a:spcPct val="100000"/>
-              </a:lnSpc>
-              <a:spcBef>
-                <a:spcPts val="0"/>
-              </a:spcBef>
-              <a:defRPr b="1" sz="2800">
-                <a:latin typeface="나눔고딕"/>
-                <a:ea typeface="나눔고딕"/>
-                <a:cs typeface="나눔고딕"/>
-                <a:sym typeface="나눔고딕"/>
-              </a:defRPr>
-            </a:pPr>
-            <a:r>
-              <a:t>Agent</a:t>
-            </a:r>
-          </a:p>
-        </p:txBody>
-      </p:sp>
-      <p:sp>
-        <p:nvSpPr>
-          <p:cNvPr id="195" name="Data"/>
-          <p:cNvSpPr/>
-          <p:nvPr/>
-        </p:nvSpPr>
-        <p:spPr>
-          <a:xfrm>
-            <a:off x="13277569" y="1508947"/>
-            <a:ext cx="5231392" cy="5334001"/>
-          </a:xfrm>
-          <a:prstGeom prst="rect">
-            <a:avLst/>
-          </a:prstGeom>
-          <a:ln w="25400">
-            <a:solidFill>
-              <a:srgbClr val="000000"/>
-            </a:solidFill>
-            <a:miter lim="400000"/>
-          </a:ln>
-          <a:extLst>
-            <a:ext uri="{C572A759-6A51-4108-AA02-DFA0A04FC94B}">
-              <ma14:wrappingTextBoxFlag xmlns:ma14="http://schemas.microsoft.com/office/mac/drawingml/2011/main" val="1"/>
-            </a:ext>
-          </a:extLst>
-        </p:spPr>
-        <p:txBody>
-          <a:bodyPr lIns="50800" tIns="50800" rIns="50800" bIns="50800"/>
-          <a:lstStyle/>
-          <a:p>
-            <a:pPr algn="ctr" defTabSz="825500">
-              <a:lnSpc>
-                <a:spcPct val="100000"/>
-              </a:lnSpc>
-              <a:spcBef>
-                <a:spcPts val="0"/>
-              </a:spcBef>
-              <a:defRPr sz="2800">
-                <a:latin typeface="나눔고딕"/>
-                <a:ea typeface="나눔고딕"/>
-                <a:cs typeface="나눔고딕"/>
-                <a:sym typeface="나눔고딕"/>
-              </a:defRPr>
-            </a:pPr>
-          </a:p>
-          <a:p>
-            <a:pPr algn="ctr" defTabSz="825500">
-              <a:lnSpc>
-                <a:spcPct val="100000"/>
-              </a:lnSpc>
-              <a:spcBef>
-                <a:spcPts val="0"/>
-              </a:spcBef>
-              <a:defRPr b="1" sz="2800">
-                <a:latin typeface="나눔고딕"/>
-                <a:ea typeface="나눔고딕"/>
-                <a:cs typeface="나눔고딕"/>
-                <a:sym typeface="나눔고딕"/>
-              </a:defRPr>
-            </a:pPr>
-            <a:r>
-              <a:t>Data</a:t>
-            </a:r>
-          </a:p>
-        </p:txBody>
-      </p:sp>
-      <p:sp>
-        <p:nvSpPr>
-          <p:cNvPr id="196" name="ETL Pipeline…"/>
-          <p:cNvSpPr txBox="1"/>
-          <p:nvPr/>
-        </p:nvSpPr>
-        <p:spPr>
-          <a:xfrm>
-            <a:off x="13481463" y="2575747"/>
-            <a:ext cx="4713467" cy="4064001"/>
-          </a:xfrm>
-          <a:prstGeom prst="rect">
-            <a:avLst/>
-          </a:prstGeom>
-          <a:ln w="12700">
-            <a:miter lim="400000"/>
-          </a:ln>
-          <a:extLst>
-            <a:ext uri="{C572A759-6A51-4108-AA02-DFA0A04FC94B}">
-              <ma14:wrappingTextBoxFlag xmlns:ma14="http://schemas.microsoft.com/office/mac/drawingml/2011/main" val="1"/>
-            </a:ext>
-          </a:extLst>
-        </p:spPr>
-        <p:txBody>
-          <a:bodyPr wrap="none" lIns="50800" tIns="50800" rIns="50800" bIns="50800" anchor="ctr">
-            <a:spAutoFit/>
-          </a:bodyPr>
-          <a:lstStyle/>
-          <a:p>
-            <a:pPr marL="266700" indent="-266700" defTabSz="457200">
-              <a:lnSpc>
-                <a:spcPct val="100000"/>
-              </a:lnSpc>
-              <a:spcBef>
-                <a:spcPts val="1200"/>
-              </a:spcBef>
-              <a:buSzPct val="123000"/>
-              <a:buChar char="-"/>
-              <a:defRPr sz="2100">
-                <a:latin typeface="나눔고딕"/>
-                <a:ea typeface="나눔고딕"/>
-                <a:cs typeface="나눔고딕"/>
-                <a:sym typeface="나눔고딕"/>
-              </a:defRPr>
-            </a:pPr>
-            <a:r>
-              <a:t>ETL Pipeline</a:t>
-            </a:r>
-          </a:p>
-          <a:p>
-            <a:pPr lvl="1" marL="876300" indent="-266700" defTabSz="457200">
-              <a:lnSpc>
-                <a:spcPct val="100000"/>
-              </a:lnSpc>
-              <a:spcBef>
-                <a:spcPts val="1200"/>
-              </a:spcBef>
-              <a:buSzPct val="123000"/>
-              <a:buChar char="-"/>
-              <a:defRPr sz="2100">
-                <a:latin typeface="나눔고딕"/>
-                <a:ea typeface="나눔고딕"/>
-                <a:cs typeface="나눔고딕"/>
-                <a:sym typeface="나눔고딕"/>
-              </a:defRPr>
-            </a:pPr>
-            <a:r>
-              <a:t>Redshift CUR 추출</a:t>
-            </a:r>
-          </a:p>
-          <a:p>
-            <a:pPr lvl="1" marL="876300" indent="-266700" defTabSz="457200">
-              <a:lnSpc>
-                <a:spcPct val="100000"/>
-              </a:lnSpc>
-              <a:spcBef>
-                <a:spcPts val="1200"/>
-              </a:spcBef>
-              <a:buSzPct val="123000"/>
-              <a:buChar char="-"/>
-              <a:defRPr sz="2100">
-                <a:latin typeface="나눔고딕"/>
-                <a:ea typeface="나눔고딕"/>
-                <a:cs typeface="나눔고딕"/>
-                <a:sym typeface="나눔고딕"/>
-              </a:defRPr>
-            </a:pPr>
-            <a:r>
-              <a:t>변환, 집계 후 Parquet 저장</a:t>
-            </a:r>
-          </a:p>
-          <a:p>
-            <a:pPr lvl="1" marL="876300" indent="-266700" defTabSz="457200">
-              <a:lnSpc>
-                <a:spcPct val="100000"/>
-              </a:lnSpc>
-              <a:spcBef>
-                <a:spcPts val="1200"/>
-              </a:spcBef>
-              <a:buSzPct val="123000"/>
-              <a:buChar char="-"/>
-              <a:defRPr sz="2100">
-                <a:latin typeface="나눔고딕"/>
-                <a:ea typeface="나눔고딕"/>
-                <a:cs typeface="나눔고딕"/>
-                <a:sym typeface="나눔고딕"/>
-              </a:defRPr>
-            </a:pPr>
-            <a:r>
-              <a:t>DuckDB 쿼리</a:t>
-            </a:r>
-          </a:p>
-          <a:p>
-            <a:pPr defTabSz="457200">
-              <a:lnSpc>
-                <a:spcPct val="100000"/>
-              </a:lnSpc>
-              <a:spcBef>
-                <a:spcPts val="1200"/>
-              </a:spcBef>
-              <a:defRPr sz="2100">
-                <a:latin typeface="나눔고딕"/>
-                <a:ea typeface="나눔고딕"/>
-                <a:cs typeface="나눔고딕"/>
-                <a:sym typeface="나눔고딕"/>
-              </a:defRPr>
-            </a:pPr>
-          </a:p>
-          <a:p>
-            <a:pPr marL="266700" indent="-266700" defTabSz="457200">
-              <a:lnSpc>
-                <a:spcPct val="100000"/>
-              </a:lnSpc>
-              <a:spcBef>
-                <a:spcPts val="1200"/>
-              </a:spcBef>
-              <a:buSzPct val="123000"/>
-              <a:buChar char="-"/>
-              <a:defRPr sz="2100">
-                <a:latin typeface="나눔고딕"/>
-                <a:ea typeface="나눔고딕"/>
-                <a:cs typeface="나눔고딕"/>
-                <a:sym typeface="나눔고딕"/>
-              </a:defRPr>
-            </a:pPr>
-            <a:r>
-              <a:t>문서 인덱스</a:t>
-            </a:r>
-          </a:p>
-          <a:p>
-            <a:pPr lvl="1" marL="876300" indent="-266700" defTabSz="457200">
-              <a:lnSpc>
-                <a:spcPct val="100000"/>
-              </a:lnSpc>
-              <a:spcBef>
-                <a:spcPts val="1200"/>
-              </a:spcBef>
-              <a:buSzPct val="123000"/>
-              <a:buChar char="-"/>
-              <a:defRPr sz="2100">
-                <a:latin typeface="나눔고딕"/>
-                <a:ea typeface="나눔고딕"/>
-                <a:cs typeface="나눔고딕"/>
-                <a:sym typeface="나눔고딕"/>
-              </a:defRPr>
-            </a:pPr>
-            <a:r>
-              <a:t>SageMaker 공식 문서 수집</a:t>
-            </a:r>
-          </a:p>
-          <a:p>
-            <a:pPr lvl="1" marL="876300" indent="-266700" defTabSz="457200">
-              <a:lnSpc>
-                <a:spcPct val="100000"/>
-              </a:lnSpc>
-              <a:spcBef>
-                <a:spcPts val="1200"/>
-              </a:spcBef>
-              <a:buSzPct val="123000"/>
-              <a:buChar char="-"/>
-              <a:defRPr sz="2100">
-                <a:latin typeface="나눔고딕"/>
-                <a:ea typeface="나눔고딕"/>
-                <a:cs typeface="나눔고딕"/>
-                <a:sym typeface="나눔고딕"/>
-              </a:defRPr>
-            </a:pPr>
-            <a:r>
-              <a:t>HTML 분할 &gt; 청크 생성 &gt; 임베딩</a:t>
-            </a:r>
-          </a:p>
-          <a:p>
-            <a:pPr lvl="1" marL="876300" indent="-266700" defTabSz="457200">
-              <a:lnSpc>
-                <a:spcPct val="100000"/>
-              </a:lnSpc>
-              <a:spcBef>
-                <a:spcPts val="1200"/>
-              </a:spcBef>
-              <a:buSzPct val="123000"/>
-              <a:buChar char="-"/>
-              <a:defRPr sz="2100">
-                <a:latin typeface="나눔고딕"/>
-                <a:ea typeface="나눔고딕"/>
-                <a:cs typeface="나눔고딕"/>
-                <a:sym typeface="나눔고딕"/>
-              </a:defRPr>
-            </a:pPr>
-            <a:r>
-              <a:t>Chroma Vector DB 저장</a:t>
-            </a:r>
-          </a:p>
-        </p:txBody>
-      </p:sp>
-      <p:sp>
-        <p:nvSpPr>
-          <p:cNvPr id="197" name="선"/>
-          <p:cNvSpPr/>
-          <p:nvPr/>
-        </p:nvSpPr>
-        <p:spPr>
-          <a:xfrm flipV="1">
-            <a:off x="3674914" y="4127787"/>
-            <a:ext cx="1248280" cy="1"/>
-          </a:xfrm>
-          <a:prstGeom prst="line">
-            <a:avLst/>
-          </a:prstGeom>
-          <a:ln w="25400">
-            <a:solidFill>
-              <a:srgbClr val="000000"/>
-            </a:solidFill>
-            <a:miter lim="400000"/>
-            <a:tailEnd type="triangle"/>
-          </a:ln>
-        </p:spPr>
-        <p:txBody>
-          <a:bodyPr lIns="50800" tIns="50800" rIns="50800" bIns="50800" anchor="ctr"/>
-          <a:lstStyle/>
-          <a:p>
-            <a:pPr/>
-          </a:p>
-        </p:txBody>
-      </p:sp>
-      <p:sp>
-        <p:nvSpPr>
-          <p:cNvPr id="198" name="선"/>
-          <p:cNvSpPr/>
-          <p:nvPr/>
-        </p:nvSpPr>
-        <p:spPr>
-          <a:xfrm flipV="1">
-            <a:off x="7074953" y="4127787"/>
-            <a:ext cx="1248280" cy="1"/>
-          </a:xfrm>
-          <a:prstGeom prst="line">
-            <a:avLst/>
-          </a:prstGeom>
-          <a:ln w="25400">
-            <a:solidFill>
-              <a:srgbClr val="000000"/>
-            </a:solidFill>
-            <a:miter lim="400000"/>
-            <a:tailEnd type="triangle"/>
-          </a:ln>
-        </p:spPr>
-        <p:txBody>
-          <a:bodyPr lIns="50800" tIns="50800" rIns="50800" bIns="50800" anchor="ctr"/>
-          <a:lstStyle/>
-          <a:p>
-            <a:pPr/>
-          </a:p>
-        </p:txBody>
-      </p:sp>
-      <p:sp>
-        <p:nvSpPr>
-          <p:cNvPr id="199" name="선"/>
-          <p:cNvSpPr/>
-          <p:nvPr/>
-        </p:nvSpPr>
-        <p:spPr>
-          <a:xfrm>
-            <a:off x="8548763" y="2099209"/>
-            <a:ext cx="1090537" cy="1"/>
-          </a:xfrm>
-          <a:prstGeom prst="line">
-            <a:avLst/>
-          </a:prstGeom>
-          <a:ln w="25400">
-            <a:solidFill>
-              <a:srgbClr val="000000"/>
-            </a:solidFill>
-            <a:miter lim="400000"/>
-          </a:ln>
-        </p:spPr>
-        <p:txBody>
-          <a:bodyPr lIns="50800" tIns="50800" rIns="50800" bIns="50800" anchor="ctr"/>
-          <a:lstStyle/>
-          <a:p>
-            <a:pPr/>
-          </a:p>
-        </p:txBody>
-      </p:sp>
-      <p:sp>
-        <p:nvSpPr>
-          <p:cNvPr id="200" name="선"/>
-          <p:cNvSpPr/>
-          <p:nvPr/>
-        </p:nvSpPr>
-        <p:spPr>
-          <a:xfrm>
-            <a:off x="8548763" y="4137847"/>
-            <a:ext cx="1090537" cy="1"/>
-          </a:xfrm>
-          <a:prstGeom prst="line">
-            <a:avLst/>
-          </a:prstGeom>
-          <a:ln w="25400">
-            <a:solidFill>
-              <a:srgbClr val="000000"/>
-            </a:solidFill>
-            <a:miter lim="400000"/>
-          </a:ln>
-        </p:spPr>
-        <p:txBody>
-          <a:bodyPr lIns="50800" tIns="50800" rIns="50800" bIns="50800" anchor="ctr"/>
-          <a:lstStyle/>
-          <a:p>
-            <a:pPr/>
-          </a:p>
-        </p:txBody>
-      </p:sp>
-      <p:sp>
-        <p:nvSpPr>
-          <p:cNvPr id="201" name="선"/>
-          <p:cNvSpPr/>
-          <p:nvPr/>
-        </p:nvSpPr>
-        <p:spPr>
-          <a:xfrm>
-            <a:off x="8548763" y="6176485"/>
-            <a:ext cx="1090537" cy="1"/>
-          </a:xfrm>
-          <a:prstGeom prst="line">
-            <a:avLst/>
-          </a:prstGeom>
-          <a:ln w="25400">
-            <a:solidFill>
-              <a:srgbClr val="000000"/>
-            </a:solidFill>
-            <a:miter lim="400000"/>
-          </a:ln>
-        </p:spPr>
-        <p:txBody>
-          <a:bodyPr lIns="50800" tIns="50800" rIns="50800" bIns="50800" anchor="ctr"/>
-          <a:lstStyle/>
-          <a:p>
-            <a:pPr/>
-          </a:p>
-        </p:txBody>
-      </p:sp>
-      <p:sp>
-        <p:nvSpPr>
-          <p:cNvPr id="202" name="선"/>
-          <p:cNvSpPr/>
-          <p:nvPr/>
-        </p:nvSpPr>
-        <p:spPr>
-          <a:xfrm flipV="1">
-            <a:off x="8548763" y="2099209"/>
-            <a:ext cx="1" cy="4077277"/>
-          </a:xfrm>
-          <a:prstGeom prst="line">
-            <a:avLst/>
-          </a:prstGeom>
-          <a:ln w="25400">
-            <a:solidFill>
-              <a:srgbClr val="000000"/>
-            </a:solidFill>
-            <a:miter lim="400000"/>
-          </a:ln>
-        </p:spPr>
-        <p:txBody>
-          <a:bodyPr lIns="50800" tIns="50800" rIns="50800" bIns="50800" anchor="ctr"/>
-          <a:lstStyle/>
-          <a:p>
-            <a:pPr/>
-          </a:p>
-        </p:txBody>
-      </p:sp>
-      <p:sp>
-        <p:nvSpPr>
-          <p:cNvPr id="203" name="선"/>
-          <p:cNvSpPr/>
-          <p:nvPr/>
-        </p:nvSpPr>
-        <p:spPr>
-          <a:xfrm flipV="1">
-            <a:off x="18627022" y="4127787"/>
-            <a:ext cx="1248280" cy="1"/>
-          </a:xfrm>
-          <a:prstGeom prst="line">
-            <a:avLst/>
-          </a:prstGeom>
-          <a:ln w="25400">
-            <a:solidFill>
-              <a:srgbClr val="000000"/>
-            </a:solidFill>
-            <a:miter lim="400000"/>
-            <a:tailEnd type="triangle"/>
-          </a:ln>
-        </p:spPr>
-        <p:txBody>
-          <a:bodyPr lIns="50800" tIns="50800" rIns="50800" bIns="50800" anchor="ctr"/>
-          <a:lstStyle/>
-          <a:p>
-            <a:pPr/>
-          </a:p>
-        </p:txBody>
-      </p:sp>
-      <p:sp>
-        <p:nvSpPr>
-          <p:cNvPr id="204" name="선"/>
-          <p:cNvSpPr/>
-          <p:nvPr/>
-        </p:nvSpPr>
-        <p:spPr>
-          <a:xfrm flipV="1">
-            <a:off x="11911228" y="4127787"/>
-            <a:ext cx="1248281" cy="1"/>
-          </a:xfrm>
-          <a:prstGeom prst="line">
-            <a:avLst/>
-          </a:prstGeom>
-          <a:ln w="25400">
-            <a:solidFill>
-              <a:srgbClr val="000000"/>
-            </a:solidFill>
-            <a:miter lim="400000"/>
-            <a:tailEnd type="triangle"/>
-          </a:ln>
-        </p:spPr>
-        <p:txBody>
-          <a:bodyPr lIns="50800" tIns="50800" rIns="50800" bIns="50800" anchor="ctr"/>
-          <a:lstStyle/>
-          <a:p>
-            <a:pPr/>
-          </a:p>
-        </p:txBody>
-      </p:sp>
-      <p:sp>
-        <p:nvSpPr>
-          <p:cNvPr id="205" name="Response"/>
-          <p:cNvSpPr/>
-          <p:nvPr/>
-        </p:nvSpPr>
-        <p:spPr>
-          <a:xfrm>
-            <a:off x="20265026" y="3530887"/>
-            <a:ext cx="2494789" cy="1270001"/>
-          </a:xfrm>
-          <a:prstGeom prst="rect">
-            <a:avLst/>
-          </a:prstGeom>
-          <a:ln w="25400">
-            <a:solidFill>
-              <a:srgbClr val="000000"/>
-            </a:solidFill>
-            <a:miter lim="400000"/>
-          </a:ln>
-          <a:extLst>
-            <a:ext uri="{C572A759-6A51-4108-AA02-DFA0A04FC94B}">
-              <ma14:wrappingTextBoxFlag xmlns:ma14="http://schemas.microsoft.com/office/mac/drawingml/2011/main" val="1"/>
-            </a:ext>
-          </a:extLst>
-        </p:spPr>
-        <p:txBody>
-          <a:bodyPr lIns="50800" tIns="50800" rIns="50800" bIns="50800" anchor="ctr"/>
-          <a:lstStyle>
-            <a:lvl1pPr algn="ctr" defTabSz="825500">
-              <a:lnSpc>
-                <a:spcPct val="100000"/>
-              </a:lnSpc>
-              <a:spcBef>
-                <a:spcPts val="0"/>
-              </a:spcBef>
-              <a:defRPr b="1" sz="3300">
-                <a:latin typeface="나눔고딕"/>
-                <a:ea typeface="나눔고딕"/>
-                <a:cs typeface="나눔고딕"/>
-                <a:sym typeface="나눔고딕"/>
-              </a:defRPr>
-            </a:lvl1pPr>
-          </a:lstStyle>
-          <a:p>
-            <a:pPr/>
-            <a:r>
-              <a:t>Response</a:t>
-            </a:r>
-          </a:p>
-        </p:txBody>
-      </p:sp>
-      <p:sp>
-        <p:nvSpPr>
-          <p:cNvPr id="206" name="일반 대화"/>
-          <p:cNvSpPr txBox="1"/>
-          <p:nvPr/>
-        </p:nvSpPr>
-        <p:spPr>
-          <a:xfrm>
-            <a:off x="9992821" y="1027695"/>
-            <a:ext cx="1063753" cy="421388"/>
-          </a:xfrm>
-          <a:prstGeom prst="rect">
-            <a:avLst/>
-          </a:prstGeom>
-          <a:ln w="12700">
-            <a:miter lim="400000"/>
-          </a:ln>
-          <a:extLst>
-            <a:ext uri="{C572A759-6A51-4108-AA02-DFA0A04FC94B}">
-              <ma14:wrappingTextBoxFlag xmlns:ma14="http://schemas.microsoft.com/office/mac/drawingml/2011/main" val="1"/>
-            </a:ext>
-          </a:extLst>
-        </p:spPr>
-        <p:txBody>
-          <a:bodyPr wrap="none" lIns="50800" tIns="50800" rIns="50800" bIns="50800" anchor="ctr">
-            <a:spAutoFit/>
-          </a:bodyPr>
-          <a:lstStyle>
-            <a:lvl1pPr>
-              <a:defRPr sz="2000"/>
-            </a:lvl1pPr>
-          </a:lstStyle>
-          <a:p>
-            <a:pPr/>
-            <a:r>
-              <a:t>일반 대화</a:t>
-            </a:r>
-          </a:p>
-        </p:txBody>
-      </p:sp>
-      <p:sp>
-        <p:nvSpPr>
-          <p:cNvPr id="207" name="NL to SQL"/>
-          <p:cNvSpPr txBox="1"/>
-          <p:nvPr/>
-        </p:nvSpPr>
-        <p:spPr>
-          <a:xfrm>
-            <a:off x="9872298" y="3100003"/>
-            <a:ext cx="1304799" cy="399289"/>
-          </a:xfrm>
-          <a:prstGeom prst="rect">
-            <a:avLst/>
-          </a:prstGeom>
-          <a:ln w="12700">
-            <a:miter lim="400000"/>
-          </a:ln>
-          <a:extLst>
-            <a:ext uri="{C572A759-6A51-4108-AA02-DFA0A04FC94B}">
-              <ma14:wrappingTextBoxFlag xmlns:ma14="http://schemas.microsoft.com/office/mac/drawingml/2011/main" val="1"/>
-            </a:ext>
-          </a:extLst>
-        </p:spPr>
-        <p:txBody>
-          <a:bodyPr wrap="none" lIns="50800" tIns="50800" rIns="50800" bIns="50800" anchor="ctr">
-            <a:spAutoFit/>
-          </a:bodyPr>
-          <a:lstStyle>
-            <a:lvl1pPr>
-              <a:defRPr sz="2000"/>
-            </a:lvl1pPr>
-          </a:lstStyle>
-          <a:p>
-            <a:pPr/>
-            <a:r>
-              <a:t>NL to SQL</a:t>
-            </a:r>
-          </a:p>
-        </p:txBody>
-      </p:sp>
-      <p:sp>
-        <p:nvSpPr>
-          <p:cNvPr id="208" name="RAG"/>
-          <p:cNvSpPr txBox="1"/>
-          <p:nvPr/>
-        </p:nvSpPr>
-        <p:spPr>
-          <a:xfrm>
-            <a:off x="10201863" y="5157166"/>
-            <a:ext cx="645669" cy="399289"/>
-          </a:xfrm>
-          <a:prstGeom prst="rect">
-            <a:avLst/>
-          </a:prstGeom>
-          <a:ln w="12700">
-            <a:miter lim="400000"/>
-          </a:ln>
-          <a:extLst>
-            <a:ext uri="{C572A759-6A51-4108-AA02-DFA0A04FC94B}">
-              <ma14:wrappingTextBoxFlag xmlns:ma14="http://schemas.microsoft.com/office/mac/drawingml/2011/main" val="1"/>
-            </a:ext>
-          </a:extLst>
-        </p:spPr>
-        <p:txBody>
-          <a:bodyPr wrap="none" lIns="50800" tIns="50800" rIns="50800" bIns="50800" anchor="ctr">
-            <a:spAutoFit/>
-          </a:bodyPr>
-          <a:lstStyle>
-            <a:lvl1pPr>
-              <a:defRPr sz="2000"/>
-            </a:lvl1pPr>
-          </a:lstStyle>
-          <a:p>
-            <a:pPr/>
-            <a:r>
-              <a:t>RAG</a:t>
             </a:r>
           </a:p>
         </p:txBody>
@@ -6454,7 +5510,7 @@
       </p:grpSpPr>
       <p:sp>
         <p:nvSpPr>
-          <p:cNvPr id="210" name="핵심 기술"/>
+          <p:cNvPr id="192" name="핵심 기술"/>
           <p:cNvSpPr txBox="1"/>
           <p:nvPr/>
         </p:nvSpPr>
@@ -6505,7 +5561,7 @@
       </p:sp>
       <p:sp>
         <p:nvSpPr>
-          <p:cNvPr id="211" name="LangGraph를 이용해 상태 기반 워크플로우로 구성…"/>
+          <p:cNvPr id="193" name="LangGraph를 이용해 상태 기반 워크플로우로 구성…"/>
           <p:cNvSpPr txBox="1"/>
           <p:nvPr/>
         </p:nvSpPr>
@@ -6634,7 +5690,7 @@
       </p:sp>
       <p:sp>
         <p:nvSpPr>
-          <p:cNvPr id="212" name="문서를 HTML 분할 후 청킹하여 의미 단위로 임베딩…"/>
+          <p:cNvPr id="194" name="문서를 HTML 분할 후 청킹하여 의미 단위로 임베딩…"/>
           <p:cNvSpPr txBox="1"/>
           <p:nvPr/>
         </p:nvSpPr>
@@ -6740,7 +5796,7 @@
       </p:sp>
       <p:sp>
         <p:nvSpPr>
-          <p:cNvPr id="213" name="Agent 설계"/>
+          <p:cNvPr id="195" name="Agent 설계"/>
           <p:cNvSpPr txBox="1"/>
           <p:nvPr/>
         </p:nvSpPr>
@@ -6791,7 +5847,7 @@
       </p:sp>
       <p:sp>
         <p:nvSpPr>
-          <p:cNvPr id="214" name="Rag 최적화"/>
+          <p:cNvPr id="196" name="Rag 최적화"/>
           <p:cNvSpPr txBox="1"/>
           <p:nvPr/>
         </p:nvSpPr>
@@ -6842,7 +5898,7 @@
       </p:sp>
       <p:pic>
         <p:nvPicPr>
-          <p:cNvPr id="215" name="붙여넣은 동영상.png" descr="붙여넣은 동영상.png"/>
+          <p:cNvPr id="197" name="붙여넣은 동영상.png" descr="붙여넣은 동영상.png"/>
           <p:cNvPicPr>
             <a:picLocks noChangeAspect="1"/>
           </p:cNvPicPr>
@@ -6858,8 +5914,8 @@
         </p:blipFill>
         <p:spPr>
           <a:xfrm>
-            <a:off x="10114695" y="7178678"/>
-            <a:ext cx="9770499" cy="3317628"/>
+            <a:off x="8760445" y="6474400"/>
+            <a:ext cx="11048549" cy="3751596"/>
           </a:xfrm>
           <a:prstGeom prst="rect">
             <a:avLst/>
@@ -6871,7 +5927,7 @@
       </p:pic>
       <p:pic>
         <p:nvPicPr>
-          <p:cNvPr id="216" name="붙여넣은 동영상.png" descr="붙여넣은 동영상.png"/>
+          <p:cNvPr id="198" name="붙여넣은 동영상.png" descr="붙여넣은 동영상.png"/>
           <p:cNvPicPr>
             <a:picLocks noChangeAspect="1"/>
           </p:cNvPicPr>
@@ -6887,8 +5943,8 @@
         </p:blipFill>
         <p:spPr>
           <a:xfrm>
-            <a:off x="11963400" y="10267771"/>
-            <a:ext cx="10818423" cy="3255018"/>
+            <a:off x="11684988" y="9948599"/>
+            <a:ext cx="12236033" cy="3681544"/>
           </a:xfrm>
           <a:prstGeom prst="rect">
             <a:avLst/>
@@ -6900,7 +5956,7 @@
       </p:pic>
       <p:pic>
         <p:nvPicPr>
-          <p:cNvPr id="217" name="붙여넣은 동영상.png" descr="붙여넣은 동영상.png"/>
+          <p:cNvPr id="199" name="붙여넣은 동영상.png" descr="붙여넣은 동영상.png"/>
           <p:cNvPicPr>
             <a:picLocks noChangeAspect="1"/>
           </p:cNvPicPr>
@@ -6929,7 +5985,7 @@
       </p:pic>
       <p:sp>
         <p:nvSpPr>
-          <p:cNvPr id="218" name="개선 포인트…"/>
+          <p:cNvPr id="200" name="개선 포인트…"/>
           <p:cNvSpPr txBox="1"/>
           <p:nvPr/>
         </p:nvSpPr>
@@ -7035,7 +6091,7 @@
       </p:sp>
       <p:sp>
         <p:nvSpPr>
-          <p:cNvPr id="219" name="개선 포인트…"/>
+          <p:cNvPr id="201" name="개선 포인트…"/>
           <p:cNvSpPr txBox="1"/>
           <p:nvPr/>
         </p:nvSpPr>
@@ -7129,7 +6185,7 @@
       </p:grpSpPr>
       <p:sp>
         <p:nvSpPr>
-          <p:cNvPr id="221" name="Demo"/>
+          <p:cNvPr id="203" name="Demo"/>
           <p:cNvSpPr txBox="1"/>
           <p:nvPr/>
         </p:nvSpPr>
@@ -7180,7 +6236,7 @@
       </p:sp>
       <p:pic>
         <p:nvPicPr>
-          <p:cNvPr id="222" name="붙여넣은 동영상.png" descr="붙여넣은 동영상.png"/>
+          <p:cNvPr id="204" name="붙여넣은 동영상.png" descr="붙여넣은 동영상.png"/>
           <p:cNvPicPr>
             <a:picLocks noChangeAspect="1"/>
           </p:cNvPicPr>

--- a/documentation/finops-ai-agent.pptx
+++ b/documentation/finops-ai-agent.pptx
@@ -4965,7 +4965,7 @@
       </p:grpSpPr>
       <p:pic>
         <p:nvPicPr>
-          <p:cNvPr id="183" name="Untitled diagram _ Mermaid Chart-2025-08-29-024632.png" descr="Untitled diagram _ Mermaid Chart-2025-08-29-024632.png"/>
+          <p:cNvPr id="183" name="Untitled diagram _ Mermaid Chart-2025-08-29-030508.png" descr="Untitled diagram _ Mermaid Chart-2025-08-29-030508.png"/>
           <p:cNvPicPr>
             <a:picLocks noChangeAspect="1"/>
           </p:cNvPicPr>
@@ -4981,8 +4981,8 @@
         </p:blipFill>
         <p:spPr>
           <a:xfrm>
-            <a:off x="9923975" y="2008046"/>
-            <a:ext cx="14271132" cy="9699908"/>
+            <a:off x="9587882" y="2798265"/>
+            <a:ext cx="14063843" cy="9196437"/>
           </a:xfrm>
           <a:prstGeom prst="rect">
             <a:avLst/>

--- a/documentation/finops-ai-agent.pptx
+++ b/documentation/finops-ai-agent.pptx
@@ -1,18 +1,18 @@
 
 <file path=ppt/presentation.xml><?xml version="1.0" encoding="utf-8"?>
-<p:presentation xmlns:a="http://schemas.openxmlformats.org/drawingml/2006/main" xmlns:r="http://schemas.openxmlformats.org/officeDocument/2006/relationships" xmlns:p="http://schemas.openxmlformats.org/presentationml/2006/main" xmlns:m="http://schemas.openxmlformats.org/officeDocument/2006/math" xmlns:a14="http://schemas.microsoft.com/office/drawing/2010/main">
+<p:presentation xmlns:a="http://schemas.openxmlformats.org/drawingml/2006/main" xmlns:r="http://schemas.openxmlformats.org/officeDocument/2006/relationships" xmlns:p="http://schemas.openxmlformats.org/presentationml/2006/main">
   <p:sldMasterIdLst>
-    <p:sldMasterId id="2147483648" r:id="rId5"/>
+    <p:sldMasterId id="2147483648" r:id="rId1"/>
   </p:sldMasterIdLst>
   <p:notesMasterIdLst>
     <p:notesMasterId r:id="rId7"/>
   </p:notesMasterIdLst>
   <p:sldIdLst>
-    <p:sldId id="256" r:id="rId8"/>
-    <p:sldId id="257" r:id="rId9"/>
-    <p:sldId id="258" r:id="rId10"/>
-    <p:sldId id="259" r:id="rId11"/>
-    <p:sldId id="260" r:id="rId12"/>
+    <p:sldId id="256" r:id="rId2"/>
+    <p:sldId id="257" r:id="rId3"/>
+    <p:sldId id="258" r:id="rId4"/>
+    <p:sldId id="259" r:id="rId5"/>
+    <p:sldId id="260" r:id="rId6"/>
   </p:sldIdLst>
   <p:sldSz cx="24384000" cy="13716000"/>
   <p:notesSz cx="6858000" cy="9144000"/>
@@ -32,7 +32,7 @@
       <a:buFontTx/>
       <a:buNone/>
       <a:tabLst/>
-      <a:defRPr b="0" baseline="0" cap="none" i="0" spc="0" strike="noStrike" sz="1800" u="none" kumimoji="0" normalizeH="0">
+      <a:defRPr kumimoji="0" sz="1800" b="0" i="0" u="none" strike="noStrike" cap="none" spc="0" normalizeH="0" baseline="0">
         <a:ln>
           <a:noFill/>
         </a:ln>
@@ -58,7 +58,7 @@
       <a:buFontTx/>
       <a:buNone/>
       <a:tabLst/>
-      <a:defRPr b="0" baseline="0" cap="none" i="0" spc="0" strike="noStrike" sz="4800" u="none" kumimoji="0" normalizeH="0">
+      <a:defRPr kumimoji="0" sz="4800" b="0" i="0" u="none" strike="noStrike" cap="none" spc="0" normalizeH="0" baseline="0">
         <a:ln>
           <a:noFill/>
         </a:ln>
@@ -88,7 +88,7 @@
       <a:buFontTx/>
       <a:buNone/>
       <a:tabLst/>
-      <a:defRPr b="0" baseline="0" cap="none" i="0" spc="0" strike="noStrike" sz="4800" u="none" kumimoji="0" normalizeH="0">
+      <a:defRPr kumimoji="0" sz="4800" b="0" i="0" u="none" strike="noStrike" cap="none" spc="0" normalizeH="0" baseline="0">
         <a:ln>
           <a:noFill/>
         </a:ln>
@@ -118,7 +118,7 @@
       <a:buFontTx/>
       <a:buNone/>
       <a:tabLst/>
-      <a:defRPr b="0" baseline="0" cap="none" i="0" spc="0" strike="noStrike" sz="4800" u="none" kumimoji="0" normalizeH="0">
+      <a:defRPr kumimoji="0" sz="4800" b="0" i="0" u="none" strike="noStrike" cap="none" spc="0" normalizeH="0" baseline="0">
         <a:ln>
           <a:noFill/>
         </a:ln>
@@ -148,7 +148,7 @@
       <a:buFontTx/>
       <a:buNone/>
       <a:tabLst/>
-      <a:defRPr b="0" baseline="0" cap="none" i="0" spc="0" strike="noStrike" sz="4800" u="none" kumimoji="0" normalizeH="0">
+      <a:defRPr kumimoji="0" sz="4800" b="0" i="0" u="none" strike="noStrike" cap="none" spc="0" normalizeH="0" baseline="0">
         <a:ln>
           <a:noFill/>
         </a:ln>
@@ -178,7 +178,7 @@
       <a:buFontTx/>
       <a:buNone/>
       <a:tabLst/>
-      <a:defRPr b="0" baseline="0" cap="none" i="0" spc="0" strike="noStrike" sz="4800" u="none" kumimoji="0" normalizeH="0">
+      <a:defRPr kumimoji="0" sz="4800" b="0" i="0" u="none" strike="noStrike" cap="none" spc="0" normalizeH="0" baseline="0">
         <a:ln>
           <a:noFill/>
         </a:ln>
@@ -208,7 +208,7 @@
       <a:buFontTx/>
       <a:buNone/>
       <a:tabLst/>
-      <a:defRPr b="0" baseline="0" cap="none" i="0" spc="0" strike="noStrike" sz="4800" u="none" kumimoji="0" normalizeH="0">
+      <a:defRPr kumimoji="0" sz="4800" b="0" i="0" u="none" strike="noStrike" cap="none" spc="0" normalizeH="0" baseline="0">
         <a:ln>
           <a:noFill/>
         </a:ln>
@@ -238,7 +238,7 @@
       <a:buFontTx/>
       <a:buNone/>
       <a:tabLst/>
-      <a:defRPr b="0" baseline="0" cap="none" i="0" spc="0" strike="noStrike" sz="4800" u="none" kumimoji="0" normalizeH="0">
+      <a:defRPr kumimoji="0" sz="4800" b="0" i="0" u="none" strike="noStrike" cap="none" spc="0" normalizeH="0" baseline="0">
         <a:ln>
           <a:noFill/>
         </a:ln>
@@ -268,7 +268,7 @@
       <a:buFontTx/>
       <a:buNone/>
       <a:tabLst/>
-      <a:defRPr b="0" baseline="0" cap="none" i="0" spc="0" strike="noStrike" sz="4800" u="none" kumimoji="0" normalizeH="0">
+      <a:defRPr kumimoji="0" sz="4800" b="0" i="0" u="none" strike="noStrike" cap="none" spc="0" normalizeH="0" baseline="0">
         <a:ln>
           <a:noFill/>
         </a:ln>
@@ -298,7 +298,7 @@
       <a:buFontTx/>
       <a:buNone/>
       <a:tabLst/>
-      <a:defRPr b="0" baseline="0" cap="none" i="0" spc="0" strike="noStrike" sz="4800" u="none" kumimoji="0" normalizeH="0">
+      <a:defRPr kumimoji="0" sz="4800" b="0" i="0" u="none" strike="noStrike" cap="none" spc="0" normalizeH="0" baseline="0">
         <a:ln>
           <a:noFill/>
         </a:ln>
@@ -317,13 +317,14 @@
 </p:presentation>
 </file>
 
-<file path=ppt/commentAuthors.xml><?xml version="1.0" encoding="utf-8"?>
-<p:cmAuthorLst xmlns:a="http://schemas.openxmlformats.org/drawingml/2006/main" xmlns:r="http://schemas.openxmlformats.org/officeDocument/2006/relationships" xmlns:p="http://schemas.openxmlformats.org/presentationml/2006/main" xmlns:m="http://schemas.openxmlformats.org/officeDocument/2006/math" xmlns:a14="http://schemas.microsoft.com/office/drawing/2010/main"/>
-</file>
-
 <file path=ppt/notesMasters/notesMaster1.xml><?xml version="1.0" encoding="utf-8"?>
-<p:notesMaster xmlns:a="http://schemas.openxmlformats.org/drawingml/2006/main" xmlns:r="http://schemas.openxmlformats.org/officeDocument/2006/relationships" xmlns:p="http://schemas.openxmlformats.org/presentationml/2006/main" xmlns:m="http://schemas.openxmlformats.org/officeDocument/2006/math" xmlns:a14="http://schemas.microsoft.com/office/drawing/2010/main">
+<p:notesMaster xmlns:a="http://schemas.openxmlformats.org/drawingml/2006/main" xmlns:r="http://schemas.openxmlformats.org/officeDocument/2006/relationships" xmlns:p="http://schemas.openxmlformats.org/presentationml/2006/main">
   <p:cSld>
+    <p:bg>
+      <p:bgRef idx="1001">
+        <a:schemeClr val="bg1"/>
+      </p:bgRef>
+    </p:bg>
     <p:spTree>
       <p:nvGrpSpPr>
         <p:cNvPr id="1" name=""/>
@@ -341,7 +342,9 @@
       <p:sp>
         <p:nvSpPr>
           <p:cNvPr id="168" name="Shape 168"/>
-          <p:cNvSpPr/>
+          <p:cNvSpPr>
+            <a:spLocks noGrp="1" noRot="1" noChangeAspect="1"/>
+          </p:cNvSpPr>
           <p:nvPr>
             <p:ph type="sldImg"/>
           </p:nvPr>
@@ -359,14 +362,16 @@
           <a:bodyPr/>
           <a:lstStyle/>
           <a:p>
-            <a:pPr/>
+            <a:endParaRPr/>
           </a:p>
         </p:txBody>
       </p:sp>
       <p:sp>
         <p:nvSpPr>
           <p:cNvPr id="169" name="Shape 169"/>
-          <p:cNvSpPr/>
+          <p:cNvSpPr>
+            <a:spLocks noGrp="1"/>
+          </p:cNvSpPr>
           <p:nvPr>
             <p:ph type="body" sz="quarter" idx="1"/>
           </p:nvPr>
@@ -384,7 +389,7 @@
           <a:bodyPr/>
           <a:lstStyle/>
           <a:p>
-            <a:pPr/>
+            <a:endParaRPr/>
           </a:p>
         </p:txBody>
       </p:sp>
@@ -495,8 +500,206 @@
 </p:notesMaster>
 </file>
 
+<file path=ppt/notesSlides/notesSlide1.xml><?xml version="1.0" encoding="utf-8"?>
+<p:notes xmlns:a="http://schemas.openxmlformats.org/drawingml/2006/main" xmlns:r="http://schemas.openxmlformats.org/officeDocument/2006/relationships" xmlns:p="http://schemas.openxmlformats.org/presentationml/2006/main">
+  <p:cSld>
+    <p:spTree>
+      <p:nvGrpSpPr>
+        <p:cNvPr id="1" name=""/>
+        <p:cNvGrpSpPr/>
+        <p:nvPr/>
+      </p:nvGrpSpPr>
+      <p:grpSpPr>
+        <a:xfrm>
+          <a:off x="0" y="0"/>
+          <a:ext cx="0" cy="0"/>
+          <a:chOff x="0" y="0"/>
+          <a:chExt cx="0" cy="0"/>
+        </a:xfrm>
+      </p:grpSpPr>
+      <p:sp>
+        <p:nvSpPr>
+          <p:cNvPr id="2" name="슬라이드 이미지 개체 틀 1"/>
+          <p:cNvSpPr>
+            <a:spLocks noGrp="1" noRot="1" noChangeAspect="1"/>
+          </p:cNvSpPr>
+          <p:nvPr>
+            <p:ph type="sldImg"/>
+          </p:nvPr>
+        </p:nvSpPr>
+        <p:spPr>
+          <a:xfrm>
+            <a:off x="381000" y="685800"/>
+            <a:ext cx="6096000" cy="3429000"/>
+          </a:xfrm>
+        </p:spPr>
+      </p:sp>
+      <p:sp>
+        <p:nvSpPr>
+          <p:cNvPr id="3" name="슬라이드 노트 개체 틀 2"/>
+          <p:cNvSpPr>
+            <a:spLocks noGrp="1"/>
+          </p:cNvSpPr>
+          <p:nvPr>
+            <p:ph type="body" idx="1"/>
+          </p:nvPr>
+        </p:nvSpPr>
+        <p:spPr/>
+        <p:txBody>
+          <a:bodyPr/>
+          <a:lstStyle/>
+          <a:p>
+            <a:endParaRPr kumimoji="1" lang="ko-KR" altLang="en-US"/>
+          </a:p>
+        </p:txBody>
+      </p:sp>
+    </p:spTree>
+    <p:extLst>
+      <p:ext uri="{BB962C8B-B14F-4D97-AF65-F5344CB8AC3E}">
+        <p14:creationId xmlns:p14="http://schemas.microsoft.com/office/powerpoint/2010/main" val="606693554"/>
+      </p:ext>
+    </p:extLst>
+  </p:cSld>
+  <p:clrMapOvr>
+    <a:masterClrMapping/>
+  </p:clrMapOvr>
+</p:notes>
+</file>
+
+<file path=ppt/notesSlides/notesSlide2.xml><?xml version="1.0" encoding="utf-8"?>
+<p:notes xmlns:a="http://schemas.openxmlformats.org/drawingml/2006/main" xmlns:r="http://schemas.openxmlformats.org/officeDocument/2006/relationships" xmlns:p="http://schemas.openxmlformats.org/presentationml/2006/main">
+  <p:cSld>
+    <p:spTree>
+      <p:nvGrpSpPr>
+        <p:cNvPr id="1" name=""/>
+        <p:cNvGrpSpPr/>
+        <p:nvPr/>
+      </p:nvGrpSpPr>
+      <p:grpSpPr>
+        <a:xfrm>
+          <a:off x="0" y="0"/>
+          <a:ext cx="0" cy="0"/>
+          <a:chOff x="0" y="0"/>
+          <a:chExt cx="0" cy="0"/>
+        </a:xfrm>
+      </p:grpSpPr>
+      <p:sp>
+        <p:nvSpPr>
+          <p:cNvPr id="2" name="슬라이드 이미지 개체 틀 1"/>
+          <p:cNvSpPr>
+            <a:spLocks noGrp="1" noRot="1" noChangeAspect="1"/>
+          </p:cNvSpPr>
+          <p:nvPr>
+            <p:ph type="sldImg"/>
+          </p:nvPr>
+        </p:nvSpPr>
+        <p:spPr>
+          <a:xfrm>
+            <a:off x="381000" y="685800"/>
+            <a:ext cx="6096000" cy="3429000"/>
+          </a:xfrm>
+        </p:spPr>
+      </p:sp>
+      <p:sp>
+        <p:nvSpPr>
+          <p:cNvPr id="3" name="슬라이드 노트 개체 틀 2"/>
+          <p:cNvSpPr>
+            <a:spLocks noGrp="1"/>
+          </p:cNvSpPr>
+          <p:nvPr>
+            <p:ph type="body" idx="1"/>
+          </p:nvPr>
+        </p:nvSpPr>
+        <p:spPr/>
+        <p:txBody>
+          <a:bodyPr/>
+          <a:lstStyle/>
+          <a:p>
+            <a:endParaRPr kumimoji="1" lang="ko-KR" altLang="en-US"/>
+          </a:p>
+        </p:txBody>
+      </p:sp>
+    </p:spTree>
+    <p:extLst>
+      <p:ext uri="{BB962C8B-B14F-4D97-AF65-F5344CB8AC3E}">
+        <p14:creationId xmlns:p14="http://schemas.microsoft.com/office/powerpoint/2010/main" val="3517260076"/>
+      </p:ext>
+    </p:extLst>
+  </p:cSld>
+  <p:clrMapOvr>
+    <a:masterClrMapping/>
+  </p:clrMapOvr>
+</p:notes>
+</file>
+
+<file path=ppt/notesSlides/notesSlide3.xml><?xml version="1.0" encoding="utf-8"?>
+<p:notes xmlns:a="http://schemas.openxmlformats.org/drawingml/2006/main" xmlns:r="http://schemas.openxmlformats.org/officeDocument/2006/relationships" xmlns:p="http://schemas.openxmlformats.org/presentationml/2006/main">
+  <p:cSld>
+    <p:spTree>
+      <p:nvGrpSpPr>
+        <p:cNvPr id="1" name=""/>
+        <p:cNvGrpSpPr/>
+        <p:nvPr/>
+      </p:nvGrpSpPr>
+      <p:grpSpPr>
+        <a:xfrm>
+          <a:off x="0" y="0"/>
+          <a:ext cx="0" cy="0"/>
+          <a:chOff x="0" y="0"/>
+          <a:chExt cx="0" cy="0"/>
+        </a:xfrm>
+      </p:grpSpPr>
+      <p:sp>
+        <p:nvSpPr>
+          <p:cNvPr id="2" name="슬라이드 이미지 개체 틀 1"/>
+          <p:cNvSpPr>
+            <a:spLocks noGrp="1" noRot="1" noChangeAspect="1"/>
+          </p:cNvSpPr>
+          <p:nvPr>
+            <p:ph type="sldImg"/>
+          </p:nvPr>
+        </p:nvSpPr>
+        <p:spPr>
+          <a:xfrm>
+            <a:off x="381000" y="685800"/>
+            <a:ext cx="6096000" cy="3429000"/>
+          </a:xfrm>
+        </p:spPr>
+      </p:sp>
+      <p:sp>
+        <p:nvSpPr>
+          <p:cNvPr id="3" name="슬라이드 노트 개체 틀 2"/>
+          <p:cNvSpPr>
+            <a:spLocks noGrp="1"/>
+          </p:cNvSpPr>
+          <p:nvPr>
+            <p:ph type="body" idx="1"/>
+          </p:nvPr>
+        </p:nvSpPr>
+        <p:spPr/>
+        <p:txBody>
+          <a:bodyPr/>
+          <a:lstStyle/>
+          <a:p>
+            <a:endParaRPr kumimoji="1" lang="ko-KR" altLang="en-US"/>
+          </a:p>
+        </p:txBody>
+      </p:sp>
+    </p:spTree>
+    <p:extLst>
+      <p:ext uri="{BB962C8B-B14F-4D97-AF65-F5344CB8AC3E}">
+        <p14:creationId xmlns:p14="http://schemas.microsoft.com/office/powerpoint/2010/main" val="3110543916"/>
+      </p:ext>
+    </p:extLst>
+  </p:cSld>
+  <p:clrMapOvr>
+    <a:masterClrMapping/>
+  </p:clrMapOvr>
+</p:notes>
+</file>
+
 <file path=ppt/slideLayouts/slideLayout1.xml><?xml version="1.0" encoding="utf-8"?>
-<p:sldLayout xmlns:a="http://schemas.openxmlformats.org/drawingml/2006/main" xmlns:r="http://schemas.openxmlformats.org/officeDocument/2006/relationships" xmlns:p="http://schemas.openxmlformats.org/presentationml/2006/main" xmlns:m="http://schemas.openxmlformats.org/officeDocument/2006/math" xmlns:a14="http://schemas.microsoft.com/office/drawing/2010/main" type="title" showMasterSp="1" showMasterPhAnim="1">
+<p:sldLayout xmlns:a="http://schemas.openxmlformats.org/drawingml/2006/main" xmlns:r="http://schemas.openxmlformats.org/officeDocument/2006/relationships" xmlns:p="http://schemas.openxmlformats.org/presentationml/2006/main" type="title">
   <p:cSld name="제목">
     <p:spTree>
       <p:nvGrpSpPr>
@@ -515,7 +718,9 @@
       <p:sp>
         <p:nvSpPr>
           <p:cNvPr id="11" name="저자 및 날짜"/>
-          <p:cNvSpPr txBox="1"/>
+          <p:cNvSpPr txBox="1">
+            <a:spLocks noGrp="1"/>
+          </p:cNvSpPr>
           <p:nvPr>
             <p:ph type="body" sz="quarter" idx="21" hasCustomPrompt="1"/>
           </p:nvPr>
@@ -541,11 +746,10 @@
               </a:spcBef>
               <a:buSzTx/>
               <a:buNone/>
-              <a:defRPr b="1" sz="3420"/>
+              <a:defRPr sz="3420" b="1"/>
             </a:lvl1pPr>
           </a:lstStyle>
           <a:p>
-            <a:pPr/>
             <a:r>
               <a:t>저자 및 날짜</a:t>
             </a:r>
@@ -555,7 +759,9 @@
       <p:sp>
         <p:nvSpPr>
           <p:cNvPr id="12" name="프레젠테이션 제목"/>
-          <p:cNvSpPr txBox="1"/>
+          <p:cNvSpPr txBox="1">
+            <a:spLocks noGrp="1"/>
+          </p:cNvSpPr>
           <p:nvPr>
             <p:ph type="title" hasCustomPrompt="1"/>
           </p:nvPr>
@@ -573,11 +779,10 @@
           <a:bodyPr anchor="b"/>
           <a:lstStyle>
             <a:lvl1pPr>
-              <a:defRPr spc="-232" sz="11600"/>
+              <a:defRPr sz="11600" spc="-232"/>
             </a:lvl1pPr>
           </a:lstStyle>
           <a:p>
-            <a:pPr/>
             <a:r>
               <a:t>프레젠테이션 제목</a:t>
             </a:r>
@@ -587,7 +792,9 @@
       <p:sp>
         <p:nvSpPr>
           <p:cNvPr id="13" name="본문 첫 번째 줄…"/>
-          <p:cNvSpPr txBox="1"/>
+          <p:cNvSpPr txBox="1">
+            <a:spLocks noGrp="1"/>
+          </p:cNvSpPr>
           <p:nvPr>
             <p:ph type="body" sz="quarter" idx="1" hasCustomPrompt="1"/>
           </p:nvPr>
@@ -613,7 +820,7 @@
               </a:spcBef>
               <a:buSzTx/>
               <a:buNone/>
-              <a:defRPr b="1" sz="5500"/>
+              <a:defRPr sz="5500" b="1"/>
             </a:lvl1pPr>
             <a:lvl2pPr marL="0" indent="457200" defTabSz="825500">
               <a:lnSpc>
@@ -624,7 +831,7 @@
               </a:spcBef>
               <a:buSzTx/>
               <a:buNone/>
-              <a:defRPr b="1" sz="5500"/>
+              <a:defRPr sz="5500" b="1"/>
             </a:lvl2pPr>
             <a:lvl3pPr marL="0" indent="914400" defTabSz="825500">
               <a:lnSpc>
@@ -635,7 +842,7 @@
               </a:spcBef>
               <a:buSzTx/>
               <a:buNone/>
-              <a:defRPr b="1" sz="5500"/>
+              <a:defRPr sz="5500" b="1"/>
             </a:lvl3pPr>
             <a:lvl4pPr marL="0" indent="1371600" defTabSz="825500">
               <a:lnSpc>
@@ -646,7 +853,7 @@
               </a:spcBef>
               <a:buSzTx/>
               <a:buNone/>
-              <a:defRPr b="1" sz="5500"/>
+              <a:defRPr sz="5500" b="1"/>
             </a:lvl4pPr>
             <a:lvl5pPr marL="0" indent="1828800" defTabSz="825500">
               <a:lnSpc>
@@ -657,45 +864,38 @@
               </a:spcBef>
               <a:buSzTx/>
               <a:buNone/>
-              <a:defRPr b="1" sz="5500"/>
+              <a:defRPr sz="5500" b="1"/>
             </a:lvl5pPr>
           </a:lstStyle>
           <a:p>
-            <a:pPr/>
             <a:r>
               <a:t>프레젠테이션 부제</a:t>
             </a:r>
           </a:p>
           <a:p>
             <a:pPr lvl="1"/>
-            <a:r>
-              <a:t/>
-            </a:r>
+            <a:endParaRPr/>
           </a:p>
           <a:p>
             <a:pPr lvl="2"/>
-            <a:r>
-              <a:t/>
-            </a:r>
+            <a:endParaRPr/>
           </a:p>
           <a:p>
             <a:pPr lvl="3"/>
-            <a:r>
-              <a:t/>
-            </a:r>
+            <a:endParaRPr/>
           </a:p>
           <a:p>
             <a:pPr lvl="4"/>
-            <a:r>
-              <a:t/>
-            </a:r>
+            <a:endParaRPr/>
           </a:p>
         </p:txBody>
       </p:sp>
       <p:sp>
         <p:nvSpPr>
           <p:cNvPr id="14" name="슬라이드 번호"/>
-          <p:cNvSpPr txBox="1"/>
+          <p:cNvSpPr txBox="1">
+            <a:spLocks noGrp="1"/>
+          </p:cNvSpPr>
           <p:nvPr>
             <p:ph type="sldNum" sz="quarter" idx="2"/>
           </p:nvPr>
@@ -709,8 +909,11 @@
           <a:bodyPr/>
           <a:lstStyle/>
           <a:p>
-            <a:pPr/>
-            <a:fld id="{86CB4B4D-7CA3-9044-876B-883B54F8677D}" type="slidenum"/>
+            <a:fld id="{86CB4B4D-7CA3-9044-876B-883B54F8677D}" type="slidenum">
+              <a:rPr/>
+              <a:t>‹#›</a:t>
+            </a:fld>
+            <a:endParaRPr/>
           </a:p>
         </p:txBody>
       </p:sp>
@@ -719,12 +922,12 @@
   <p:clrMapOvr>
     <a:masterClrMapping/>
   </p:clrMapOvr>
-  <p:transition xmlns:p14="http://schemas.microsoft.com/office/powerpoint/2010/main" spd="med" advClick="1"/>
+  <p:transition spd="med"/>
 </p:sldLayout>
 </file>
 
 <file path=ppt/slideLayouts/slideLayout10.xml><?xml version="1.0" encoding="utf-8"?>
-<p:sldLayout xmlns:a="http://schemas.openxmlformats.org/drawingml/2006/main" xmlns:r="http://schemas.openxmlformats.org/officeDocument/2006/relationships" xmlns:p="http://schemas.openxmlformats.org/presentationml/2006/main" xmlns:m="http://schemas.openxmlformats.org/officeDocument/2006/math" xmlns:a14="http://schemas.microsoft.com/office/drawing/2010/main" type="tx" showMasterSp="1" showMasterPhAnim="1">
+<p:sldLayout xmlns:a="http://schemas.openxmlformats.org/drawingml/2006/main" xmlns:r="http://schemas.openxmlformats.org/officeDocument/2006/relationships" xmlns:p="http://schemas.openxmlformats.org/presentationml/2006/main" type="tx">
   <p:cSld name="제목 전용">
     <p:spTree>
       <p:nvGrpSpPr>
@@ -743,7 +946,9 @@
       <p:sp>
         <p:nvSpPr>
           <p:cNvPr id="99" name="슬라이드 제목"/>
-          <p:cNvSpPr txBox="1"/>
+          <p:cNvSpPr txBox="1">
+            <a:spLocks noGrp="1"/>
+          </p:cNvSpPr>
           <p:nvPr>
             <p:ph type="title" hasCustomPrompt="1"/>
           </p:nvPr>
@@ -761,7 +966,6 @@
           <a:bodyPr/>
           <a:lstStyle/>
           <a:p>
-            <a:pPr/>
             <a:r>
               <a:t>슬라이드 제목</a:t>
             </a:r>
@@ -771,7 +975,9 @@
       <p:sp>
         <p:nvSpPr>
           <p:cNvPr id="100" name="슬라이드 부제"/>
-          <p:cNvSpPr txBox="1"/>
+          <p:cNvSpPr txBox="1">
+            <a:spLocks noGrp="1"/>
+          </p:cNvSpPr>
           <p:nvPr>
             <p:ph type="body" sz="quarter" idx="21" hasCustomPrompt="1"/>
           </p:nvPr>
@@ -797,11 +1003,10 @@
               </a:spcBef>
               <a:buSzTx/>
               <a:buNone/>
-              <a:defRPr b="1" sz="5280"/>
+              <a:defRPr sz="5280" b="1"/>
             </a:lvl1pPr>
           </a:lstStyle>
           <a:p>
-            <a:pPr/>
             <a:r>
               <a:t>슬라이드 부제</a:t>
             </a:r>
@@ -811,7 +1016,9 @@
       <p:sp>
         <p:nvSpPr>
           <p:cNvPr id="101" name="슬라이드 번호"/>
-          <p:cNvSpPr txBox="1"/>
+          <p:cNvSpPr txBox="1">
+            <a:spLocks noGrp="1"/>
+          </p:cNvSpPr>
           <p:nvPr>
             <p:ph type="sldNum" sz="quarter" idx="2"/>
           </p:nvPr>
@@ -825,8 +1032,11 @@
           <a:bodyPr/>
           <a:lstStyle/>
           <a:p>
-            <a:pPr/>
-            <a:fld id="{86CB4B4D-7CA3-9044-876B-883B54F8677D}" type="slidenum"/>
+            <a:fld id="{86CB4B4D-7CA3-9044-876B-883B54F8677D}" type="slidenum">
+              <a:rPr/>
+              <a:t>‹#›</a:t>
+            </a:fld>
+            <a:endParaRPr/>
           </a:p>
         </p:txBody>
       </p:sp>
@@ -835,12 +1045,12 @@
   <p:clrMapOvr>
     <a:masterClrMapping/>
   </p:clrMapOvr>
-  <p:transition xmlns:p14="http://schemas.microsoft.com/office/powerpoint/2010/main" spd="med" advClick="1"/>
+  <p:transition spd="med"/>
 </p:sldLayout>
 </file>
 
 <file path=ppt/slideLayouts/slideLayout11.xml><?xml version="1.0" encoding="utf-8"?>
-<p:sldLayout xmlns:a="http://schemas.openxmlformats.org/drawingml/2006/main" xmlns:r="http://schemas.openxmlformats.org/officeDocument/2006/relationships" xmlns:p="http://schemas.openxmlformats.org/presentationml/2006/main" xmlns:m="http://schemas.openxmlformats.org/officeDocument/2006/math" xmlns:a14="http://schemas.microsoft.com/office/drawing/2010/main" type="tx" showMasterSp="1" showMasterPhAnim="1">
+<p:sldLayout xmlns:a="http://schemas.openxmlformats.org/drawingml/2006/main" xmlns:r="http://schemas.openxmlformats.org/officeDocument/2006/relationships" xmlns:p="http://schemas.openxmlformats.org/presentationml/2006/main" type="tx">
   <p:cSld name="의제">
     <p:spTree>
       <p:nvGrpSpPr>
@@ -859,7 +1069,9 @@
       <p:sp>
         <p:nvSpPr>
           <p:cNvPr id="108" name="의제 제목"/>
-          <p:cNvSpPr txBox="1"/>
+          <p:cNvSpPr txBox="1">
+            <a:spLocks noGrp="1"/>
+          </p:cNvSpPr>
           <p:nvPr>
             <p:ph type="title" hasCustomPrompt="1"/>
           </p:nvPr>
@@ -877,7 +1089,6 @@
           <a:bodyPr/>
           <a:lstStyle/>
           <a:p>
-            <a:pPr/>
             <a:r>
               <a:t>의제 제목</a:t>
             </a:r>
@@ -887,7 +1098,9 @@
       <p:sp>
         <p:nvSpPr>
           <p:cNvPr id="109" name="의제 부제"/>
-          <p:cNvSpPr txBox="1"/>
+          <p:cNvSpPr txBox="1">
+            <a:spLocks noGrp="1"/>
+          </p:cNvSpPr>
           <p:nvPr>
             <p:ph type="body" sz="quarter" idx="21" hasCustomPrompt="1"/>
           </p:nvPr>
@@ -913,11 +1126,10 @@
               </a:spcBef>
               <a:buSzTx/>
               <a:buNone/>
-              <a:defRPr b="1" sz="5280"/>
+              <a:defRPr sz="5280" b="1"/>
             </a:lvl1pPr>
           </a:lstStyle>
           <a:p>
-            <a:pPr/>
             <a:r>
               <a:t>의제 부제</a:t>
             </a:r>
@@ -927,7 +1139,9 @@
       <p:sp>
         <p:nvSpPr>
           <p:cNvPr id="110" name="본문 첫 번째 줄…"/>
-          <p:cNvSpPr txBox="1"/>
+          <p:cNvSpPr txBox="1">
+            <a:spLocks noGrp="1"/>
+          </p:cNvSpPr>
           <p:nvPr>
             <p:ph type="body" idx="1" hasCustomPrompt="1"/>
           </p:nvPr>
@@ -949,7 +1163,7 @@
               </a:spcBef>
               <a:buSzTx/>
               <a:buNone/>
-              <a:defRPr spc="-55" sz="5500"/>
+              <a:defRPr sz="5500" spc="-55"/>
             </a:lvl1pPr>
             <a:lvl2pPr marL="0" indent="457200" defTabSz="825500">
               <a:lnSpc>
@@ -960,7 +1174,7 @@
               </a:spcBef>
               <a:buSzTx/>
               <a:buNone/>
-              <a:defRPr spc="-55" sz="5500"/>
+              <a:defRPr sz="5500" spc="-55"/>
             </a:lvl2pPr>
             <a:lvl3pPr marL="0" indent="914400" defTabSz="825500">
               <a:lnSpc>
@@ -971,7 +1185,7 @@
               </a:spcBef>
               <a:buSzTx/>
               <a:buNone/>
-              <a:defRPr spc="-55" sz="5500"/>
+              <a:defRPr sz="5500" spc="-55"/>
             </a:lvl3pPr>
             <a:lvl4pPr marL="0" indent="1371600" defTabSz="825500">
               <a:lnSpc>
@@ -982,7 +1196,7 @@
               </a:spcBef>
               <a:buSzTx/>
               <a:buNone/>
-              <a:defRPr spc="-55" sz="5500"/>
+              <a:defRPr sz="5500" spc="-55"/>
             </a:lvl4pPr>
             <a:lvl5pPr marL="0" indent="1828800" defTabSz="825500">
               <a:lnSpc>
@@ -993,45 +1207,38 @@
               </a:spcBef>
               <a:buSzTx/>
               <a:buNone/>
-              <a:defRPr spc="-55" sz="5500"/>
+              <a:defRPr sz="5500" spc="-55"/>
             </a:lvl5pPr>
           </a:lstStyle>
           <a:p>
-            <a:pPr/>
             <a:r>
               <a:t>의제 주제</a:t>
             </a:r>
           </a:p>
           <a:p>
             <a:pPr lvl="1"/>
-            <a:r>
-              <a:t/>
-            </a:r>
+            <a:endParaRPr/>
           </a:p>
           <a:p>
             <a:pPr lvl="2"/>
-            <a:r>
-              <a:t/>
-            </a:r>
+            <a:endParaRPr/>
           </a:p>
           <a:p>
             <a:pPr lvl="3"/>
-            <a:r>
-              <a:t/>
-            </a:r>
+            <a:endParaRPr/>
           </a:p>
           <a:p>
             <a:pPr lvl="4"/>
-            <a:r>
-              <a:t/>
-            </a:r>
+            <a:endParaRPr/>
           </a:p>
         </p:txBody>
       </p:sp>
       <p:sp>
         <p:nvSpPr>
           <p:cNvPr id="111" name="슬라이드 번호"/>
-          <p:cNvSpPr txBox="1"/>
+          <p:cNvSpPr txBox="1">
+            <a:spLocks noGrp="1"/>
+          </p:cNvSpPr>
           <p:nvPr>
             <p:ph type="sldNum" sz="quarter" idx="2"/>
           </p:nvPr>
@@ -1045,8 +1252,11 @@
           <a:bodyPr/>
           <a:lstStyle/>
           <a:p>
-            <a:pPr/>
-            <a:fld id="{86CB4B4D-7CA3-9044-876B-883B54F8677D}" type="slidenum"/>
+            <a:fld id="{86CB4B4D-7CA3-9044-876B-883B54F8677D}" type="slidenum">
+              <a:rPr/>
+              <a:t>‹#›</a:t>
+            </a:fld>
+            <a:endParaRPr/>
           </a:p>
         </p:txBody>
       </p:sp>
@@ -1055,12 +1265,12 @@
   <p:clrMapOvr>
     <a:masterClrMapping/>
   </p:clrMapOvr>
-  <p:transition xmlns:p14="http://schemas.microsoft.com/office/powerpoint/2010/main" spd="med" advClick="1"/>
+  <p:transition spd="med"/>
 </p:sldLayout>
 </file>
 
 <file path=ppt/slideLayouts/slideLayout12.xml><?xml version="1.0" encoding="utf-8"?>
-<p:sldLayout xmlns:a="http://schemas.openxmlformats.org/drawingml/2006/main" xmlns:r="http://schemas.openxmlformats.org/officeDocument/2006/relationships" xmlns:p="http://schemas.openxmlformats.org/presentationml/2006/main" xmlns:m="http://schemas.openxmlformats.org/officeDocument/2006/math" xmlns:a14="http://schemas.microsoft.com/office/drawing/2010/main" type="tx" showMasterSp="1" showMasterPhAnim="1">
+<p:sldLayout xmlns:a="http://schemas.openxmlformats.org/drawingml/2006/main" xmlns:r="http://schemas.openxmlformats.org/officeDocument/2006/relationships" xmlns:p="http://schemas.openxmlformats.org/presentationml/2006/main" type="tx">
   <p:cSld name="내역서">
     <p:spTree>
       <p:nvGrpSpPr>
@@ -1079,7 +1289,9 @@
       <p:sp>
         <p:nvSpPr>
           <p:cNvPr id="118" name="본문 첫 번째 줄…"/>
-          <p:cNvSpPr txBox="1"/>
+          <p:cNvSpPr txBox="1">
+            <a:spLocks noGrp="1"/>
+          </p:cNvSpPr>
           <p:nvPr>
             <p:ph type="body" sz="half" idx="1" hasCustomPrompt="1"/>
           </p:nvPr>
@@ -1105,7 +1317,7 @@
               </a:spcBef>
               <a:buSzTx/>
               <a:buNone/>
-              <a:defRPr spc="-232" sz="11600">
+              <a:defRPr sz="11600" spc="-232">
                 <a:latin typeface="Helvetica Neue Medium"/>
                 <a:ea typeface="Helvetica Neue Medium"/>
                 <a:cs typeface="Helvetica Neue Medium"/>
@@ -1121,7 +1333,7 @@
               </a:spcBef>
               <a:buSzTx/>
               <a:buNone/>
-              <a:defRPr spc="-232" sz="11600">
+              <a:defRPr sz="11600" spc="-232">
                 <a:latin typeface="Helvetica Neue Medium"/>
                 <a:ea typeface="Helvetica Neue Medium"/>
                 <a:cs typeface="Helvetica Neue Medium"/>
@@ -1137,7 +1349,7 @@
               </a:spcBef>
               <a:buSzTx/>
               <a:buNone/>
-              <a:defRPr spc="-232" sz="11600">
+              <a:defRPr sz="11600" spc="-232">
                 <a:latin typeface="Helvetica Neue Medium"/>
                 <a:ea typeface="Helvetica Neue Medium"/>
                 <a:cs typeface="Helvetica Neue Medium"/>
@@ -1153,7 +1365,7 @@
               </a:spcBef>
               <a:buSzTx/>
               <a:buNone/>
-              <a:defRPr spc="-232" sz="11600">
+              <a:defRPr sz="11600" spc="-232">
                 <a:latin typeface="Helvetica Neue Medium"/>
                 <a:ea typeface="Helvetica Neue Medium"/>
                 <a:cs typeface="Helvetica Neue Medium"/>
@@ -1169,7 +1381,7 @@
               </a:spcBef>
               <a:buSzTx/>
               <a:buNone/>
-              <a:defRPr spc="-232" sz="11600">
+              <a:defRPr sz="11600" spc="-232">
                 <a:latin typeface="Helvetica Neue Medium"/>
                 <a:ea typeface="Helvetica Neue Medium"/>
                 <a:cs typeface="Helvetica Neue Medium"/>
@@ -1178,41 +1390,34 @@
             </a:lvl5pPr>
           </a:lstStyle>
           <a:p>
-            <a:pPr/>
             <a:r>
               <a:t>내역서</a:t>
             </a:r>
           </a:p>
           <a:p>
             <a:pPr lvl="1"/>
-            <a:r>
-              <a:t/>
-            </a:r>
+            <a:endParaRPr/>
           </a:p>
           <a:p>
             <a:pPr lvl="2"/>
-            <a:r>
-              <a:t/>
-            </a:r>
+            <a:endParaRPr/>
           </a:p>
           <a:p>
             <a:pPr lvl="3"/>
-            <a:r>
-              <a:t/>
-            </a:r>
+            <a:endParaRPr/>
           </a:p>
           <a:p>
             <a:pPr lvl="4"/>
-            <a:r>
-              <a:t/>
-            </a:r>
+            <a:endParaRPr/>
           </a:p>
         </p:txBody>
       </p:sp>
       <p:sp>
         <p:nvSpPr>
           <p:cNvPr id="119" name="슬라이드 번호"/>
-          <p:cNvSpPr txBox="1"/>
+          <p:cNvSpPr txBox="1">
+            <a:spLocks noGrp="1"/>
+          </p:cNvSpPr>
           <p:nvPr>
             <p:ph type="sldNum" sz="quarter" idx="2"/>
           </p:nvPr>
@@ -1226,8 +1431,11 @@
           <a:bodyPr/>
           <a:lstStyle/>
           <a:p>
-            <a:pPr/>
-            <a:fld id="{86CB4B4D-7CA3-9044-876B-883B54F8677D}" type="slidenum"/>
+            <a:fld id="{86CB4B4D-7CA3-9044-876B-883B54F8677D}" type="slidenum">
+              <a:rPr/>
+              <a:t>‹#›</a:t>
+            </a:fld>
+            <a:endParaRPr/>
           </a:p>
         </p:txBody>
       </p:sp>
@@ -1236,12 +1444,12 @@
   <p:clrMapOvr>
     <a:masterClrMapping/>
   </p:clrMapOvr>
-  <p:transition xmlns:p14="http://schemas.microsoft.com/office/powerpoint/2010/main" spd="med" advClick="1"/>
+  <p:transition spd="med"/>
 </p:sldLayout>
 </file>
 
 <file path=ppt/slideLayouts/slideLayout13.xml><?xml version="1.0" encoding="utf-8"?>
-<p:sldLayout xmlns:a="http://schemas.openxmlformats.org/drawingml/2006/main" xmlns:r="http://schemas.openxmlformats.org/officeDocument/2006/relationships" xmlns:p="http://schemas.openxmlformats.org/presentationml/2006/main" xmlns:m="http://schemas.openxmlformats.org/officeDocument/2006/math" xmlns:a14="http://schemas.microsoft.com/office/drawing/2010/main" type="tx" showMasterSp="1" showMasterPhAnim="1">
+<p:sldLayout xmlns:a="http://schemas.openxmlformats.org/drawingml/2006/main" xmlns:r="http://schemas.openxmlformats.org/officeDocument/2006/relationships" xmlns:p="http://schemas.openxmlformats.org/presentationml/2006/main" type="tx">
   <p:cSld name="중요한 사실">
     <p:spTree>
       <p:nvGrpSpPr>
@@ -1260,7 +1468,9 @@
       <p:sp>
         <p:nvSpPr>
           <p:cNvPr id="126" name="본문 첫 번째 줄…"/>
-          <p:cNvSpPr txBox="1"/>
+          <p:cNvSpPr txBox="1">
+            <a:spLocks noGrp="1"/>
+          </p:cNvSpPr>
           <p:nvPr>
             <p:ph type="body" idx="1" hasCustomPrompt="1"/>
           </p:nvPr>
@@ -1286,7 +1496,7 @@
               </a:spcBef>
               <a:buSzTx/>
               <a:buNone/>
-              <a:defRPr b="1" spc="-250" sz="25000"/>
+              <a:defRPr sz="25000" b="1" spc="-250"/>
             </a:lvl1pPr>
             <a:lvl2pPr marL="0" indent="457200" algn="ctr">
               <a:lnSpc>
@@ -1297,7 +1507,7 @@
               </a:spcBef>
               <a:buSzTx/>
               <a:buNone/>
-              <a:defRPr b="1" spc="-250" sz="25000"/>
+              <a:defRPr sz="25000" b="1" spc="-250"/>
             </a:lvl2pPr>
             <a:lvl3pPr marL="0" indent="914400" algn="ctr">
               <a:lnSpc>
@@ -1308,7 +1518,7 @@
               </a:spcBef>
               <a:buSzTx/>
               <a:buNone/>
-              <a:defRPr b="1" spc="-250" sz="25000"/>
+              <a:defRPr sz="25000" b="1" spc="-250"/>
             </a:lvl3pPr>
             <a:lvl4pPr marL="0" indent="1371600" algn="ctr">
               <a:lnSpc>
@@ -1319,7 +1529,7 @@
               </a:spcBef>
               <a:buSzTx/>
               <a:buNone/>
-              <a:defRPr b="1" spc="-250" sz="25000"/>
+              <a:defRPr sz="25000" b="1" spc="-250"/>
             </a:lvl4pPr>
             <a:lvl5pPr marL="0" indent="1828800" algn="ctr">
               <a:lnSpc>
@@ -1330,45 +1540,38 @@
               </a:spcBef>
               <a:buSzTx/>
               <a:buNone/>
-              <a:defRPr b="1" spc="-250" sz="25000"/>
+              <a:defRPr sz="25000" b="1" spc="-250"/>
             </a:lvl5pPr>
           </a:lstStyle>
           <a:p>
-            <a:pPr/>
             <a:r>
               <a:t>100%</a:t>
             </a:r>
           </a:p>
           <a:p>
             <a:pPr lvl="1"/>
-            <a:r>
-              <a:t/>
-            </a:r>
+            <a:endParaRPr/>
           </a:p>
           <a:p>
             <a:pPr lvl="2"/>
-            <a:r>
-              <a:t/>
-            </a:r>
+            <a:endParaRPr/>
           </a:p>
           <a:p>
             <a:pPr lvl="3"/>
-            <a:r>
-              <a:t/>
-            </a:r>
+            <a:endParaRPr/>
           </a:p>
           <a:p>
             <a:pPr lvl="4"/>
-            <a:r>
-              <a:t/>
-            </a:r>
+            <a:endParaRPr/>
           </a:p>
         </p:txBody>
       </p:sp>
       <p:sp>
         <p:nvSpPr>
           <p:cNvPr id="127" name="사실 정보"/>
-          <p:cNvSpPr txBox="1"/>
+          <p:cNvSpPr txBox="1">
+            <a:spLocks noGrp="1"/>
+          </p:cNvSpPr>
           <p:nvPr>
             <p:ph type="body" sz="quarter" idx="21" hasCustomPrompt="1"/>
           </p:nvPr>
@@ -1394,11 +1597,10 @@
               </a:spcBef>
               <a:buSzTx/>
               <a:buNone/>
-              <a:defRPr b="1" sz="5280"/>
+              <a:defRPr sz="5280" b="1"/>
             </a:lvl1pPr>
           </a:lstStyle>
           <a:p>
-            <a:pPr/>
             <a:r>
               <a:t>사실 정보</a:t>
             </a:r>
@@ -1408,7 +1610,9 @@
       <p:sp>
         <p:nvSpPr>
           <p:cNvPr id="128" name="슬라이드 번호"/>
-          <p:cNvSpPr txBox="1"/>
+          <p:cNvSpPr txBox="1">
+            <a:spLocks noGrp="1"/>
+          </p:cNvSpPr>
           <p:nvPr>
             <p:ph type="sldNum" sz="quarter" idx="2"/>
           </p:nvPr>
@@ -1422,8 +1626,11 @@
           <a:bodyPr/>
           <a:lstStyle/>
           <a:p>
-            <a:pPr/>
-            <a:fld id="{86CB4B4D-7CA3-9044-876B-883B54F8677D}" type="slidenum"/>
+            <a:fld id="{86CB4B4D-7CA3-9044-876B-883B54F8677D}" type="slidenum">
+              <a:rPr/>
+              <a:t>‹#›</a:t>
+            </a:fld>
+            <a:endParaRPr/>
           </a:p>
         </p:txBody>
       </p:sp>
@@ -1432,12 +1639,12 @@
   <p:clrMapOvr>
     <a:masterClrMapping/>
   </p:clrMapOvr>
-  <p:transition xmlns:p14="http://schemas.microsoft.com/office/powerpoint/2010/main" spd="med" advClick="1"/>
+  <p:transition spd="med"/>
 </p:sldLayout>
 </file>
 
 <file path=ppt/slideLayouts/slideLayout14.xml><?xml version="1.0" encoding="utf-8"?>
-<p:sldLayout xmlns:a="http://schemas.openxmlformats.org/drawingml/2006/main" xmlns:r="http://schemas.openxmlformats.org/officeDocument/2006/relationships" xmlns:p="http://schemas.openxmlformats.org/presentationml/2006/main" xmlns:m="http://schemas.openxmlformats.org/officeDocument/2006/math" xmlns:a14="http://schemas.microsoft.com/office/drawing/2010/main" type="tx" showMasterSp="1" showMasterPhAnim="1">
+<p:sldLayout xmlns:a="http://schemas.openxmlformats.org/drawingml/2006/main" xmlns:r="http://schemas.openxmlformats.org/officeDocument/2006/relationships" xmlns:p="http://schemas.openxmlformats.org/presentationml/2006/main" type="tx">
   <p:cSld name="인용">
     <p:spTree>
       <p:nvGrpSpPr>
@@ -1456,7 +1663,9 @@
       <p:sp>
         <p:nvSpPr>
           <p:cNvPr id="135" name="속성"/>
-          <p:cNvSpPr txBox="1"/>
+          <p:cNvSpPr txBox="1">
+            <a:spLocks noGrp="1"/>
+          </p:cNvSpPr>
           <p:nvPr>
             <p:ph type="body" sz="quarter" idx="21" hasCustomPrompt="1"/>
           </p:nvPr>
@@ -1482,11 +1691,10 @@
               </a:spcBef>
               <a:buSzTx/>
               <a:buNone/>
-              <a:defRPr b="1" sz="3600"/>
+              <a:defRPr sz="3600" b="1"/>
             </a:lvl1pPr>
           </a:lstStyle>
           <a:p>
-            <a:pPr/>
             <a:r>
               <a:t>속성</a:t>
             </a:r>
@@ -1496,7 +1704,9 @@
       <p:sp>
         <p:nvSpPr>
           <p:cNvPr id="136" name="본문 첫 번째 줄…"/>
-          <p:cNvSpPr txBox="1"/>
+          <p:cNvSpPr txBox="1">
+            <a:spLocks noGrp="1"/>
+          </p:cNvSpPr>
           <p:nvPr>
             <p:ph type="body" sz="half" idx="1" hasCustomPrompt="1"/>
           </p:nvPr>
@@ -1519,7 +1729,7 @@
               </a:spcBef>
               <a:buSzTx/>
               <a:buNone/>
-              <a:defRPr spc="-170" sz="8500">
+              <a:defRPr sz="8500" spc="-170">
                 <a:latin typeface="Helvetica Neue Medium"/>
                 <a:ea typeface="Helvetica Neue Medium"/>
                 <a:cs typeface="Helvetica Neue Medium"/>
@@ -1532,7 +1742,7 @@
               </a:spcBef>
               <a:buSzTx/>
               <a:buNone/>
-              <a:defRPr spc="-170" sz="8500">
+              <a:defRPr sz="8500" spc="-170">
                 <a:latin typeface="Helvetica Neue Medium"/>
                 <a:ea typeface="Helvetica Neue Medium"/>
                 <a:cs typeface="Helvetica Neue Medium"/>
@@ -1545,7 +1755,7 @@
               </a:spcBef>
               <a:buSzTx/>
               <a:buNone/>
-              <a:defRPr spc="-170" sz="8500">
+              <a:defRPr sz="8500" spc="-170">
                 <a:latin typeface="Helvetica Neue Medium"/>
                 <a:ea typeface="Helvetica Neue Medium"/>
                 <a:cs typeface="Helvetica Neue Medium"/>
@@ -1558,7 +1768,7 @@
               </a:spcBef>
               <a:buSzTx/>
               <a:buNone/>
-              <a:defRPr spc="-170" sz="8500">
+              <a:defRPr sz="8500" spc="-170">
                 <a:latin typeface="Helvetica Neue Medium"/>
                 <a:ea typeface="Helvetica Neue Medium"/>
                 <a:cs typeface="Helvetica Neue Medium"/>
@@ -1571,7 +1781,7 @@
               </a:spcBef>
               <a:buSzTx/>
               <a:buNone/>
-              <a:defRPr spc="-170" sz="8500">
+              <a:defRPr sz="8500" spc="-170">
                 <a:latin typeface="Helvetica Neue Medium"/>
                 <a:ea typeface="Helvetica Neue Medium"/>
                 <a:cs typeface="Helvetica Neue Medium"/>
@@ -1580,41 +1790,34 @@
             </a:lvl5pPr>
           </a:lstStyle>
           <a:p>
-            <a:pPr/>
             <a:r>
               <a:t>“멋진 인용구”</a:t>
             </a:r>
           </a:p>
           <a:p>
             <a:pPr lvl="1"/>
-            <a:r>
-              <a:t/>
-            </a:r>
+            <a:endParaRPr/>
           </a:p>
           <a:p>
             <a:pPr lvl="2"/>
-            <a:r>
-              <a:t/>
-            </a:r>
+            <a:endParaRPr/>
           </a:p>
           <a:p>
             <a:pPr lvl="3"/>
-            <a:r>
-              <a:t/>
-            </a:r>
+            <a:endParaRPr/>
           </a:p>
           <a:p>
             <a:pPr lvl="4"/>
-            <a:r>
-              <a:t/>
-            </a:r>
+            <a:endParaRPr/>
           </a:p>
         </p:txBody>
       </p:sp>
       <p:sp>
         <p:nvSpPr>
           <p:cNvPr id="137" name="슬라이드 번호"/>
-          <p:cNvSpPr txBox="1"/>
+          <p:cNvSpPr txBox="1">
+            <a:spLocks noGrp="1"/>
+          </p:cNvSpPr>
           <p:nvPr>
             <p:ph type="sldNum" sz="quarter" idx="2"/>
           </p:nvPr>
@@ -1628,8 +1831,11 @@
           <a:bodyPr/>
           <a:lstStyle/>
           <a:p>
-            <a:pPr/>
-            <a:fld id="{86CB4B4D-7CA3-9044-876B-883B54F8677D}" type="slidenum"/>
+            <a:fld id="{86CB4B4D-7CA3-9044-876B-883B54F8677D}" type="slidenum">
+              <a:rPr/>
+              <a:t>‹#›</a:t>
+            </a:fld>
+            <a:endParaRPr/>
           </a:p>
         </p:txBody>
       </p:sp>
@@ -1638,12 +1844,12 @@
   <p:clrMapOvr>
     <a:masterClrMapping/>
   </p:clrMapOvr>
-  <p:transition xmlns:p14="http://schemas.microsoft.com/office/powerpoint/2010/main" spd="med" advClick="1"/>
+  <p:transition spd="med"/>
 </p:sldLayout>
 </file>
 
 <file path=ppt/slideLayouts/slideLayout15.xml><?xml version="1.0" encoding="utf-8"?>
-<p:sldLayout xmlns:a="http://schemas.openxmlformats.org/drawingml/2006/main" xmlns:r="http://schemas.openxmlformats.org/officeDocument/2006/relationships" xmlns:p="http://schemas.openxmlformats.org/presentationml/2006/main" xmlns:m="http://schemas.openxmlformats.org/officeDocument/2006/math" xmlns:a14="http://schemas.microsoft.com/office/drawing/2010/main" type="tx" showMasterSp="1" showMasterPhAnim="1">
+<p:sldLayout xmlns:a="http://schemas.openxmlformats.org/drawingml/2006/main" xmlns:r="http://schemas.openxmlformats.org/officeDocument/2006/relationships" xmlns:p="http://schemas.openxmlformats.org/presentationml/2006/main" type="tx">
   <p:cSld name="사진 - 3장">
     <p:spTree>
       <p:nvGrpSpPr>
@@ -1662,7 +1868,9 @@
       <p:sp>
         <p:nvSpPr>
           <p:cNvPr id="144" name="볶음밥과 삶은 계란을 넣은 샐러드 그릇과 젓가락"/>
-          <p:cNvSpPr/>
+          <p:cNvSpPr>
+            <a:spLocks noGrp="1"/>
+          </p:cNvSpPr>
           <p:nvPr>
             <p:ph type="pic" sz="quarter" idx="21"/>
           </p:nvPr>
@@ -1682,14 +1890,16 @@
           </a:bodyPr>
           <a:lstStyle/>
           <a:p>
-            <a:pPr/>
+            <a:endParaRPr/>
           </a:p>
         </p:txBody>
       </p:sp>
       <p:sp>
         <p:nvSpPr>
           <p:cNvPr id="145" name="연어 어묵, 샐러드, 후무스가 든 그릇 "/>
-          <p:cNvSpPr/>
+          <p:cNvSpPr>
+            <a:spLocks noGrp="1"/>
+          </p:cNvSpPr>
           <p:nvPr>
             <p:ph type="pic" sz="half" idx="22"/>
           </p:nvPr>
@@ -1709,14 +1919,16 @@
           </a:bodyPr>
           <a:lstStyle/>
           <a:p>
-            <a:pPr/>
+            <a:endParaRPr/>
           </a:p>
         </p:txBody>
       </p:sp>
       <p:sp>
         <p:nvSpPr>
           <p:cNvPr id="146" name="파슬리 버터, 구운 헤이즐넛, 파르메산 치즈를 올린 파파르델레 파스타 그릇"/>
-          <p:cNvSpPr/>
+          <p:cNvSpPr>
+            <a:spLocks noGrp="1"/>
+          </p:cNvSpPr>
           <p:nvPr>
             <p:ph type="pic" idx="23"/>
           </p:nvPr>
@@ -1736,14 +1948,16 @@
           </a:bodyPr>
           <a:lstStyle/>
           <a:p>
-            <a:pPr/>
+            <a:endParaRPr/>
           </a:p>
         </p:txBody>
       </p:sp>
       <p:sp>
         <p:nvSpPr>
           <p:cNvPr id="147" name="슬라이드 번호"/>
-          <p:cNvSpPr txBox="1"/>
+          <p:cNvSpPr txBox="1">
+            <a:spLocks noGrp="1"/>
+          </p:cNvSpPr>
           <p:nvPr>
             <p:ph type="sldNum" sz="quarter" idx="2"/>
           </p:nvPr>
@@ -1757,8 +1971,11 @@
           <a:bodyPr/>
           <a:lstStyle/>
           <a:p>
-            <a:pPr/>
-            <a:fld id="{86CB4B4D-7CA3-9044-876B-883B54F8677D}" type="slidenum"/>
+            <a:fld id="{86CB4B4D-7CA3-9044-876B-883B54F8677D}" type="slidenum">
+              <a:rPr/>
+              <a:t>‹#›</a:t>
+            </a:fld>
+            <a:endParaRPr/>
           </a:p>
         </p:txBody>
       </p:sp>
@@ -1767,12 +1984,12 @@
   <p:clrMapOvr>
     <a:masterClrMapping/>
   </p:clrMapOvr>
-  <p:transition xmlns:p14="http://schemas.microsoft.com/office/powerpoint/2010/main" spd="med" advClick="1"/>
+  <p:transition spd="med"/>
 </p:sldLayout>
 </file>
 
 <file path=ppt/slideLayouts/slideLayout16.xml><?xml version="1.0" encoding="utf-8"?>
-<p:sldLayout xmlns:a="http://schemas.openxmlformats.org/drawingml/2006/main" xmlns:r="http://schemas.openxmlformats.org/officeDocument/2006/relationships" xmlns:p="http://schemas.openxmlformats.org/presentationml/2006/main" xmlns:m="http://schemas.openxmlformats.org/officeDocument/2006/math" xmlns:a14="http://schemas.microsoft.com/office/drawing/2010/main" type="tx" showMasterSp="1" showMasterPhAnim="1">
+<p:sldLayout xmlns:a="http://schemas.openxmlformats.org/drawingml/2006/main" xmlns:r="http://schemas.openxmlformats.org/officeDocument/2006/relationships" xmlns:p="http://schemas.openxmlformats.org/presentationml/2006/main" type="tx">
   <p:cSld name="사진">
     <p:spTree>
       <p:nvGrpSpPr>
@@ -1791,7 +2008,9 @@
       <p:sp>
         <p:nvSpPr>
           <p:cNvPr id="154" name="볶음밥과 삶은 계란을 넣은 샐러드 그릇과 젓가락"/>
-          <p:cNvSpPr/>
+          <p:cNvSpPr>
+            <a:spLocks noGrp="1"/>
+          </p:cNvSpPr>
           <p:nvPr>
             <p:ph type="pic" idx="21"/>
           </p:nvPr>
@@ -1811,14 +2030,16 @@
           </a:bodyPr>
           <a:lstStyle/>
           <a:p>
-            <a:pPr/>
+            <a:endParaRPr/>
           </a:p>
         </p:txBody>
       </p:sp>
       <p:sp>
         <p:nvSpPr>
           <p:cNvPr id="155" name="슬라이드 번호"/>
-          <p:cNvSpPr txBox="1"/>
+          <p:cNvSpPr txBox="1">
+            <a:spLocks noGrp="1"/>
+          </p:cNvSpPr>
           <p:nvPr>
             <p:ph type="sldNum" sz="quarter" idx="2"/>
           </p:nvPr>
@@ -1840,8 +2061,11 @@
             </a:lvl1pPr>
           </a:lstStyle>
           <a:p>
-            <a:pPr/>
-            <a:fld id="{86CB4B4D-7CA3-9044-876B-883B54F8677D}" type="slidenum"/>
+            <a:fld id="{86CB4B4D-7CA3-9044-876B-883B54F8677D}" type="slidenum">
+              <a:rPr/>
+              <a:t>‹#›</a:t>
+            </a:fld>
+            <a:endParaRPr/>
           </a:p>
         </p:txBody>
       </p:sp>
@@ -1850,12 +2074,12 @@
   <p:clrMapOvr>
     <a:masterClrMapping/>
   </p:clrMapOvr>
-  <p:transition xmlns:p14="http://schemas.microsoft.com/office/powerpoint/2010/main" spd="med" advClick="1"/>
+  <p:transition spd="med"/>
 </p:sldLayout>
 </file>
 
 <file path=ppt/slideLayouts/slideLayout17.xml><?xml version="1.0" encoding="utf-8"?>
-<p:sldLayout xmlns:a="http://schemas.openxmlformats.org/drawingml/2006/main" xmlns:r="http://schemas.openxmlformats.org/officeDocument/2006/relationships" xmlns:p="http://schemas.openxmlformats.org/presentationml/2006/main" xmlns:m="http://schemas.openxmlformats.org/officeDocument/2006/math" xmlns:a14="http://schemas.microsoft.com/office/drawing/2010/main" type="tx" showMasterSp="1" showMasterPhAnim="1">
+<p:sldLayout xmlns:a="http://schemas.openxmlformats.org/drawingml/2006/main" xmlns:r="http://schemas.openxmlformats.org/officeDocument/2006/relationships" xmlns:p="http://schemas.openxmlformats.org/presentationml/2006/main" type="tx">
   <p:cSld name="빈 페이지">
     <p:spTree>
       <p:nvGrpSpPr>
@@ -1874,7 +2098,9 @@
       <p:sp>
         <p:nvSpPr>
           <p:cNvPr id="162" name="슬라이드 번호"/>
-          <p:cNvSpPr txBox="1"/>
+          <p:cNvSpPr txBox="1">
+            <a:spLocks noGrp="1"/>
+          </p:cNvSpPr>
           <p:nvPr>
             <p:ph type="sldNum" sz="quarter" idx="2"/>
           </p:nvPr>
@@ -1888,8 +2114,11 @@
           <a:bodyPr/>
           <a:lstStyle/>
           <a:p>
-            <a:pPr/>
-            <a:fld id="{86CB4B4D-7CA3-9044-876B-883B54F8677D}" type="slidenum"/>
+            <a:fld id="{86CB4B4D-7CA3-9044-876B-883B54F8677D}" type="slidenum">
+              <a:rPr/>
+              <a:t>‹#›</a:t>
+            </a:fld>
+            <a:endParaRPr/>
           </a:p>
         </p:txBody>
       </p:sp>
@@ -1898,12 +2127,12 @@
   <p:clrMapOvr>
     <a:masterClrMapping/>
   </p:clrMapOvr>
-  <p:transition xmlns:p14="http://schemas.microsoft.com/office/powerpoint/2010/main" spd="med" advClick="1"/>
+  <p:transition spd="med"/>
 </p:sldLayout>
 </file>
 
 <file path=ppt/slideLayouts/slideLayout2.xml><?xml version="1.0" encoding="utf-8"?>
-<p:sldLayout xmlns:a="http://schemas.openxmlformats.org/drawingml/2006/main" xmlns:r="http://schemas.openxmlformats.org/officeDocument/2006/relationships" xmlns:p="http://schemas.openxmlformats.org/presentationml/2006/main" xmlns:m="http://schemas.openxmlformats.org/officeDocument/2006/math" xmlns:a14="http://schemas.microsoft.com/office/drawing/2010/main" type="tx" showMasterSp="1" showMasterPhAnim="1">
+<p:sldLayout xmlns:a="http://schemas.openxmlformats.org/drawingml/2006/main" xmlns:r="http://schemas.openxmlformats.org/officeDocument/2006/relationships" xmlns:p="http://schemas.openxmlformats.org/presentationml/2006/main" type="tx">
   <p:cSld name="제목 및 사진">
     <p:spTree>
       <p:nvGrpSpPr>
@@ -1922,7 +2151,9 @@
       <p:sp>
         <p:nvSpPr>
           <p:cNvPr id="21" name="아보카도와 라임"/>
-          <p:cNvSpPr/>
+          <p:cNvSpPr>
+            <a:spLocks noGrp="1"/>
+          </p:cNvSpPr>
           <p:nvPr>
             <p:ph type="pic" idx="21"/>
           </p:nvPr>
@@ -1942,14 +2173,16 @@
           </a:bodyPr>
           <a:lstStyle/>
           <a:p>
-            <a:pPr/>
+            <a:endParaRPr/>
           </a:p>
         </p:txBody>
       </p:sp>
       <p:sp>
         <p:nvSpPr>
           <p:cNvPr id="22" name="프레젠테이션 제목"/>
-          <p:cNvSpPr txBox="1"/>
+          <p:cNvSpPr txBox="1">
+            <a:spLocks noGrp="1"/>
+          </p:cNvSpPr>
           <p:nvPr>
             <p:ph type="title" hasCustomPrompt="1"/>
           </p:nvPr>
@@ -1967,11 +2200,10 @@
           <a:bodyPr anchor="b"/>
           <a:lstStyle>
             <a:lvl1pPr>
-              <a:defRPr spc="-232" sz="11600"/>
+              <a:defRPr sz="11600" spc="-232"/>
             </a:lvl1pPr>
           </a:lstStyle>
           <a:p>
-            <a:pPr/>
             <a:r>
               <a:t>프레젠테이션 제목</a:t>
             </a:r>
@@ -1981,7 +2213,9 @@
       <p:sp>
         <p:nvSpPr>
           <p:cNvPr id="23" name="저자 및 날짜"/>
-          <p:cNvSpPr txBox="1"/>
+          <p:cNvSpPr txBox="1">
+            <a:spLocks noGrp="1"/>
+          </p:cNvSpPr>
           <p:nvPr>
             <p:ph type="body" sz="quarter" idx="22" hasCustomPrompt="1"/>
           </p:nvPr>
@@ -2007,11 +2241,10 @@
               </a:spcBef>
               <a:buSzTx/>
               <a:buNone/>
-              <a:defRPr b="1" sz="3420"/>
+              <a:defRPr sz="3420" b="1"/>
             </a:lvl1pPr>
           </a:lstStyle>
           <a:p>
-            <a:pPr/>
             <a:r>
               <a:t>저자 및 날짜</a:t>
             </a:r>
@@ -2021,7 +2254,9 @@
       <p:sp>
         <p:nvSpPr>
           <p:cNvPr id="24" name="본문 첫 번째 줄…"/>
-          <p:cNvSpPr txBox="1"/>
+          <p:cNvSpPr txBox="1">
+            <a:spLocks noGrp="1"/>
+          </p:cNvSpPr>
           <p:nvPr>
             <p:ph type="body" sz="quarter" idx="1" hasCustomPrompt="1"/>
           </p:nvPr>
@@ -2047,7 +2282,7 @@
               </a:spcBef>
               <a:buSzTx/>
               <a:buNone/>
-              <a:defRPr b="1" sz="5500"/>
+              <a:defRPr sz="5500" b="1"/>
             </a:lvl1pPr>
             <a:lvl2pPr marL="0" indent="457200" defTabSz="825500">
               <a:lnSpc>
@@ -2058,7 +2293,7 @@
               </a:spcBef>
               <a:buSzTx/>
               <a:buNone/>
-              <a:defRPr b="1" sz="5500"/>
+              <a:defRPr sz="5500" b="1"/>
             </a:lvl2pPr>
             <a:lvl3pPr marL="0" indent="914400" defTabSz="825500">
               <a:lnSpc>
@@ -2069,7 +2304,7 @@
               </a:spcBef>
               <a:buSzTx/>
               <a:buNone/>
-              <a:defRPr b="1" sz="5500"/>
+              <a:defRPr sz="5500" b="1"/>
             </a:lvl3pPr>
             <a:lvl4pPr marL="0" indent="1371600" defTabSz="825500">
               <a:lnSpc>
@@ -2080,7 +2315,7 @@
               </a:spcBef>
               <a:buSzTx/>
               <a:buNone/>
-              <a:defRPr b="1" sz="5500"/>
+              <a:defRPr sz="5500" b="1"/>
             </a:lvl4pPr>
             <a:lvl5pPr marL="0" indent="1828800" defTabSz="825500">
               <a:lnSpc>
@@ -2091,45 +2326,38 @@
               </a:spcBef>
               <a:buSzTx/>
               <a:buNone/>
-              <a:defRPr b="1" sz="5500"/>
+              <a:defRPr sz="5500" b="1"/>
             </a:lvl5pPr>
           </a:lstStyle>
           <a:p>
-            <a:pPr/>
             <a:r>
               <a:t>프레젠테이션 부제</a:t>
             </a:r>
           </a:p>
           <a:p>
             <a:pPr lvl="1"/>
-            <a:r>
-              <a:t/>
-            </a:r>
+            <a:endParaRPr/>
           </a:p>
           <a:p>
             <a:pPr lvl="2"/>
-            <a:r>
-              <a:t/>
-            </a:r>
+            <a:endParaRPr/>
           </a:p>
           <a:p>
             <a:pPr lvl="3"/>
-            <a:r>
-              <a:t/>
-            </a:r>
+            <a:endParaRPr/>
           </a:p>
           <a:p>
             <a:pPr lvl="4"/>
-            <a:r>
-              <a:t/>
-            </a:r>
+            <a:endParaRPr/>
           </a:p>
         </p:txBody>
       </p:sp>
       <p:sp>
         <p:nvSpPr>
           <p:cNvPr id="25" name="슬라이드 번호"/>
-          <p:cNvSpPr txBox="1"/>
+          <p:cNvSpPr txBox="1">
+            <a:spLocks noGrp="1"/>
+          </p:cNvSpPr>
           <p:nvPr>
             <p:ph type="sldNum" sz="quarter" idx="2"/>
           </p:nvPr>
@@ -2143,8 +2371,11 @@
           <a:bodyPr/>
           <a:lstStyle/>
           <a:p>
-            <a:pPr/>
-            <a:fld id="{86CB4B4D-7CA3-9044-876B-883B54F8677D}" type="slidenum"/>
+            <a:fld id="{86CB4B4D-7CA3-9044-876B-883B54F8677D}" type="slidenum">
+              <a:rPr/>
+              <a:t>‹#›</a:t>
+            </a:fld>
+            <a:endParaRPr/>
           </a:p>
         </p:txBody>
       </p:sp>
@@ -2153,12 +2384,12 @@
   <p:clrMapOvr>
     <a:masterClrMapping/>
   </p:clrMapOvr>
-  <p:transition xmlns:p14="http://schemas.microsoft.com/office/powerpoint/2010/main" spd="med" advClick="1"/>
+  <p:transition spd="med"/>
 </p:sldLayout>
 </file>
 
 <file path=ppt/slideLayouts/slideLayout3.xml><?xml version="1.0" encoding="utf-8"?>
-<p:sldLayout xmlns:a="http://schemas.openxmlformats.org/drawingml/2006/main" xmlns:r="http://schemas.openxmlformats.org/officeDocument/2006/relationships" xmlns:p="http://schemas.openxmlformats.org/presentationml/2006/main" xmlns:m="http://schemas.openxmlformats.org/officeDocument/2006/math" xmlns:a14="http://schemas.microsoft.com/office/drawing/2010/main" type="tx" showMasterSp="1" showMasterPhAnim="1">
+<p:sldLayout xmlns:a="http://schemas.openxmlformats.org/drawingml/2006/main" xmlns:r="http://schemas.openxmlformats.org/officeDocument/2006/relationships" xmlns:p="http://schemas.openxmlformats.org/presentationml/2006/main" type="tx">
   <p:cSld name="제목 및 사진 대체">
     <p:spTree>
       <p:nvGrpSpPr>
@@ -2177,7 +2408,9 @@
       <p:sp>
         <p:nvSpPr>
           <p:cNvPr id="32" name="연어 어묵, 샐러드, 후무스가 든 그릇"/>
-          <p:cNvSpPr/>
+          <p:cNvSpPr>
+            <a:spLocks noGrp="1"/>
+          </p:cNvSpPr>
           <p:nvPr>
             <p:ph type="pic" idx="21"/>
           </p:nvPr>
@@ -2197,14 +2430,16 @@
           </a:bodyPr>
           <a:lstStyle/>
           <a:p>
-            <a:pPr/>
+            <a:endParaRPr/>
           </a:p>
         </p:txBody>
       </p:sp>
       <p:sp>
         <p:nvSpPr>
           <p:cNvPr id="33" name="슬라이드 제목"/>
-          <p:cNvSpPr txBox="1"/>
+          <p:cNvSpPr txBox="1">
+            <a:spLocks noGrp="1"/>
+          </p:cNvSpPr>
           <p:nvPr>
             <p:ph type="title" hasCustomPrompt="1"/>
           </p:nvPr>
@@ -2222,7 +2457,6 @@
           <a:bodyPr anchor="b"/>
           <a:lstStyle/>
           <a:p>
-            <a:pPr/>
             <a:r>
               <a:t>슬라이드 제목</a:t>
             </a:r>
@@ -2232,7 +2466,9 @@
       <p:sp>
         <p:nvSpPr>
           <p:cNvPr id="34" name="본문 첫 번째 줄…"/>
-          <p:cNvSpPr txBox="1"/>
+          <p:cNvSpPr txBox="1">
+            <a:spLocks noGrp="1"/>
+          </p:cNvSpPr>
           <p:nvPr>
             <p:ph type="body" sz="quarter" idx="1" hasCustomPrompt="1"/>
           </p:nvPr>
@@ -2258,7 +2494,7 @@
               </a:spcBef>
               <a:buSzTx/>
               <a:buNone/>
-              <a:defRPr b="1" sz="5500"/>
+              <a:defRPr sz="5500" b="1"/>
             </a:lvl1pPr>
             <a:lvl2pPr marL="0" indent="457200" defTabSz="825500">
               <a:lnSpc>
@@ -2269,7 +2505,7 @@
               </a:spcBef>
               <a:buSzTx/>
               <a:buNone/>
-              <a:defRPr b="1" sz="5500"/>
+              <a:defRPr sz="5500" b="1"/>
             </a:lvl2pPr>
             <a:lvl3pPr marL="0" indent="914400" defTabSz="825500">
               <a:lnSpc>
@@ -2280,7 +2516,7 @@
               </a:spcBef>
               <a:buSzTx/>
               <a:buNone/>
-              <a:defRPr b="1" sz="5500"/>
+              <a:defRPr sz="5500" b="1"/>
             </a:lvl3pPr>
             <a:lvl4pPr marL="0" indent="1371600" defTabSz="825500">
               <a:lnSpc>
@@ -2291,7 +2527,7 @@
               </a:spcBef>
               <a:buSzTx/>
               <a:buNone/>
-              <a:defRPr b="1" sz="5500"/>
+              <a:defRPr sz="5500" b="1"/>
             </a:lvl4pPr>
             <a:lvl5pPr marL="0" indent="1828800" defTabSz="825500">
               <a:lnSpc>
@@ -2302,45 +2538,38 @@
               </a:spcBef>
               <a:buSzTx/>
               <a:buNone/>
-              <a:defRPr b="1" sz="5500"/>
+              <a:defRPr sz="5500" b="1"/>
             </a:lvl5pPr>
           </a:lstStyle>
           <a:p>
-            <a:pPr/>
             <a:r>
               <a:t>슬라이드 부제</a:t>
             </a:r>
           </a:p>
           <a:p>
             <a:pPr lvl="1"/>
-            <a:r>
-              <a:t/>
-            </a:r>
+            <a:endParaRPr/>
           </a:p>
           <a:p>
             <a:pPr lvl="2"/>
-            <a:r>
-              <a:t/>
-            </a:r>
+            <a:endParaRPr/>
           </a:p>
           <a:p>
             <a:pPr lvl="3"/>
-            <a:r>
-              <a:t/>
-            </a:r>
+            <a:endParaRPr/>
           </a:p>
           <a:p>
             <a:pPr lvl="4"/>
-            <a:r>
-              <a:t/>
-            </a:r>
+            <a:endParaRPr/>
           </a:p>
         </p:txBody>
       </p:sp>
       <p:sp>
         <p:nvSpPr>
           <p:cNvPr id="35" name="슬라이드 번호"/>
-          <p:cNvSpPr txBox="1"/>
+          <p:cNvSpPr txBox="1">
+            <a:spLocks noGrp="1"/>
+          </p:cNvSpPr>
           <p:nvPr>
             <p:ph type="sldNum" sz="quarter" idx="2"/>
           </p:nvPr>
@@ -2358,8 +2587,11 @@
           <a:bodyPr/>
           <a:lstStyle/>
           <a:p>
-            <a:pPr/>
-            <a:fld id="{86CB4B4D-7CA3-9044-876B-883B54F8677D}" type="slidenum"/>
+            <a:fld id="{86CB4B4D-7CA3-9044-876B-883B54F8677D}" type="slidenum">
+              <a:rPr/>
+              <a:t>‹#›</a:t>
+            </a:fld>
+            <a:endParaRPr/>
           </a:p>
         </p:txBody>
       </p:sp>
@@ -2368,12 +2600,12 @@
   <p:clrMapOvr>
     <a:masterClrMapping/>
   </p:clrMapOvr>
-  <p:transition xmlns:p14="http://schemas.microsoft.com/office/powerpoint/2010/main" spd="med" advClick="1"/>
+  <p:transition spd="med"/>
 </p:sldLayout>
 </file>
 
 <file path=ppt/slideLayouts/slideLayout4.xml><?xml version="1.0" encoding="utf-8"?>
-<p:sldLayout xmlns:a="http://schemas.openxmlformats.org/drawingml/2006/main" xmlns:r="http://schemas.openxmlformats.org/officeDocument/2006/relationships" xmlns:p="http://schemas.openxmlformats.org/presentationml/2006/main" xmlns:m="http://schemas.openxmlformats.org/officeDocument/2006/math" xmlns:a14="http://schemas.microsoft.com/office/drawing/2010/main" type="tx" showMasterSp="1" showMasterPhAnim="1">
+<p:sldLayout xmlns:a="http://schemas.openxmlformats.org/drawingml/2006/main" xmlns:r="http://schemas.openxmlformats.org/officeDocument/2006/relationships" xmlns:p="http://schemas.openxmlformats.org/presentationml/2006/main" type="tx">
   <p:cSld name="제목 및 구분점">
     <p:spTree>
       <p:nvGrpSpPr>
@@ -2392,7 +2624,9 @@
       <p:sp>
         <p:nvSpPr>
           <p:cNvPr id="42" name="슬라이드 제목"/>
-          <p:cNvSpPr txBox="1"/>
+          <p:cNvSpPr txBox="1">
+            <a:spLocks noGrp="1"/>
+          </p:cNvSpPr>
           <p:nvPr>
             <p:ph type="title" hasCustomPrompt="1"/>
           </p:nvPr>
@@ -2406,7 +2640,6 @@
           <a:bodyPr/>
           <a:lstStyle/>
           <a:p>
-            <a:pPr/>
             <a:r>
               <a:t>슬라이드 제목</a:t>
             </a:r>
@@ -2416,7 +2649,9 @@
       <p:sp>
         <p:nvSpPr>
           <p:cNvPr id="43" name="슬라이드 부제"/>
-          <p:cNvSpPr txBox="1"/>
+          <p:cNvSpPr txBox="1">
+            <a:spLocks noGrp="1"/>
+          </p:cNvSpPr>
           <p:nvPr>
             <p:ph type="body" sz="quarter" idx="21" hasCustomPrompt="1"/>
           </p:nvPr>
@@ -2442,11 +2677,10 @@
               </a:spcBef>
               <a:buSzTx/>
               <a:buNone/>
-              <a:defRPr b="1" sz="5280"/>
+              <a:defRPr sz="5280" b="1"/>
             </a:lvl1pPr>
           </a:lstStyle>
           <a:p>
-            <a:pPr/>
             <a:r>
               <a:t>슬라이드 부제</a:t>
             </a:r>
@@ -2456,7 +2690,9 @@
       <p:sp>
         <p:nvSpPr>
           <p:cNvPr id="44" name="본문 첫 번째 줄…"/>
-          <p:cNvSpPr txBox="1"/>
+          <p:cNvSpPr txBox="1">
+            <a:spLocks noGrp="1"/>
+          </p:cNvSpPr>
           <p:nvPr>
             <p:ph type="body" idx="1" hasCustomPrompt="1"/>
           </p:nvPr>
@@ -2470,41 +2706,34 @@
           <a:bodyPr/>
           <a:lstStyle/>
           <a:p>
-            <a:pPr/>
             <a:r>
               <a:t>슬라이드 구분점 텍스트</a:t>
             </a:r>
           </a:p>
           <a:p>
             <a:pPr lvl="1"/>
-            <a:r>
-              <a:t/>
-            </a:r>
+            <a:endParaRPr/>
           </a:p>
           <a:p>
             <a:pPr lvl="2"/>
-            <a:r>
-              <a:t/>
-            </a:r>
+            <a:endParaRPr/>
           </a:p>
           <a:p>
             <a:pPr lvl="3"/>
-            <a:r>
-              <a:t/>
-            </a:r>
+            <a:endParaRPr/>
           </a:p>
           <a:p>
             <a:pPr lvl="4"/>
-            <a:r>
-              <a:t/>
-            </a:r>
+            <a:endParaRPr/>
           </a:p>
         </p:txBody>
       </p:sp>
       <p:sp>
         <p:nvSpPr>
           <p:cNvPr id="45" name="슬라이드 번호"/>
-          <p:cNvSpPr txBox="1"/>
+          <p:cNvSpPr txBox="1">
+            <a:spLocks noGrp="1"/>
+          </p:cNvSpPr>
           <p:nvPr>
             <p:ph type="sldNum" sz="quarter" idx="2"/>
           </p:nvPr>
@@ -2518,8 +2747,11 @@
           <a:bodyPr/>
           <a:lstStyle/>
           <a:p>
-            <a:pPr/>
-            <a:fld id="{86CB4B4D-7CA3-9044-876B-883B54F8677D}" type="slidenum"/>
+            <a:fld id="{86CB4B4D-7CA3-9044-876B-883B54F8677D}" type="slidenum">
+              <a:rPr/>
+              <a:t>‹#›</a:t>
+            </a:fld>
+            <a:endParaRPr/>
           </a:p>
         </p:txBody>
       </p:sp>
@@ -2528,12 +2760,12 @@
   <p:clrMapOvr>
     <a:masterClrMapping/>
   </p:clrMapOvr>
-  <p:transition xmlns:p14="http://schemas.microsoft.com/office/powerpoint/2010/main" spd="med" advClick="1"/>
+  <p:transition spd="med"/>
 </p:sldLayout>
 </file>
 
 <file path=ppt/slideLayouts/slideLayout5.xml><?xml version="1.0" encoding="utf-8"?>
-<p:sldLayout xmlns:a="http://schemas.openxmlformats.org/drawingml/2006/main" xmlns:r="http://schemas.openxmlformats.org/officeDocument/2006/relationships" xmlns:p="http://schemas.openxmlformats.org/presentationml/2006/main" xmlns:m="http://schemas.openxmlformats.org/officeDocument/2006/math" xmlns:a14="http://schemas.microsoft.com/office/drawing/2010/main" type="tx" showMasterSp="1" showMasterPhAnim="1">
+<p:sldLayout xmlns:a="http://schemas.openxmlformats.org/drawingml/2006/main" xmlns:r="http://schemas.openxmlformats.org/officeDocument/2006/relationships" xmlns:p="http://schemas.openxmlformats.org/presentationml/2006/main" type="tx">
   <p:cSld name="구분점">
     <p:spTree>
       <p:nvGrpSpPr>
@@ -2552,7 +2784,9 @@
       <p:sp>
         <p:nvSpPr>
           <p:cNvPr id="52" name="본문 첫 번째 줄…"/>
-          <p:cNvSpPr txBox="1"/>
+          <p:cNvSpPr txBox="1">
+            <a:spLocks noGrp="1"/>
+          </p:cNvSpPr>
           <p:nvPr>
             <p:ph type="body" idx="1" hasCustomPrompt="1"/>
           </p:nvPr>
@@ -2566,41 +2800,34 @@
           <a:bodyPr numCol="2" spcCol="1098550"/>
           <a:lstStyle/>
           <a:p>
-            <a:pPr/>
             <a:r>
               <a:t>슬라이드 구분점 텍스트</a:t>
             </a:r>
           </a:p>
           <a:p>
             <a:pPr lvl="1"/>
-            <a:r>
-              <a:t/>
-            </a:r>
+            <a:endParaRPr/>
           </a:p>
           <a:p>
             <a:pPr lvl="2"/>
-            <a:r>
-              <a:t/>
-            </a:r>
+            <a:endParaRPr/>
           </a:p>
           <a:p>
             <a:pPr lvl="3"/>
-            <a:r>
-              <a:t/>
-            </a:r>
+            <a:endParaRPr/>
           </a:p>
           <a:p>
             <a:pPr lvl="4"/>
-            <a:r>
-              <a:t/>
-            </a:r>
+            <a:endParaRPr/>
           </a:p>
         </p:txBody>
       </p:sp>
       <p:sp>
         <p:nvSpPr>
           <p:cNvPr id="53" name="슬라이드 번호"/>
-          <p:cNvSpPr txBox="1"/>
+          <p:cNvSpPr txBox="1">
+            <a:spLocks noGrp="1"/>
+          </p:cNvSpPr>
           <p:nvPr>
             <p:ph type="sldNum" sz="quarter" idx="2"/>
           </p:nvPr>
@@ -2614,8 +2841,11 @@
           <a:bodyPr/>
           <a:lstStyle/>
           <a:p>
-            <a:pPr/>
-            <a:fld id="{86CB4B4D-7CA3-9044-876B-883B54F8677D}" type="slidenum"/>
+            <a:fld id="{86CB4B4D-7CA3-9044-876B-883B54F8677D}" type="slidenum">
+              <a:rPr/>
+              <a:t>‹#›</a:t>
+            </a:fld>
+            <a:endParaRPr/>
           </a:p>
         </p:txBody>
       </p:sp>
@@ -2624,12 +2854,12 @@
   <p:clrMapOvr>
     <a:masterClrMapping/>
   </p:clrMapOvr>
-  <p:transition xmlns:p14="http://schemas.microsoft.com/office/powerpoint/2010/main" spd="med" advClick="1"/>
+  <p:transition spd="med"/>
 </p:sldLayout>
 </file>
 
 <file path=ppt/slideLayouts/slideLayout6.xml><?xml version="1.0" encoding="utf-8"?>
-<p:sldLayout xmlns:a="http://schemas.openxmlformats.org/drawingml/2006/main" xmlns:r="http://schemas.openxmlformats.org/officeDocument/2006/relationships" xmlns:p="http://schemas.openxmlformats.org/presentationml/2006/main" xmlns:m="http://schemas.openxmlformats.org/officeDocument/2006/math" xmlns:a14="http://schemas.microsoft.com/office/drawing/2010/main" type="tx" showMasterSp="1" showMasterPhAnim="1">
+<p:sldLayout xmlns:a="http://schemas.openxmlformats.org/drawingml/2006/main" xmlns:r="http://schemas.openxmlformats.org/officeDocument/2006/relationships" xmlns:p="http://schemas.openxmlformats.org/presentationml/2006/main" type="tx">
   <p:cSld name="제목, 구분점 및 사진">
     <p:spTree>
       <p:nvGrpSpPr>
@@ -2648,7 +2878,9 @@
       <p:sp>
         <p:nvSpPr>
           <p:cNvPr id="60" name="슬라이드 부제"/>
-          <p:cNvSpPr txBox="1"/>
+          <p:cNvSpPr txBox="1">
+            <a:spLocks noGrp="1"/>
+          </p:cNvSpPr>
           <p:nvPr>
             <p:ph type="body" sz="quarter" idx="21" hasCustomPrompt="1"/>
           </p:nvPr>
@@ -2674,11 +2906,10 @@
               </a:spcBef>
               <a:buSzTx/>
               <a:buNone/>
-              <a:defRPr b="1" sz="5280"/>
+              <a:defRPr sz="5280" b="1"/>
             </a:lvl1pPr>
           </a:lstStyle>
           <a:p>
-            <a:pPr/>
             <a:r>
               <a:t>슬라이드 부제</a:t>
             </a:r>
@@ -2688,7 +2919,9 @@
       <p:sp>
         <p:nvSpPr>
           <p:cNvPr id="61" name="본문 첫 번째 줄…"/>
-          <p:cNvSpPr txBox="1"/>
+          <p:cNvSpPr txBox="1">
+            <a:spLocks noGrp="1"/>
+          </p:cNvSpPr>
           <p:nvPr>
             <p:ph type="body" sz="half" idx="1" hasCustomPrompt="1"/>
           </p:nvPr>
@@ -2706,41 +2939,34 @@
           <a:bodyPr/>
           <a:lstStyle/>
           <a:p>
-            <a:pPr/>
             <a:r>
               <a:t>슬라이드 구분점 텍스트</a:t>
             </a:r>
           </a:p>
           <a:p>
             <a:pPr lvl="1"/>
-            <a:r>
-              <a:t/>
-            </a:r>
+            <a:endParaRPr/>
           </a:p>
           <a:p>
             <a:pPr lvl="2"/>
-            <a:r>
-              <a:t/>
-            </a:r>
+            <a:endParaRPr/>
           </a:p>
           <a:p>
             <a:pPr lvl="3"/>
-            <a:r>
-              <a:t/>
-            </a:r>
+            <a:endParaRPr/>
           </a:p>
           <a:p>
             <a:pPr lvl="4"/>
-            <a:r>
-              <a:t/>
-            </a:r>
+            <a:endParaRPr/>
           </a:p>
         </p:txBody>
       </p:sp>
       <p:sp>
         <p:nvSpPr>
           <p:cNvPr id="62" name="파슬리 버터, 구운 헤이즐넛, 파르메산 치즈를 올린 파파르델레 파스타 그릇"/>
-          <p:cNvSpPr/>
+          <p:cNvSpPr>
+            <a:spLocks noGrp="1"/>
+          </p:cNvSpPr>
           <p:nvPr>
             <p:ph type="pic" idx="22"/>
           </p:nvPr>
@@ -2760,14 +2986,16 @@
           </a:bodyPr>
           <a:lstStyle/>
           <a:p>
-            <a:pPr/>
+            <a:endParaRPr/>
           </a:p>
         </p:txBody>
       </p:sp>
       <p:sp>
         <p:nvSpPr>
           <p:cNvPr id="63" name="슬라이드 제목"/>
-          <p:cNvSpPr txBox="1"/>
+          <p:cNvSpPr txBox="1">
+            <a:spLocks noGrp="1"/>
+          </p:cNvSpPr>
           <p:nvPr>
             <p:ph type="title" hasCustomPrompt="1"/>
           </p:nvPr>
@@ -2785,7 +3013,6 @@
           <a:bodyPr/>
           <a:lstStyle/>
           <a:p>
-            <a:pPr/>
             <a:r>
               <a:t>슬라이드 제목</a:t>
             </a:r>
@@ -2795,7 +3022,9 @@
       <p:sp>
         <p:nvSpPr>
           <p:cNvPr id="64" name="슬라이드 번호"/>
-          <p:cNvSpPr txBox="1"/>
+          <p:cNvSpPr txBox="1">
+            <a:spLocks noGrp="1"/>
+          </p:cNvSpPr>
           <p:nvPr>
             <p:ph type="sldNum" sz="quarter" idx="2"/>
           </p:nvPr>
@@ -2809,8 +3038,11 @@
           <a:bodyPr/>
           <a:lstStyle/>
           <a:p>
-            <a:pPr/>
-            <a:fld id="{86CB4B4D-7CA3-9044-876B-883B54F8677D}" type="slidenum"/>
+            <a:fld id="{86CB4B4D-7CA3-9044-876B-883B54F8677D}" type="slidenum">
+              <a:rPr/>
+              <a:t>‹#›</a:t>
+            </a:fld>
+            <a:endParaRPr/>
           </a:p>
         </p:txBody>
       </p:sp>
@@ -2819,12 +3051,12 @@
   <p:clrMapOvr>
     <a:masterClrMapping/>
   </p:clrMapOvr>
-  <p:transition xmlns:p14="http://schemas.microsoft.com/office/powerpoint/2010/main" spd="med" advClick="1"/>
+  <p:transition spd="med"/>
 </p:sldLayout>
 </file>
 
 <file path=ppt/slideLayouts/slideLayout7.xml><?xml version="1.0" encoding="utf-8"?>
-<p:sldLayout xmlns:a="http://schemas.openxmlformats.org/drawingml/2006/main" xmlns:r="http://schemas.openxmlformats.org/officeDocument/2006/relationships" xmlns:p="http://schemas.openxmlformats.org/presentationml/2006/main" xmlns:m="http://schemas.openxmlformats.org/officeDocument/2006/math" xmlns:a14="http://schemas.microsoft.com/office/drawing/2010/main" type="tx" showMasterSp="1" showMasterPhAnim="1">
+<p:sldLayout xmlns:a="http://schemas.openxmlformats.org/drawingml/2006/main" xmlns:r="http://schemas.openxmlformats.org/officeDocument/2006/relationships" xmlns:p="http://schemas.openxmlformats.org/presentationml/2006/main" type="tx">
   <p:cSld name="제목, 구분점 및 작은 라이브 비디오">
     <p:spTree>
       <p:nvGrpSpPr>
@@ -2843,7 +3075,9 @@
       <p:sp>
         <p:nvSpPr>
           <p:cNvPr id="71" name="슬라이드 부제"/>
-          <p:cNvSpPr txBox="1"/>
+          <p:cNvSpPr txBox="1">
+            <a:spLocks noGrp="1"/>
+          </p:cNvSpPr>
           <p:nvPr>
             <p:ph type="body" sz="quarter" idx="21" hasCustomPrompt="1"/>
           </p:nvPr>
@@ -2869,11 +3103,10 @@
               </a:spcBef>
               <a:buSzTx/>
               <a:buNone/>
-              <a:defRPr b="1" sz="5280"/>
+              <a:defRPr sz="5280" b="1"/>
             </a:lvl1pPr>
           </a:lstStyle>
           <a:p>
-            <a:pPr/>
             <a:r>
               <a:t>슬라이드 부제</a:t>
             </a:r>
@@ -2883,7 +3116,9 @@
       <p:sp>
         <p:nvSpPr>
           <p:cNvPr id="72" name="본문 첫 번째 줄…"/>
-          <p:cNvSpPr txBox="1"/>
+          <p:cNvSpPr txBox="1">
+            <a:spLocks noGrp="1"/>
+          </p:cNvSpPr>
           <p:nvPr>
             <p:ph type="body" sz="half" idx="1" hasCustomPrompt="1"/>
           </p:nvPr>
@@ -2901,41 +3136,34 @@
           <a:bodyPr/>
           <a:lstStyle/>
           <a:p>
-            <a:pPr/>
             <a:r>
               <a:t>슬라이드 구분점 텍스트</a:t>
             </a:r>
           </a:p>
           <a:p>
             <a:pPr lvl="1"/>
-            <a:r>
-              <a:t/>
-            </a:r>
+            <a:endParaRPr/>
           </a:p>
           <a:p>
             <a:pPr lvl="2"/>
-            <a:r>
-              <a:t/>
-            </a:r>
+            <a:endParaRPr/>
           </a:p>
           <a:p>
             <a:pPr lvl="3"/>
-            <a:r>
-              <a:t/>
-            </a:r>
+            <a:endParaRPr/>
           </a:p>
           <a:p>
             <a:pPr lvl="4"/>
-            <a:r>
-              <a:t/>
-            </a:r>
+            <a:endParaRPr/>
           </a:p>
         </p:txBody>
       </p:sp>
       <p:sp>
         <p:nvSpPr>
           <p:cNvPr id="73" name="슬라이드 제목"/>
-          <p:cNvSpPr txBox="1"/>
+          <p:cNvSpPr txBox="1">
+            <a:spLocks noGrp="1"/>
+          </p:cNvSpPr>
           <p:nvPr>
             <p:ph type="title" hasCustomPrompt="1"/>
           </p:nvPr>
@@ -2953,7 +3181,6 @@
           <a:bodyPr/>
           <a:lstStyle/>
           <a:p>
-            <a:pPr/>
             <a:r>
               <a:t>슬라이드 제목</a:t>
             </a:r>
@@ -2963,7 +3190,9 @@
       <p:sp>
         <p:nvSpPr>
           <p:cNvPr id="74" name="슬라이드 번호"/>
-          <p:cNvSpPr txBox="1"/>
+          <p:cNvSpPr txBox="1">
+            <a:spLocks noGrp="1"/>
+          </p:cNvSpPr>
           <p:nvPr>
             <p:ph type="sldNum" sz="quarter" idx="2"/>
           </p:nvPr>
@@ -2977,8 +3206,11 @@
           <a:bodyPr/>
           <a:lstStyle/>
           <a:p>
-            <a:pPr/>
-            <a:fld id="{86CB4B4D-7CA3-9044-876B-883B54F8677D}" type="slidenum"/>
+            <a:fld id="{86CB4B4D-7CA3-9044-876B-883B54F8677D}" type="slidenum">
+              <a:rPr/>
+              <a:t>‹#›</a:t>
+            </a:fld>
+            <a:endParaRPr/>
           </a:p>
         </p:txBody>
       </p:sp>
@@ -2987,12 +3219,12 @@
   <p:clrMapOvr>
     <a:masterClrMapping/>
   </p:clrMapOvr>
-  <p:transition xmlns:p14="http://schemas.microsoft.com/office/powerpoint/2010/main" spd="med" advClick="1"/>
+  <p:transition spd="med"/>
 </p:sldLayout>
 </file>
 
 <file path=ppt/slideLayouts/slideLayout8.xml><?xml version="1.0" encoding="utf-8"?>
-<p:sldLayout xmlns:a="http://schemas.openxmlformats.org/drawingml/2006/main" xmlns:r="http://schemas.openxmlformats.org/officeDocument/2006/relationships" xmlns:p="http://schemas.openxmlformats.org/presentationml/2006/main" xmlns:m="http://schemas.openxmlformats.org/officeDocument/2006/math" xmlns:a14="http://schemas.microsoft.com/office/drawing/2010/main" type="tx" showMasterSp="1" showMasterPhAnim="1">
+<p:sldLayout xmlns:a="http://schemas.openxmlformats.org/drawingml/2006/main" xmlns:r="http://schemas.openxmlformats.org/officeDocument/2006/relationships" xmlns:p="http://schemas.openxmlformats.org/presentationml/2006/main" type="tx">
   <p:cSld name="제목, 구분점 및 큰 라이브 비디오">
     <p:spTree>
       <p:nvGrpSpPr>
@@ -3011,7 +3243,9 @@
       <p:sp>
         <p:nvSpPr>
           <p:cNvPr id="81" name="슬라이드 부제"/>
-          <p:cNvSpPr txBox="1"/>
+          <p:cNvSpPr txBox="1">
+            <a:spLocks noGrp="1"/>
+          </p:cNvSpPr>
           <p:nvPr>
             <p:ph type="body" sz="quarter" idx="21" hasCustomPrompt="1"/>
           </p:nvPr>
@@ -3037,11 +3271,10 @@
               </a:spcBef>
               <a:buSzTx/>
               <a:buNone/>
-              <a:defRPr b="1" sz="5280"/>
+              <a:defRPr sz="5280" b="1"/>
             </a:lvl1pPr>
           </a:lstStyle>
           <a:p>
-            <a:pPr/>
             <a:r>
               <a:t>슬라이드 부제</a:t>
             </a:r>
@@ -3051,7 +3284,9 @@
       <p:sp>
         <p:nvSpPr>
           <p:cNvPr id="82" name="본문 첫 번째 줄…"/>
-          <p:cNvSpPr txBox="1"/>
+          <p:cNvSpPr txBox="1">
+            <a:spLocks noGrp="1"/>
+          </p:cNvSpPr>
           <p:nvPr>
             <p:ph type="body" sz="half" idx="1" hasCustomPrompt="1"/>
           </p:nvPr>
@@ -3069,41 +3304,34 @@
           <a:bodyPr/>
           <a:lstStyle/>
           <a:p>
-            <a:pPr/>
             <a:r>
               <a:t>슬라이드 구분점 텍스트</a:t>
             </a:r>
           </a:p>
           <a:p>
             <a:pPr lvl="1"/>
-            <a:r>
-              <a:t/>
-            </a:r>
+            <a:endParaRPr/>
           </a:p>
           <a:p>
             <a:pPr lvl="2"/>
-            <a:r>
-              <a:t/>
-            </a:r>
+            <a:endParaRPr/>
           </a:p>
           <a:p>
             <a:pPr lvl="3"/>
-            <a:r>
-              <a:t/>
-            </a:r>
+            <a:endParaRPr/>
           </a:p>
           <a:p>
             <a:pPr lvl="4"/>
-            <a:r>
-              <a:t/>
-            </a:r>
+            <a:endParaRPr/>
           </a:p>
         </p:txBody>
       </p:sp>
       <p:sp>
         <p:nvSpPr>
           <p:cNvPr id="83" name="슬라이드 제목"/>
-          <p:cNvSpPr txBox="1"/>
+          <p:cNvSpPr txBox="1">
+            <a:spLocks noGrp="1"/>
+          </p:cNvSpPr>
           <p:nvPr>
             <p:ph type="title" hasCustomPrompt="1"/>
           </p:nvPr>
@@ -3121,7 +3349,6 @@
           <a:bodyPr/>
           <a:lstStyle/>
           <a:p>
-            <a:pPr/>
             <a:r>
               <a:t>슬라이드 제목</a:t>
             </a:r>
@@ -3131,7 +3358,9 @@
       <p:sp>
         <p:nvSpPr>
           <p:cNvPr id="84" name="슬라이드 번호"/>
-          <p:cNvSpPr txBox="1"/>
+          <p:cNvSpPr txBox="1">
+            <a:spLocks noGrp="1"/>
+          </p:cNvSpPr>
           <p:nvPr>
             <p:ph type="sldNum" sz="quarter" idx="2"/>
           </p:nvPr>
@@ -3145,8 +3374,11 @@
           <a:bodyPr/>
           <a:lstStyle/>
           <a:p>
-            <a:pPr/>
-            <a:fld id="{86CB4B4D-7CA3-9044-876B-883B54F8677D}" type="slidenum"/>
+            <a:fld id="{86CB4B4D-7CA3-9044-876B-883B54F8677D}" type="slidenum">
+              <a:rPr/>
+              <a:t>‹#›</a:t>
+            </a:fld>
+            <a:endParaRPr/>
           </a:p>
         </p:txBody>
       </p:sp>
@@ -3155,12 +3387,12 @@
   <p:clrMapOvr>
     <a:masterClrMapping/>
   </p:clrMapOvr>
-  <p:transition xmlns:p14="http://schemas.microsoft.com/office/powerpoint/2010/main" spd="med" advClick="1"/>
+  <p:transition spd="med"/>
 </p:sldLayout>
 </file>
 
 <file path=ppt/slideLayouts/slideLayout9.xml><?xml version="1.0" encoding="utf-8"?>
-<p:sldLayout xmlns:a="http://schemas.openxmlformats.org/drawingml/2006/main" xmlns:r="http://schemas.openxmlformats.org/officeDocument/2006/relationships" xmlns:p="http://schemas.openxmlformats.org/presentationml/2006/main" xmlns:m="http://schemas.openxmlformats.org/officeDocument/2006/math" xmlns:a14="http://schemas.microsoft.com/office/drawing/2010/main" type="tx" showMasterSp="1" showMasterPhAnim="1">
+<p:sldLayout xmlns:a="http://schemas.openxmlformats.org/drawingml/2006/main" xmlns:r="http://schemas.openxmlformats.org/officeDocument/2006/relationships" xmlns:p="http://schemas.openxmlformats.org/presentationml/2006/main" type="tx">
   <p:cSld name="섹션">
     <p:spTree>
       <p:nvGrpSpPr>
@@ -3179,7 +3411,9 @@
       <p:sp>
         <p:nvSpPr>
           <p:cNvPr id="91" name="섹션 제목"/>
-          <p:cNvSpPr txBox="1"/>
+          <p:cNvSpPr txBox="1">
+            <a:spLocks noGrp="1"/>
+          </p:cNvSpPr>
           <p:nvPr>
             <p:ph type="title" hasCustomPrompt="1"/>
           </p:nvPr>
@@ -3197,7 +3431,7 @@
           <a:bodyPr anchor="ctr"/>
           <a:lstStyle>
             <a:lvl1pPr>
-              <a:defRPr b="0" spc="-232" sz="11600">
+              <a:defRPr sz="11600" b="0" spc="-232">
                 <a:latin typeface="Helvetica Neue Medium"/>
                 <a:ea typeface="Helvetica Neue Medium"/>
                 <a:cs typeface="Helvetica Neue Medium"/>
@@ -3206,7 +3440,6 @@
             </a:lvl1pPr>
           </a:lstStyle>
           <a:p>
-            <a:pPr/>
             <a:r>
               <a:t>섹션 제목</a:t>
             </a:r>
@@ -3216,7 +3449,9 @@
       <p:sp>
         <p:nvSpPr>
           <p:cNvPr id="92" name="슬라이드 번호"/>
-          <p:cNvSpPr txBox="1"/>
+          <p:cNvSpPr txBox="1">
+            <a:spLocks noGrp="1"/>
+          </p:cNvSpPr>
           <p:nvPr>
             <p:ph type="sldNum" sz="quarter" idx="2"/>
           </p:nvPr>
@@ -3234,8 +3469,11 @@
           <a:bodyPr/>
           <a:lstStyle/>
           <a:p>
-            <a:pPr/>
-            <a:fld id="{86CB4B4D-7CA3-9044-876B-883B54F8677D}" type="slidenum"/>
+            <a:fld id="{86CB4B4D-7CA3-9044-876B-883B54F8677D}" type="slidenum">
+              <a:rPr/>
+              <a:t>‹#›</a:t>
+            </a:fld>
+            <a:endParaRPr/>
           </a:p>
         </p:txBody>
       </p:sp>
@@ -3244,18 +3482,19 @@
   <p:clrMapOvr>
     <a:masterClrMapping/>
   </p:clrMapOvr>
-  <p:transition xmlns:p14="http://schemas.microsoft.com/office/powerpoint/2010/main" spd="med" advClick="1"/>
+  <p:transition spd="med"/>
 </p:sldLayout>
 </file>
 
 <file path=ppt/slideMasters/slideMaster1.xml><?xml version="1.0" encoding="utf-8"?>
-<p:sldMaster xmlns:a="http://schemas.openxmlformats.org/drawingml/2006/main" xmlns:r="http://schemas.openxmlformats.org/officeDocument/2006/relationships" xmlns:p="http://schemas.openxmlformats.org/presentationml/2006/main" xmlns:m="http://schemas.openxmlformats.org/officeDocument/2006/math" xmlns:a14="http://schemas.microsoft.com/office/drawing/2010/main">
+<p:sldMaster xmlns:a="http://schemas.openxmlformats.org/drawingml/2006/main" xmlns:r="http://schemas.openxmlformats.org/officeDocument/2006/relationships" xmlns:p="http://schemas.openxmlformats.org/presentationml/2006/main">
   <p:cSld>
     <p:bg>
       <p:bgPr>
         <a:solidFill>
           <a:srgbClr val="FFFFFF"/>
         </a:solidFill>
+        <a:effectLst/>
       </p:bgPr>
     </p:bg>
     <p:spTree>
@@ -3275,7 +3514,9 @@
       <p:sp>
         <p:nvSpPr>
           <p:cNvPr id="2" name="슬라이드 제목"/>
-          <p:cNvSpPr txBox="1"/>
+          <p:cNvSpPr txBox="1">
+            <a:spLocks noGrp="1"/>
+          </p:cNvSpPr>
           <p:nvPr>
             <p:ph type="title" hasCustomPrompt="1"/>
           </p:nvPr>
@@ -3293,17 +3534,16 @@
           </a:ln>
           <a:extLst>
             <a:ext uri="{C572A759-6A51-4108-AA02-DFA0A04FC94B}">
-              <ma14:wrappingTextBoxFlag xmlns:ma14="http://schemas.microsoft.com/office/mac/drawingml/2011/main" val="1"/>
+              <ma14:wrappingTextBoxFlag xmlns:ma14="http://schemas.microsoft.com/office/mac/drawingml/2011/main" xmlns:a14="http://schemas.microsoft.com/office/drawing/2010/main" xmlns:m="http://schemas.openxmlformats.org/officeDocument/2006/math" xmlns="" val="1"/>
             </a:ext>
           </a:extLst>
         </p:spPr>
         <p:txBody>
           <a:bodyPr lIns="50800" tIns="50800" rIns="50800" bIns="50800">
-            <a:normAutofit fontScale="100000" lnSpcReduction="0"/>
+            <a:normAutofit/>
           </a:bodyPr>
           <a:lstStyle/>
           <a:p>
-            <a:pPr/>
             <a:r>
               <a:t>슬라이드 제목</a:t>
             </a:r>
@@ -3313,7 +3553,9 @@
       <p:sp>
         <p:nvSpPr>
           <p:cNvPr id="3" name="본문 첫 번째 줄…"/>
-          <p:cNvSpPr txBox="1"/>
+          <p:cNvSpPr txBox="1">
+            <a:spLocks noGrp="1"/>
+          </p:cNvSpPr>
           <p:nvPr>
             <p:ph type="body" idx="1" hasCustomPrompt="1"/>
           </p:nvPr>
@@ -3331,51 +3573,44 @@
           </a:ln>
           <a:extLst>
             <a:ext uri="{C572A759-6A51-4108-AA02-DFA0A04FC94B}">
-              <ma14:wrappingTextBoxFlag xmlns:ma14="http://schemas.microsoft.com/office/mac/drawingml/2011/main" val="1"/>
+              <ma14:wrappingTextBoxFlag xmlns:ma14="http://schemas.microsoft.com/office/mac/drawingml/2011/main" xmlns:a14="http://schemas.microsoft.com/office/drawing/2010/main" xmlns:m="http://schemas.openxmlformats.org/officeDocument/2006/math" xmlns="" val="1"/>
             </a:ext>
           </a:extLst>
         </p:spPr>
         <p:txBody>
           <a:bodyPr lIns="50800" tIns="50800" rIns="50800" bIns="50800">
-            <a:normAutofit fontScale="100000" lnSpcReduction="0"/>
+            <a:normAutofit/>
           </a:bodyPr>
           <a:lstStyle/>
           <a:p>
-            <a:pPr/>
             <a:r>
               <a:t>슬라이드 구분점 텍스트</a:t>
             </a:r>
           </a:p>
           <a:p>
             <a:pPr lvl="1"/>
-            <a:r>
-              <a:t/>
-            </a:r>
+            <a:endParaRPr/>
           </a:p>
           <a:p>
             <a:pPr lvl="2"/>
-            <a:r>
-              <a:t/>
-            </a:r>
+            <a:endParaRPr/>
           </a:p>
           <a:p>
             <a:pPr lvl="3"/>
-            <a:r>
-              <a:t/>
-            </a:r>
+            <a:endParaRPr/>
           </a:p>
           <a:p>
             <a:pPr lvl="4"/>
-            <a:r>
-              <a:t/>
-            </a:r>
+            <a:endParaRPr/>
           </a:p>
         </p:txBody>
       </p:sp>
       <p:sp>
         <p:nvSpPr>
           <p:cNvPr id="4" name="슬라이드 번호"/>
-          <p:cNvSpPr txBox="1"/>
+          <p:cNvSpPr txBox="1">
+            <a:spLocks noGrp="1"/>
+          </p:cNvSpPr>
           <p:nvPr>
             <p:ph type="sldNum" sz="quarter" idx="2"/>
           </p:nvPr>
@@ -3408,8 +3643,11 @@
             </a:lvl1pPr>
           </a:lstStyle>
           <a:p>
-            <a:pPr/>
-            <a:fld id="{86CB4B4D-7CA3-9044-876B-883B54F8677D}" type="slidenum"/>
+            <a:fld id="{86CB4B4D-7CA3-9044-876B-883B54F8677D}" type="slidenum">
+              <a:rPr/>
+              <a:t>‹#›</a:t>
+            </a:fld>
+            <a:endParaRPr/>
           </a:p>
         </p:txBody>
       </p:sp>
@@ -3417,25 +3655,25 @@
   </p:cSld>
   <p:clrMap bg1="lt1" tx1="dk1" bg2="lt2" tx2="dk2" accent1="accent1" accent2="accent2" accent3="accent3" accent4="accent4" accent5="accent5" accent6="accent6" hlink="hlink" folHlink="folHlink"/>
   <p:sldLayoutIdLst>
-    <p:sldLayoutId id="2147483649" r:id="rId2"/>
-    <p:sldLayoutId id="2147483650" r:id="rId3"/>
-    <p:sldLayoutId id="2147483651" r:id="rId4"/>
-    <p:sldLayoutId id="2147483652" r:id="rId5"/>
-    <p:sldLayoutId id="2147483653" r:id="rId6"/>
-    <p:sldLayoutId id="2147483654" r:id="rId7"/>
-    <p:sldLayoutId id="2147483655" r:id="rId8"/>
-    <p:sldLayoutId id="2147483656" r:id="rId9"/>
-    <p:sldLayoutId id="2147483657" r:id="rId10"/>
-    <p:sldLayoutId id="2147483658" r:id="rId11"/>
-    <p:sldLayoutId id="2147483659" r:id="rId12"/>
-    <p:sldLayoutId id="2147483660" r:id="rId13"/>
-    <p:sldLayoutId id="2147483661" r:id="rId14"/>
-    <p:sldLayoutId id="2147483662" r:id="rId15"/>
-    <p:sldLayoutId id="2147483663" r:id="rId16"/>
-    <p:sldLayoutId id="2147483664" r:id="rId17"/>
-    <p:sldLayoutId id="2147483665" r:id="rId18"/>
+    <p:sldLayoutId id="2147483649" r:id="rId1"/>
+    <p:sldLayoutId id="2147483650" r:id="rId2"/>
+    <p:sldLayoutId id="2147483651" r:id="rId3"/>
+    <p:sldLayoutId id="2147483652" r:id="rId4"/>
+    <p:sldLayoutId id="2147483653" r:id="rId5"/>
+    <p:sldLayoutId id="2147483654" r:id="rId6"/>
+    <p:sldLayoutId id="2147483655" r:id="rId7"/>
+    <p:sldLayoutId id="2147483656" r:id="rId8"/>
+    <p:sldLayoutId id="2147483657" r:id="rId9"/>
+    <p:sldLayoutId id="2147483658" r:id="rId10"/>
+    <p:sldLayoutId id="2147483659" r:id="rId11"/>
+    <p:sldLayoutId id="2147483660" r:id="rId12"/>
+    <p:sldLayoutId id="2147483661" r:id="rId13"/>
+    <p:sldLayoutId id="2147483662" r:id="rId14"/>
+    <p:sldLayoutId id="2147483663" r:id="rId15"/>
+    <p:sldLayoutId id="2147483664" r:id="rId16"/>
+    <p:sldLayoutId id="2147483665" r:id="rId17"/>
   </p:sldLayoutIdLst>
-  <p:transition xmlns:p14="http://schemas.microsoft.com/office/powerpoint/2010/main" spd="med" advClick="1"/>
+  <p:transition spd="med"/>
   <p:txStyles>
     <p:titleStyle>
       <a:lvl1pPr marL="0" marR="0" indent="0" algn="l" defTabSz="2438338" rtl="0" latinLnBrk="0">
@@ -3453,7 +3691,7 @@
         <a:buFontTx/>
         <a:buNone/>
         <a:tabLst/>
-        <a:defRPr b="1" baseline="0" cap="none" i="0" spc="-170" strike="noStrike" sz="8500" u="none">
+        <a:defRPr sz="8500" b="1" i="0" u="none" strike="noStrike" cap="none" spc="-170" baseline="0">
           <a:solidFill>
             <a:srgbClr val="000000"/>
           </a:solidFill>
@@ -3479,7 +3717,7 @@
         <a:buFontTx/>
         <a:buNone/>
         <a:tabLst/>
-        <a:defRPr b="1" baseline="0" cap="none" i="0" spc="-170" strike="noStrike" sz="8500" u="none">
+        <a:defRPr sz="8500" b="1" i="0" u="none" strike="noStrike" cap="none" spc="-170" baseline="0">
           <a:solidFill>
             <a:srgbClr val="000000"/>
           </a:solidFill>
@@ -3505,7 +3743,7 @@
         <a:buFontTx/>
         <a:buNone/>
         <a:tabLst/>
-        <a:defRPr b="1" baseline="0" cap="none" i="0" spc="-170" strike="noStrike" sz="8500" u="none">
+        <a:defRPr sz="8500" b="1" i="0" u="none" strike="noStrike" cap="none" spc="-170" baseline="0">
           <a:solidFill>
             <a:srgbClr val="000000"/>
           </a:solidFill>
@@ -3531,7 +3769,7 @@
         <a:buFontTx/>
         <a:buNone/>
         <a:tabLst/>
-        <a:defRPr b="1" baseline="0" cap="none" i="0" spc="-170" strike="noStrike" sz="8500" u="none">
+        <a:defRPr sz="8500" b="1" i="0" u="none" strike="noStrike" cap="none" spc="-170" baseline="0">
           <a:solidFill>
             <a:srgbClr val="000000"/>
           </a:solidFill>
@@ -3557,7 +3795,7 @@
         <a:buFontTx/>
         <a:buNone/>
         <a:tabLst/>
-        <a:defRPr b="1" baseline="0" cap="none" i="0" spc="-170" strike="noStrike" sz="8500" u="none">
+        <a:defRPr sz="8500" b="1" i="0" u="none" strike="noStrike" cap="none" spc="-170" baseline="0">
           <a:solidFill>
             <a:srgbClr val="000000"/>
           </a:solidFill>
@@ -3583,7 +3821,7 @@
         <a:buFontTx/>
         <a:buNone/>
         <a:tabLst/>
-        <a:defRPr b="1" baseline="0" cap="none" i="0" spc="-170" strike="noStrike" sz="8500" u="none">
+        <a:defRPr sz="8500" b="1" i="0" u="none" strike="noStrike" cap="none" spc="-170" baseline="0">
           <a:solidFill>
             <a:srgbClr val="000000"/>
           </a:solidFill>
@@ -3609,7 +3847,7 @@
         <a:buFontTx/>
         <a:buNone/>
         <a:tabLst/>
-        <a:defRPr b="1" baseline="0" cap="none" i="0" spc="-170" strike="noStrike" sz="8500" u="none">
+        <a:defRPr sz="8500" b="1" i="0" u="none" strike="noStrike" cap="none" spc="-170" baseline="0">
           <a:solidFill>
             <a:srgbClr val="000000"/>
           </a:solidFill>
@@ -3635,7 +3873,7 @@
         <a:buFontTx/>
         <a:buNone/>
         <a:tabLst/>
-        <a:defRPr b="1" baseline="0" cap="none" i="0" spc="-170" strike="noStrike" sz="8500" u="none">
+        <a:defRPr sz="8500" b="1" i="0" u="none" strike="noStrike" cap="none" spc="-170" baseline="0">
           <a:solidFill>
             <a:srgbClr val="000000"/>
           </a:solidFill>
@@ -3661,7 +3899,7 @@
         <a:buFontTx/>
         <a:buNone/>
         <a:tabLst/>
-        <a:defRPr b="1" baseline="0" cap="none" i="0" spc="-170" strike="noStrike" sz="8500" u="none">
+        <a:defRPr sz="8500" b="1" i="0" u="none" strike="noStrike" cap="none" spc="-170" baseline="0">
           <a:solidFill>
             <a:srgbClr val="000000"/>
           </a:solidFill>
@@ -3689,7 +3927,7 @@
         <a:buFontTx/>
         <a:buChar char="•"/>
         <a:tabLst/>
-        <a:defRPr b="0" baseline="0" cap="none" i="0" spc="0" strike="noStrike" sz="4800" u="none">
+        <a:defRPr sz="4800" b="0" i="0" u="none" strike="noStrike" cap="none" spc="0" baseline="0">
           <a:solidFill>
             <a:srgbClr val="000000"/>
           </a:solidFill>
@@ -3715,7 +3953,7 @@
         <a:buFontTx/>
         <a:buChar char="•"/>
         <a:tabLst/>
-        <a:defRPr b="0" baseline="0" cap="none" i="0" spc="0" strike="noStrike" sz="4800" u="none">
+        <a:defRPr sz="4800" b="0" i="0" u="none" strike="noStrike" cap="none" spc="0" baseline="0">
           <a:solidFill>
             <a:srgbClr val="000000"/>
           </a:solidFill>
@@ -3741,7 +3979,7 @@
         <a:buFontTx/>
         <a:buChar char="•"/>
         <a:tabLst/>
-        <a:defRPr b="0" baseline="0" cap="none" i="0" spc="0" strike="noStrike" sz="4800" u="none">
+        <a:defRPr sz="4800" b="0" i="0" u="none" strike="noStrike" cap="none" spc="0" baseline="0">
           <a:solidFill>
             <a:srgbClr val="000000"/>
           </a:solidFill>
@@ -3767,7 +4005,7 @@
         <a:buFontTx/>
         <a:buChar char="•"/>
         <a:tabLst/>
-        <a:defRPr b="0" baseline="0" cap="none" i="0" spc="0" strike="noStrike" sz="4800" u="none">
+        <a:defRPr sz="4800" b="0" i="0" u="none" strike="noStrike" cap="none" spc="0" baseline="0">
           <a:solidFill>
             <a:srgbClr val="000000"/>
           </a:solidFill>
@@ -3793,7 +4031,7 @@
         <a:buFontTx/>
         <a:buChar char="•"/>
         <a:tabLst/>
-        <a:defRPr b="0" baseline="0" cap="none" i="0" spc="0" strike="noStrike" sz="4800" u="none">
+        <a:defRPr sz="4800" b="0" i="0" u="none" strike="noStrike" cap="none" spc="0" baseline="0">
           <a:solidFill>
             <a:srgbClr val="000000"/>
           </a:solidFill>
@@ -3819,7 +4057,7 @@
         <a:buFontTx/>
         <a:buChar char="•"/>
         <a:tabLst/>
-        <a:defRPr b="0" baseline="0" cap="none" i="0" spc="0" strike="noStrike" sz="4800" u="none">
+        <a:defRPr sz="4800" b="0" i="0" u="none" strike="noStrike" cap="none" spc="0" baseline="0">
           <a:solidFill>
             <a:srgbClr val="000000"/>
           </a:solidFill>
@@ -3845,7 +4083,7 @@
         <a:buFontTx/>
         <a:buChar char="•"/>
         <a:tabLst/>
-        <a:defRPr b="0" baseline="0" cap="none" i="0" spc="0" strike="noStrike" sz="4800" u="none">
+        <a:defRPr sz="4800" b="0" i="0" u="none" strike="noStrike" cap="none" spc="0" baseline="0">
           <a:solidFill>
             <a:srgbClr val="000000"/>
           </a:solidFill>
@@ -3871,7 +4109,7 @@
         <a:buFontTx/>
         <a:buChar char="•"/>
         <a:tabLst/>
-        <a:defRPr b="0" baseline="0" cap="none" i="0" spc="0" strike="noStrike" sz="4800" u="none">
+        <a:defRPr sz="4800" b="0" i="0" u="none" strike="noStrike" cap="none" spc="0" baseline="0">
           <a:solidFill>
             <a:srgbClr val="000000"/>
           </a:solidFill>
@@ -3897,7 +4135,7 @@
         <a:buFontTx/>
         <a:buChar char="•"/>
         <a:tabLst/>
-        <a:defRPr b="0" baseline="0" cap="none" i="0" spc="0" strike="noStrike" sz="4800" u="none">
+        <a:defRPr sz="4800" b="0" i="0" u="none" strike="noStrike" cap="none" spc="0" baseline="0">
           <a:solidFill>
             <a:srgbClr val="000000"/>
           </a:solidFill>
@@ -3925,7 +4163,7 @@
         <a:buFontTx/>
         <a:buNone/>
         <a:tabLst/>
-        <a:defRPr b="0" baseline="0" cap="none" i="0" spc="0" strike="noStrike" sz="1800" u="none">
+        <a:defRPr sz="1800" b="0" i="0" u="none" strike="noStrike" cap="none" spc="0" baseline="0">
           <a:solidFill>
             <a:schemeClr val="tx1"/>
           </a:solidFill>
@@ -3951,7 +4189,7 @@
         <a:buFontTx/>
         <a:buNone/>
         <a:tabLst/>
-        <a:defRPr b="0" baseline="0" cap="none" i="0" spc="0" strike="noStrike" sz="1800" u="none">
+        <a:defRPr sz="1800" b="0" i="0" u="none" strike="noStrike" cap="none" spc="0" baseline="0">
           <a:solidFill>
             <a:schemeClr val="tx1"/>
           </a:solidFill>
@@ -3977,7 +4215,7 @@
         <a:buFontTx/>
         <a:buNone/>
         <a:tabLst/>
-        <a:defRPr b="0" baseline="0" cap="none" i="0" spc="0" strike="noStrike" sz="1800" u="none">
+        <a:defRPr sz="1800" b="0" i="0" u="none" strike="noStrike" cap="none" spc="0" baseline="0">
           <a:solidFill>
             <a:schemeClr val="tx1"/>
           </a:solidFill>
@@ -4003,7 +4241,7 @@
         <a:buFontTx/>
         <a:buNone/>
         <a:tabLst/>
-        <a:defRPr b="0" baseline="0" cap="none" i="0" spc="0" strike="noStrike" sz="1800" u="none">
+        <a:defRPr sz="1800" b="0" i="0" u="none" strike="noStrike" cap="none" spc="0" baseline="0">
           <a:solidFill>
             <a:schemeClr val="tx1"/>
           </a:solidFill>
@@ -4029,7 +4267,7 @@
         <a:buFontTx/>
         <a:buNone/>
         <a:tabLst/>
-        <a:defRPr b="0" baseline="0" cap="none" i="0" spc="0" strike="noStrike" sz="1800" u="none">
+        <a:defRPr sz="1800" b="0" i="0" u="none" strike="noStrike" cap="none" spc="0" baseline="0">
           <a:solidFill>
             <a:schemeClr val="tx1"/>
           </a:solidFill>
@@ -4055,7 +4293,7 @@
         <a:buFontTx/>
         <a:buNone/>
         <a:tabLst/>
-        <a:defRPr b="0" baseline="0" cap="none" i="0" spc="0" strike="noStrike" sz="1800" u="none">
+        <a:defRPr sz="1800" b="0" i="0" u="none" strike="noStrike" cap="none" spc="0" baseline="0">
           <a:solidFill>
             <a:schemeClr val="tx1"/>
           </a:solidFill>
@@ -4081,7 +4319,7 @@
         <a:buFontTx/>
         <a:buNone/>
         <a:tabLst/>
-        <a:defRPr b="0" baseline="0" cap="none" i="0" spc="0" strike="noStrike" sz="1800" u="none">
+        <a:defRPr sz="1800" b="0" i="0" u="none" strike="noStrike" cap="none" spc="0" baseline="0">
           <a:solidFill>
             <a:schemeClr val="tx1"/>
           </a:solidFill>
@@ -4107,7 +4345,7 @@
         <a:buFontTx/>
         <a:buNone/>
         <a:tabLst/>
-        <a:defRPr b="0" baseline="0" cap="none" i="0" spc="0" strike="noStrike" sz="1800" u="none">
+        <a:defRPr sz="1800" b="0" i="0" u="none" strike="noStrike" cap="none" spc="0" baseline="0">
           <a:solidFill>
             <a:schemeClr val="tx1"/>
           </a:solidFill>
@@ -4133,7 +4371,7 @@
         <a:buFontTx/>
         <a:buNone/>
         <a:tabLst/>
-        <a:defRPr b="0" baseline="0" cap="none" i="0" spc="0" strike="noStrike" sz="1800" u="none">
+        <a:defRPr sz="1800" b="0" i="0" u="none" strike="noStrike" cap="none" spc="0" baseline="0">
           <a:solidFill>
             <a:schemeClr val="tx1"/>
           </a:solidFill>
@@ -4150,7 +4388,7 @@
 </file>
 
 <file path=ppt/slides/slide1.xml><?xml version="1.0" encoding="utf-8"?>
-<p:sld xmlns:a="http://schemas.openxmlformats.org/drawingml/2006/main" xmlns:r="http://schemas.openxmlformats.org/officeDocument/2006/relationships" xmlns:p="http://schemas.openxmlformats.org/presentationml/2006/main" xmlns:m="http://schemas.openxmlformats.org/officeDocument/2006/math" xmlns:a14="http://schemas.microsoft.com/office/drawing/2010/main" showMasterSp="1" showMasterPhAnim="1">
+<p:sld xmlns:a="http://schemas.openxmlformats.org/drawingml/2006/main" xmlns:r="http://schemas.openxmlformats.org/officeDocument/2006/relationships" xmlns:p="http://schemas.openxmlformats.org/presentationml/2006/main">
   <p:cSld>
     <p:spTree>
       <p:nvGrpSpPr>
@@ -4185,7 +4423,7 @@
           </a:ln>
           <a:extLst>
             <a:ext uri="{C572A759-6A51-4108-AA02-DFA0A04FC94B}">
-              <ma14:wrappingTextBoxFlag xmlns:ma14="http://schemas.microsoft.com/office/mac/drawingml/2011/main" val="1"/>
+              <ma14:wrappingTextBoxFlag xmlns:ma14="http://schemas.microsoft.com/office/mac/drawingml/2011/main" xmlns:a14="http://schemas.microsoft.com/office/drawing/2010/main" xmlns:m="http://schemas.openxmlformats.org/officeDocument/2006/math" xmlns="" val="1"/>
             </a:ext>
           </a:extLst>
         </p:spPr>
@@ -4201,7 +4439,7 @@
               <a:spcBef>
                 <a:spcPts val="1200"/>
               </a:spcBef>
-              <a:defRPr b="1" sz="10000">
+              <a:defRPr sz="10000" b="1">
                 <a:latin typeface="나눔고딕"/>
                 <a:ea typeface="나눔고딕"/>
                 <a:cs typeface="나눔고딕"/>
@@ -4210,7 +4448,6 @@
             </a:lvl1pPr>
           </a:lstStyle>
           <a:p>
-            <a:pPr/>
             <a:r>
               <a:t>Cloud FinOps AI Agent</a:t>
             </a:r>
@@ -4236,7 +4473,7 @@
           </a:ln>
           <a:extLst>
             <a:ext uri="{C572A759-6A51-4108-AA02-DFA0A04FC94B}">
-              <ma14:wrappingTextBoxFlag xmlns:ma14="http://schemas.microsoft.com/office/mac/drawingml/2011/main" val="1"/>
+              <ma14:wrappingTextBoxFlag xmlns:ma14="http://schemas.microsoft.com/office/mac/drawingml/2011/main" xmlns:a14="http://schemas.microsoft.com/office/drawing/2010/main" xmlns:m="http://schemas.openxmlformats.org/officeDocument/2006/math" xmlns="" val="1"/>
             </a:ext>
           </a:extLst>
         </p:spPr>
@@ -4253,7 +4490,7 @@
               <a:spcBef>
                 <a:spcPts val="1200"/>
               </a:spcBef>
-              <a:defRPr b="1" sz="5000">
+              <a:defRPr sz="5000" b="1">
                 <a:latin typeface="나눔고딕"/>
                 <a:ea typeface="나눔고딕"/>
                 <a:cs typeface="나눔고딕"/>
@@ -4272,7 +4509,7 @@
               <a:spcBef>
                 <a:spcPts val="1200"/>
               </a:spcBef>
-              <a:defRPr b="1" sz="5000">
+              <a:defRPr sz="5000" b="1">
                 <a:latin typeface="나눔고딕"/>
                 <a:ea typeface="나눔고딕"/>
                 <a:cs typeface="나눔고딕"/>
@@ -4290,12 +4527,12 @@
   <p:clrMapOvr>
     <a:masterClrMapping/>
   </p:clrMapOvr>
-  <p:transition xmlns:p14="http://schemas.microsoft.com/office/powerpoint/2010/main" spd="med" advClick="1"/>
+  <p:transition spd="med"/>
 </p:sld>
 </file>
 
 <file path=ppt/slides/slide2.xml><?xml version="1.0" encoding="utf-8"?>
-<p:sld xmlns:a="http://schemas.openxmlformats.org/drawingml/2006/main" xmlns:r="http://schemas.openxmlformats.org/officeDocument/2006/relationships" xmlns:p="http://schemas.openxmlformats.org/presentationml/2006/main" xmlns:m="http://schemas.openxmlformats.org/officeDocument/2006/math" xmlns:a14="http://schemas.microsoft.com/office/drawing/2010/main" showMasterSp="1" showMasterPhAnim="1">
+<p:sld xmlns:a="http://schemas.openxmlformats.org/drawingml/2006/main" xmlns:r="http://schemas.openxmlformats.org/officeDocument/2006/relationships" xmlns:p="http://schemas.openxmlformats.org/presentationml/2006/main">
   <p:cSld>
     <p:spTree>
       <p:nvGrpSpPr>
@@ -4330,7 +4567,7 @@
           </a:ln>
           <a:extLst>
             <a:ext uri="{C572A759-6A51-4108-AA02-DFA0A04FC94B}">
-              <ma14:wrappingTextBoxFlag xmlns:ma14="http://schemas.microsoft.com/office/mac/drawingml/2011/main" val="1"/>
+              <ma14:wrappingTextBoxFlag xmlns:ma14="http://schemas.microsoft.com/office/mac/drawingml/2011/main" xmlns:a14="http://schemas.microsoft.com/office/drawing/2010/main" xmlns:m="http://schemas.openxmlformats.org/officeDocument/2006/math" xmlns="" val="1"/>
             </a:ext>
           </a:extLst>
         </p:spPr>
@@ -4346,7 +4583,7 @@
               <a:spcBef>
                 <a:spcPts val="1200"/>
               </a:spcBef>
-              <a:defRPr b="1" sz="3200">
+              <a:defRPr sz="3200" b="1">
                 <a:latin typeface="나눔고딕"/>
                 <a:ea typeface="나눔고딕"/>
                 <a:cs typeface="나눔고딕"/>
@@ -4355,10 +4592,27 @@
             </a:lvl1pPr>
           </a:lstStyle>
           <a:p>
-            <a:pPr/>
-            <a:r>
-              <a:t>배경 및 목표</a:t>
-            </a:r>
+            <a:r>
+              <a:rPr dirty="0" err="1"/>
+              <a:t>배경</a:t>
+            </a:r>
+            <a:r>
+              <a:rPr dirty="0"/>
+              <a:t> </a:t>
+            </a:r>
+            <a:r>
+              <a:rPr dirty="0" err="1"/>
+              <a:t>및</a:t>
+            </a:r>
+            <a:r>
+              <a:rPr dirty="0"/>
+              <a:t> </a:t>
+            </a:r>
+            <a:r>
+              <a:rPr dirty="0" err="1"/>
+              <a:t>목표</a:t>
+            </a:r>
+            <a:endParaRPr dirty="0"/>
           </a:p>
         </p:txBody>
       </p:sp>
@@ -4381,7 +4635,7 @@
           </a:ln>
           <a:extLst>
             <a:ext uri="{C572A759-6A51-4108-AA02-DFA0A04FC94B}">
-              <ma14:wrappingTextBoxFlag xmlns:ma14="http://schemas.microsoft.com/office/mac/drawingml/2011/main" val="1"/>
+              <ma14:wrappingTextBoxFlag xmlns:ma14="http://schemas.microsoft.com/office/mac/drawingml/2011/main" xmlns:a14="http://schemas.microsoft.com/office/drawing/2010/main" xmlns:m="http://schemas.openxmlformats.org/officeDocument/2006/math" xmlns="" val="1"/>
             </a:ext>
           </a:extLst>
         </p:spPr>
@@ -4406,13 +4660,46 @@
               </a:defRPr>
             </a:pPr>
             <a:r>
-              <a:t>고객의 AWS Cost &amp; Usage Report(CUR) 중 </a:t>
-            </a:r>
-            <a:r>
-              <a:rPr b="1"/>
-              <a:t>Amazon SageMaker 관련 비용을 분석</a:t>
-            </a:r>
-            <a:endParaRPr b="1"/>
+              <a:rPr dirty="0" err="1"/>
+              <a:t>고객의</a:t>
+            </a:r>
+            <a:r>
+              <a:rPr dirty="0"/>
+              <a:t> AWS Cost &amp; Usage Report(CUR) </a:t>
+            </a:r>
+            <a:r>
+              <a:rPr dirty="0" err="1"/>
+              <a:t>중</a:t>
+            </a:r>
+            <a:r>
+              <a:rPr dirty="0"/>
+              <a:t> </a:t>
+            </a:r>
+            <a:r>
+              <a:rPr b="1" dirty="0"/>
+              <a:t>Amazon SageMaker </a:t>
+            </a:r>
+            <a:r>
+              <a:rPr b="1" dirty="0" err="1"/>
+              <a:t>관련</a:t>
+            </a:r>
+            <a:r>
+              <a:rPr b="1" dirty="0"/>
+              <a:t> </a:t>
+            </a:r>
+            <a:r>
+              <a:rPr b="1" dirty="0" err="1"/>
+              <a:t>비용을</a:t>
+            </a:r>
+            <a:r>
+              <a:rPr b="1" dirty="0"/>
+              <a:t> </a:t>
+            </a:r>
+            <a:r>
+              <a:rPr b="1" dirty="0" err="1"/>
+              <a:t>분석</a:t>
+            </a:r>
+            <a:endParaRPr b="1" dirty="0"/>
           </a:p>
           <a:p>
             <a:pPr defTabSz="457200">
@@ -4430,9 +4717,117 @@
               </a:defRPr>
             </a:pPr>
             <a:r>
-              <a:t>챗봇 형태로 쿼리 결과와 공식 문서 인용을 근거로 제시하고, 비용 최적화 액션을 제안하는 FinOps Agent MVP 개발</a:t>
-            </a:r>
-            <a:br/>
+              <a:rPr dirty="0" err="1"/>
+              <a:t>챗봇</a:t>
+            </a:r>
+            <a:r>
+              <a:rPr dirty="0"/>
+              <a:t> </a:t>
+            </a:r>
+            <a:r>
+              <a:rPr dirty="0" err="1"/>
+              <a:t>형태로</a:t>
+            </a:r>
+            <a:r>
+              <a:rPr dirty="0"/>
+              <a:t> </a:t>
+            </a:r>
+            <a:r>
+              <a:rPr dirty="0" err="1"/>
+              <a:t>쿼리</a:t>
+            </a:r>
+            <a:r>
+              <a:rPr dirty="0"/>
+              <a:t> </a:t>
+            </a:r>
+            <a:r>
+              <a:rPr dirty="0" err="1"/>
+              <a:t>결과와</a:t>
+            </a:r>
+            <a:r>
+              <a:rPr dirty="0"/>
+              <a:t> </a:t>
+            </a:r>
+            <a:r>
+              <a:rPr dirty="0" err="1"/>
+              <a:t>공식</a:t>
+            </a:r>
+            <a:r>
+              <a:rPr dirty="0"/>
+              <a:t> </a:t>
+            </a:r>
+            <a:r>
+              <a:rPr dirty="0" err="1"/>
+              <a:t>문서</a:t>
+            </a:r>
+            <a:r>
+              <a:rPr dirty="0"/>
+              <a:t> </a:t>
+            </a:r>
+            <a:r>
+              <a:rPr dirty="0" err="1"/>
+              <a:t>인용을</a:t>
+            </a:r>
+            <a:r>
+              <a:rPr dirty="0"/>
+              <a:t> </a:t>
+            </a:r>
+            <a:r>
+              <a:rPr dirty="0" err="1"/>
+              <a:t>근거로</a:t>
+            </a:r>
+            <a:r>
+              <a:rPr dirty="0"/>
+              <a:t> </a:t>
+            </a:r>
+            <a:r>
+              <a:rPr dirty="0" err="1"/>
+              <a:t>제시하고</a:t>
+            </a:r>
+            <a:r>
+              <a:rPr dirty="0"/>
+              <a:t>, </a:t>
+            </a:r>
+            <a:r>
+              <a:rPr dirty="0" err="1"/>
+              <a:t>비용</a:t>
+            </a:r>
+            <a:r>
+              <a:rPr dirty="0"/>
+              <a:t> </a:t>
+            </a:r>
+            <a:r>
+              <a:rPr dirty="0" err="1"/>
+              <a:t>최적화</a:t>
+            </a:r>
+            <a:r>
+              <a:rPr dirty="0"/>
+              <a:t> </a:t>
+            </a:r>
+            <a:r>
+              <a:rPr dirty="0" err="1"/>
+              <a:t>액션을</a:t>
+            </a:r>
+            <a:r>
+              <a:rPr dirty="0"/>
+              <a:t> </a:t>
+            </a:r>
+            <a:r>
+              <a:rPr dirty="0" err="1"/>
+              <a:t>제안하는</a:t>
+            </a:r>
+            <a:r>
+              <a:rPr dirty="0"/>
+              <a:t> FinOps Agent MVP </a:t>
+            </a:r>
+            <a:r>
+              <a:rPr dirty="0" err="1"/>
+              <a:t>개발</a:t>
+            </a:r>
+            <a:br>
+              <a:rPr dirty="0"/>
+            </a:br>
+            <a:endParaRPr dirty="0"/>
           </a:p>
         </p:txBody>
       </p:sp>
@@ -4455,7 +4850,7 @@
           </a:ln>
           <a:extLst>
             <a:ext uri="{C572A759-6A51-4108-AA02-DFA0A04FC94B}">
-              <ma14:wrappingTextBoxFlag xmlns:ma14="http://schemas.microsoft.com/office/mac/drawingml/2011/main" val="1"/>
+              <ma14:wrappingTextBoxFlag xmlns:ma14="http://schemas.microsoft.com/office/mac/drawingml/2011/main" xmlns:a14="http://schemas.microsoft.com/office/drawing/2010/main" xmlns:m="http://schemas.openxmlformats.org/officeDocument/2006/math" xmlns="" val="1"/>
             </a:ext>
           </a:extLst>
         </p:spPr>
@@ -4471,7 +4866,7 @@
               <a:spcBef>
                 <a:spcPts val="1200"/>
               </a:spcBef>
-              <a:defRPr b="1" sz="2700">
+              <a:defRPr sz="2700" b="1">
                 <a:latin typeface="나눔고딕"/>
                 <a:ea typeface="나눔고딕"/>
                 <a:cs typeface="나눔고딕"/>
@@ -4480,10 +4875,27 @@
             </a:lvl1pPr>
           </a:lstStyle>
           <a:p>
-            <a:pPr/>
-            <a:r>
-              <a:t>사용자, 주요 시나리오</a:t>
-            </a:r>
+            <a:r>
+              <a:rPr dirty="0" err="1"/>
+              <a:t>사용자</a:t>
+            </a:r>
+            <a:r>
+              <a:rPr dirty="0"/>
+              <a:t>, </a:t>
+            </a:r>
+            <a:r>
+              <a:rPr dirty="0" err="1"/>
+              <a:t>주요</a:t>
+            </a:r>
+            <a:r>
+              <a:rPr dirty="0"/>
+              <a:t> </a:t>
+            </a:r>
+            <a:r>
+              <a:rPr dirty="0" err="1"/>
+              <a:t>시나리오</a:t>
+            </a:r>
+            <a:endParaRPr dirty="0"/>
           </a:p>
         </p:txBody>
       </p:sp>
@@ -4506,7 +4918,7 @@
           </a:ln>
           <a:extLst>
             <a:ext uri="{C572A759-6A51-4108-AA02-DFA0A04FC94B}">
-              <ma14:wrappingTextBoxFlag xmlns:ma14="http://schemas.microsoft.com/office/mac/drawingml/2011/main" val="1"/>
+              <ma14:wrappingTextBoxFlag xmlns:ma14="http://schemas.microsoft.com/office/mac/drawingml/2011/main" xmlns:a14="http://schemas.microsoft.com/office/drawing/2010/main" xmlns:m="http://schemas.openxmlformats.org/officeDocument/2006/math" xmlns="" val="1"/>
             </a:ext>
           </a:extLst>
         </p:spPr>
@@ -4531,11 +4943,52 @@
               </a:defRPr>
             </a:pPr>
             <a:r>
-              <a:rPr b="1"/>
-              <a:t>대상 사용자</a:t>
-            </a:r>
-            <a:r>
-              <a:t>: 비용 담당자, FinOps 담당자, 개발자.</a:t>
+              <a:rPr b="1" dirty="0" err="1"/>
+              <a:t>대상</a:t>
+            </a:r>
+            <a:r>
+              <a:rPr b="1" dirty="0"/>
+              <a:t> </a:t>
+            </a:r>
+            <a:r>
+              <a:rPr b="1" dirty="0" err="1"/>
+              <a:t>사용자</a:t>
+            </a:r>
+            <a:r>
+              <a:rPr dirty="0"/>
+              <a:t>: </a:t>
+            </a:r>
+            <a:r>
+              <a:rPr dirty="0" err="1"/>
+              <a:t>비용</a:t>
+            </a:r>
+            <a:r>
+              <a:rPr dirty="0"/>
+              <a:t> </a:t>
+            </a:r>
+            <a:r>
+              <a:rPr dirty="0" err="1"/>
+              <a:t>담당자</a:t>
+            </a:r>
+            <a:r>
+              <a:rPr dirty="0"/>
+              <a:t>, FinOps </a:t>
+            </a:r>
+            <a:r>
+              <a:rPr dirty="0" err="1"/>
+              <a:t>담당자</a:t>
+            </a:r>
+            <a:r>
+              <a:rPr dirty="0"/>
+              <a:t>, </a:t>
+            </a:r>
+            <a:r>
+              <a:rPr dirty="0" err="1"/>
+              <a:t>개발자</a:t>
+            </a:r>
+            <a:r>
+              <a:rPr dirty="0"/>
+              <a:t>.</a:t>
             </a:r>
           </a:p>
           <a:p>
@@ -4554,10 +5007,19 @@
               </a:defRPr>
             </a:pPr>
             <a:r>
-              <a:rPr b="1"/>
-              <a:t>주요 시나리오</a:t>
-            </a:r>
-            <a:r>
+              <a:rPr b="1" dirty="0" err="1"/>
+              <a:t>주요</a:t>
+            </a:r>
+            <a:r>
+              <a:rPr b="1" dirty="0"/>
+              <a:t> </a:t>
+            </a:r>
+            <a:r>
+              <a:rPr b="1" dirty="0" err="1"/>
+              <a:t>시나리오</a:t>
+            </a:r>
+            <a:r>
+              <a:rPr dirty="0"/>
               <a:t>:</a:t>
             </a:r>
           </a:p>
@@ -4571,7 +5033,7 @@
               </a:spcBef>
               <a:buSzPct val="100000"/>
               <a:buFont typeface="Times Roman"/>
-              <a:buAutoNum type="arabicPeriod" startAt="1"/>
+              <a:buAutoNum type="arabicPeriod"/>
               <a:defRPr sz="2100">
                 <a:latin typeface="나눔고딕"/>
                 <a:ea typeface="나눔고딕"/>
@@ -4580,8 +5042,26 @@
               </a:defRPr>
             </a:pPr>
             <a:r>
-              <a:t>이번달 SageMaker 총비용 조회</a:t>
-            </a:r>
+              <a:rPr dirty="0" err="1"/>
+              <a:t>이번달</a:t>
+            </a:r>
+            <a:r>
+              <a:rPr dirty="0"/>
+              <a:t> SageMaker </a:t>
+            </a:r>
+            <a:r>
+              <a:rPr dirty="0" err="1"/>
+              <a:t>총비용</a:t>
+            </a:r>
+            <a:r>
+              <a:rPr dirty="0"/>
+              <a:t> </a:t>
+            </a:r>
+            <a:r>
+              <a:rPr dirty="0" err="1"/>
+              <a:t>조회</a:t>
+            </a:r>
+            <a:endParaRPr dirty="0"/>
           </a:p>
           <a:p>
             <a:pPr marL="457200" indent="-317500" defTabSz="457200">
@@ -4593,7 +5073,7 @@
               </a:spcBef>
               <a:buSzPct val="100000"/>
               <a:buFont typeface="Times Roman"/>
-              <a:buAutoNum type="arabicPeriod" startAt="1"/>
+              <a:buAutoNum type="arabicPeriod"/>
               <a:defRPr sz="2100">
                 <a:latin typeface="나눔고딕"/>
                 <a:ea typeface="나눔고딕"/>
@@ -4602,8 +5082,46 @@
               </a:defRPr>
             </a:pPr>
             <a:r>
-              <a:t>Endpoint 인스턴스 타입별 시간당 비용 조회</a:t>
-            </a:r>
+              <a:rPr dirty="0"/>
+              <a:t>Endpoint </a:t>
+            </a:r>
+            <a:r>
+              <a:rPr dirty="0" err="1"/>
+              <a:t>인스턴스</a:t>
+            </a:r>
+            <a:r>
+              <a:rPr dirty="0"/>
+              <a:t> </a:t>
+            </a:r>
+            <a:r>
+              <a:rPr dirty="0" err="1"/>
+              <a:t>타입별</a:t>
+            </a:r>
+            <a:r>
+              <a:rPr dirty="0"/>
+              <a:t> </a:t>
+            </a:r>
+            <a:r>
+              <a:rPr dirty="0" err="1"/>
+              <a:t>시간당</a:t>
+            </a:r>
+            <a:r>
+              <a:rPr dirty="0"/>
+              <a:t> </a:t>
+            </a:r>
+            <a:r>
+              <a:rPr dirty="0" err="1"/>
+              <a:t>비용</a:t>
+            </a:r>
+            <a:r>
+              <a:rPr dirty="0"/>
+              <a:t> </a:t>
+            </a:r>
+            <a:r>
+              <a:rPr dirty="0" err="1"/>
+              <a:t>조회</a:t>
+            </a:r>
+            <a:endParaRPr dirty="0"/>
           </a:p>
           <a:p>
             <a:pPr marL="457200" indent="-317500" defTabSz="457200">
@@ -4615,7 +5133,7 @@
               </a:spcBef>
               <a:buSzPct val="100000"/>
               <a:buFont typeface="Times Roman"/>
-              <a:buAutoNum type="arabicPeriod" startAt="1"/>
+              <a:buAutoNum type="arabicPeriod"/>
               <a:defRPr sz="2100">
                 <a:latin typeface="나눔고딕"/>
                 <a:ea typeface="나눔고딕"/>
@@ -4624,8 +5142,54 @@
               </a:defRPr>
             </a:pPr>
             <a:r>
-              <a:t>Notebook 인스턴스로 사용되는 타입별 사용 비용 확인</a:t>
-            </a:r>
+              <a:rPr dirty="0"/>
+              <a:t>Notebook </a:t>
+            </a:r>
+            <a:r>
+              <a:rPr dirty="0" err="1"/>
+              <a:t>인스턴스로</a:t>
+            </a:r>
+            <a:r>
+              <a:rPr dirty="0"/>
+              <a:t> </a:t>
+            </a:r>
+            <a:r>
+              <a:rPr dirty="0" err="1"/>
+              <a:t>사용되는</a:t>
+            </a:r>
+            <a:r>
+              <a:rPr dirty="0"/>
+              <a:t> </a:t>
+            </a:r>
+            <a:r>
+              <a:rPr dirty="0" err="1"/>
+              <a:t>타입별</a:t>
+            </a:r>
+            <a:r>
+              <a:rPr dirty="0"/>
+              <a:t> </a:t>
+            </a:r>
+            <a:r>
+              <a:rPr dirty="0" err="1"/>
+              <a:t>사용</a:t>
+            </a:r>
+            <a:r>
+              <a:rPr dirty="0"/>
+              <a:t> </a:t>
+            </a:r>
+            <a:r>
+              <a:rPr dirty="0" err="1"/>
+              <a:t>비용</a:t>
+            </a:r>
+            <a:r>
+              <a:rPr dirty="0"/>
+              <a:t> </a:t>
+            </a:r>
+            <a:r>
+              <a:rPr dirty="0" err="1"/>
+              <a:t>확인</a:t>
+            </a:r>
+            <a:endParaRPr dirty="0"/>
           </a:p>
           <a:p>
             <a:pPr marL="457200" indent="-317500" defTabSz="457200">
@@ -4637,7 +5201,7 @@
               </a:spcBef>
               <a:buSzPct val="100000"/>
               <a:buFont typeface="Times Roman"/>
-              <a:buAutoNum type="arabicPeriod" startAt="1"/>
+              <a:buAutoNum type="arabicPeriod"/>
               <a:defRPr sz="2100">
                 <a:latin typeface="나눔고딕"/>
                 <a:ea typeface="나눔고딕"/>
@@ -4646,8 +5210,38 @@
               </a:defRPr>
             </a:pPr>
             <a:r>
-              <a:t>Training Job에서 Spot 비중과 고비용 Job Top N 분석</a:t>
-            </a:r>
+              <a:rPr dirty="0"/>
+              <a:t>Training </a:t>
+            </a:r>
+            <a:r>
+              <a:rPr dirty="0" err="1"/>
+              <a:t>Job에서</a:t>
+            </a:r>
+            <a:r>
+              <a:rPr dirty="0"/>
+              <a:t> Spot </a:t>
+            </a:r>
+            <a:r>
+              <a:rPr dirty="0" err="1"/>
+              <a:t>비중과</a:t>
+            </a:r>
+            <a:r>
+              <a:rPr dirty="0"/>
+              <a:t> </a:t>
+            </a:r>
+            <a:r>
+              <a:rPr dirty="0" err="1"/>
+              <a:t>고비용</a:t>
+            </a:r>
+            <a:r>
+              <a:rPr dirty="0"/>
+              <a:t> Job Top N </a:t>
+            </a:r>
+            <a:r>
+              <a:rPr dirty="0" err="1"/>
+              <a:t>분석</a:t>
+            </a:r>
+            <a:endParaRPr dirty="0"/>
           </a:p>
           <a:p>
             <a:pPr marL="457200" indent="-317500" defTabSz="457200">
@@ -4659,7 +5253,7 @@
               </a:spcBef>
               <a:buSzPct val="100000"/>
               <a:buFont typeface="Times Roman"/>
-              <a:buAutoNum type="arabicPeriod" startAt="1"/>
+              <a:buAutoNum type="arabicPeriod"/>
               <a:defRPr sz="2100">
                 <a:latin typeface="나눔고딕"/>
                 <a:ea typeface="나눔고딕"/>
@@ -4668,8 +5262,62 @@
               </a:defRPr>
             </a:pPr>
             <a:r>
-              <a:t>Inference Endpoint에서 서버리스나 멀티모델 전환 가능 후보 탐색</a:t>
-            </a:r>
+              <a:rPr dirty="0"/>
+              <a:t>Inference </a:t>
+            </a:r>
+            <a:r>
+              <a:rPr dirty="0" err="1"/>
+              <a:t>Endpoint에서</a:t>
+            </a:r>
+            <a:r>
+              <a:rPr dirty="0"/>
+              <a:t> </a:t>
+            </a:r>
+            <a:r>
+              <a:rPr dirty="0" err="1"/>
+              <a:t>서버리스나</a:t>
+            </a:r>
+            <a:r>
+              <a:rPr dirty="0"/>
+              <a:t> </a:t>
+            </a:r>
+            <a:r>
+              <a:rPr dirty="0" err="1"/>
+              <a:t>멀티모델</a:t>
+            </a:r>
+            <a:r>
+              <a:rPr dirty="0"/>
+              <a:t> </a:t>
+            </a:r>
+            <a:r>
+              <a:rPr dirty="0" err="1"/>
+              <a:t>전환</a:t>
+            </a:r>
+            <a:r>
+              <a:rPr dirty="0"/>
+              <a:t> </a:t>
+            </a:r>
+            <a:r>
+              <a:rPr dirty="0" err="1"/>
+              <a:t>가능</a:t>
+            </a:r>
+            <a:r>
+              <a:rPr dirty="0"/>
+              <a:t> </a:t>
+            </a:r>
+            <a:r>
+              <a:rPr dirty="0" err="1"/>
+              <a:t>후보</a:t>
+            </a:r>
+            <a:r>
+              <a:rPr dirty="0"/>
+              <a:t> </a:t>
+            </a:r>
+            <a:r>
+              <a:rPr dirty="0" err="1"/>
+              <a:t>탐색</a:t>
+            </a:r>
+            <a:endParaRPr dirty="0"/>
           </a:p>
           <a:p>
             <a:pPr marL="457200" indent="-317500" defTabSz="457200">
@@ -4681,7 +5329,7 @@
               </a:spcBef>
               <a:buSzPct val="100000"/>
               <a:buFont typeface="Times Roman"/>
-              <a:buAutoNum type="arabicPeriod" startAt="1"/>
+              <a:buAutoNum type="arabicPeriod"/>
               <a:defRPr sz="2100">
                 <a:latin typeface="나눔고딕"/>
                 <a:ea typeface="나눔고딕"/>
@@ -4690,8 +5338,78 @@
               </a:defRPr>
             </a:pPr>
             <a:r>
-              <a:t>SageMaker 서비스 설명과 공식 문서 기반 비용 절감 방안 확인</a:t>
-            </a:r>
+              <a:rPr dirty="0"/>
+              <a:t>SageMaker </a:t>
+            </a:r>
+            <a:r>
+              <a:rPr dirty="0" err="1"/>
+              <a:t>서비스</a:t>
+            </a:r>
+            <a:r>
+              <a:rPr dirty="0"/>
+              <a:t> </a:t>
+            </a:r>
+            <a:r>
+              <a:rPr dirty="0" err="1"/>
+              <a:t>설명과</a:t>
+            </a:r>
+            <a:r>
+              <a:rPr dirty="0"/>
+              <a:t> </a:t>
+            </a:r>
+            <a:r>
+              <a:rPr dirty="0" err="1"/>
+              <a:t>공식</a:t>
+            </a:r>
+            <a:r>
+              <a:rPr dirty="0"/>
+              <a:t> </a:t>
+            </a:r>
+            <a:r>
+              <a:rPr dirty="0" err="1"/>
+              <a:t>문서</a:t>
+            </a:r>
+            <a:r>
+              <a:rPr dirty="0"/>
+              <a:t> </a:t>
+            </a:r>
+            <a:r>
+              <a:rPr dirty="0" err="1"/>
+              <a:t>기반</a:t>
+            </a:r>
+            <a:r>
+              <a:rPr dirty="0"/>
+              <a:t> </a:t>
+            </a:r>
+            <a:r>
+              <a:rPr dirty="0" err="1"/>
+              <a:t>비용</a:t>
+            </a:r>
+            <a:r>
+              <a:rPr dirty="0"/>
+              <a:t> </a:t>
+            </a:r>
+            <a:r>
+              <a:rPr dirty="0" err="1"/>
+              <a:t>절감</a:t>
+            </a:r>
+            <a:r>
+              <a:rPr dirty="0"/>
+              <a:t> </a:t>
+            </a:r>
+            <a:r>
+              <a:rPr dirty="0" err="1"/>
+              <a:t>방안</a:t>
+            </a:r>
+            <a:r>
+              <a:rPr dirty="0"/>
+              <a:t> </a:t>
+            </a:r>
+            <a:r>
+              <a:rPr dirty="0" err="1"/>
+              <a:t>확인</a:t>
+            </a:r>
+            <a:endParaRPr dirty="0"/>
           </a:p>
           <a:p>
             <a:pPr marL="457200" indent="-317500" defTabSz="457200">
@@ -4703,7 +5421,7 @@
               </a:spcBef>
               <a:buSzPct val="100000"/>
               <a:buFont typeface="Times Roman"/>
-              <a:buAutoNum type="arabicPeriod" startAt="1"/>
+              <a:buAutoNum type="arabicPeriod"/>
               <a:defRPr sz="2100">
                 <a:latin typeface="나눔고딕"/>
                 <a:ea typeface="나눔고딕"/>
@@ -4712,8 +5430,50 @@
               </a:defRPr>
             </a:pPr>
             <a:r>
-              <a:t>최근 3개월 SageMaker 비용 추이와 스파이크 원인 분석</a:t>
-            </a:r>
+              <a:rPr dirty="0" err="1"/>
+              <a:t>최근</a:t>
+            </a:r>
+            <a:r>
+              <a:rPr dirty="0"/>
+              <a:t> 3개월 SageMaker </a:t>
+            </a:r>
+            <a:r>
+              <a:rPr dirty="0" err="1"/>
+              <a:t>비용</a:t>
+            </a:r>
+            <a:r>
+              <a:rPr dirty="0"/>
+              <a:t> </a:t>
+            </a:r>
+            <a:r>
+              <a:rPr dirty="0" err="1"/>
+              <a:t>추이와</a:t>
+            </a:r>
+            <a:r>
+              <a:rPr dirty="0"/>
+              <a:t> </a:t>
+            </a:r>
+            <a:r>
+              <a:rPr dirty="0" err="1"/>
+              <a:t>스파이크</a:t>
+            </a:r>
+            <a:r>
+              <a:rPr dirty="0"/>
+              <a:t> </a:t>
+            </a:r>
+            <a:r>
+              <a:rPr dirty="0" err="1"/>
+              <a:t>원인</a:t>
+            </a:r>
+            <a:r>
+              <a:rPr dirty="0"/>
+              <a:t> </a:t>
+            </a:r>
+            <a:r>
+              <a:rPr dirty="0" err="1"/>
+              <a:t>분석</a:t>
+            </a:r>
+            <a:endParaRPr dirty="0"/>
           </a:p>
         </p:txBody>
       </p:sp>
@@ -4736,7 +5496,7 @@
           </a:ln>
           <a:extLst>
             <a:ext uri="{C572A759-6A51-4108-AA02-DFA0A04FC94B}">
-              <ma14:wrappingTextBoxFlag xmlns:ma14="http://schemas.microsoft.com/office/mac/drawingml/2011/main" val="1"/>
+              <ma14:wrappingTextBoxFlag xmlns:ma14="http://schemas.microsoft.com/office/mac/drawingml/2011/main" xmlns:a14="http://schemas.microsoft.com/office/drawing/2010/main" xmlns:m="http://schemas.openxmlformats.org/officeDocument/2006/math" xmlns="" val="1"/>
             </a:ext>
           </a:extLst>
         </p:spPr>
@@ -4752,7 +5512,7 @@
               <a:spcBef>
                 <a:spcPts val="1200"/>
               </a:spcBef>
-              <a:defRPr b="1" sz="2700">
+              <a:defRPr sz="2700" b="1">
                 <a:latin typeface="나눔고딕"/>
                 <a:ea typeface="나눔고딕"/>
                 <a:cs typeface="나눔고딕"/>
@@ -4761,10 +5521,35 @@
             </a:lvl1pPr>
           </a:lstStyle>
           <a:p>
-            <a:pPr/>
-            <a:r>
-              <a:t>데이터 범위 및 가정</a:t>
-            </a:r>
+            <a:r>
+              <a:rPr dirty="0" err="1"/>
+              <a:t>데이터</a:t>
+            </a:r>
+            <a:r>
+              <a:rPr dirty="0"/>
+              <a:t> </a:t>
+            </a:r>
+            <a:r>
+              <a:rPr dirty="0" err="1"/>
+              <a:t>범위</a:t>
+            </a:r>
+            <a:r>
+              <a:rPr dirty="0"/>
+              <a:t> </a:t>
+            </a:r>
+            <a:r>
+              <a:rPr dirty="0" err="1"/>
+              <a:t>및</a:t>
+            </a:r>
+            <a:r>
+              <a:rPr dirty="0"/>
+              <a:t> </a:t>
+            </a:r>
+            <a:r>
+              <a:rPr dirty="0" err="1"/>
+              <a:t>가정</a:t>
+            </a:r>
+            <a:endParaRPr dirty="0"/>
           </a:p>
         </p:txBody>
       </p:sp>
@@ -4776,8 +5561,8 @@
         </p:nvSpPr>
         <p:spPr>
           <a:xfrm>
-            <a:off x="1150705" y="10834802"/>
-            <a:ext cx="19863970" cy="1381761"/>
+            <a:off x="1150705" y="10799394"/>
+            <a:ext cx="20103260" cy="1452577"/>
           </a:xfrm>
           <a:prstGeom prst="rect">
             <a:avLst/>
@@ -4787,7 +5572,7 @@
           </a:ln>
           <a:extLst>
             <a:ext uri="{C572A759-6A51-4108-AA02-DFA0A04FC94B}">
-              <ma14:wrappingTextBoxFlag xmlns:ma14="http://schemas.microsoft.com/office/mac/drawingml/2011/main" val="1"/>
+              <ma14:wrappingTextBoxFlag xmlns:ma14="http://schemas.microsoft.com/office/mac/drawingml/2011/main" xmlns:a14="http://schemas.microsoft.com/office/drawing/2010/main" xmlns:m="http://schemas.openxmlformats.org/officeDocument/2006/math" xmlns="" val="1"/>
             </a:ext>
           </a:extLst>
         </p:spPr>
@@ -4812,12 +5597,78 @@
               </a:defRPr>
             </a:pPr>
             <a:r>
-              <a:rPr b="1"/>
+              <a:rPr b="1" dirty="0" err="1"/>
               <a:t>데이터</a:t>
             </a:r>
             <a:r>
-              <a:t>: Redshift에 적재된 월별 CUR CSV를 기준으로 한다. 시스템이 직접 Redshift에서 추출한다.</a:t>
-            </a:r>
+              <a:rPr dirty="0"/>
+              <a:t>: </a:t>
+            </a:r>
+            <a:r>
+              <a:rPr dirty="0" err="1"/>
+              <a:t>Redshift에</a:t>
+            </a:r>
+            <a:r>
+              <a:rPr dirty="0"/>
+              <a:t> </a:t>
+            </a:r>
+            <a:r>
+              <a:rPr dirty="0" err="1"/>
+              <a:t>적재된</a:t>
+            </a:r>
+            <a:r>
+              <a:rPr dirty="0"/>
+              <a:t> </a:t>
+            </a:r>
+            <a:r>
+              <a:rPr dirty="0" err="1"/>
+              <a:t>월별</a:t>
+            </a:r>
+            <a:r>
+              <a:rPr dirty="0"/>
+              <a:t> CUR CSV </a:t>
+            </a:r>
+            <a:r>
+              <a:rPr dirty="0" err="1"/>
+              <a:t>기준</a:t>
+            </a:r>
+            <a:r>
+              <a:rPr lang="en-US" altLang="ko-KR" dirty="0"/>
+              <a:t>,</a:t>
+            </a:r>
+            <a:r>
+              <a:rPr dirty="0"/>
+              <a:t> </a:t>
+            </a:r>
+            <a:r>
+              <a:rPr dirty="0" err="1"/>
+              <a:t>시스템이</a:t>
+            </a:r>
+            <a:r>
+              <a:rPr dirty="0"/>
+              <a:t> </a:t>
+            </a:r>
+            <a:r>
+              <a:rPr dirty="0" err="1"/>
+              <a:t>직접</a:t>
+            </a:r>
+            <a:r>
+              <a:rPr dirty="0"/>
+              <a:t> </a:t>
+            </a:r>
+            <a:r>
+              <a:rPr dirty="0" err="1"/>
+              <a:t>Redshift에서</a:t>
+            </a:r>
+            <a:r>
+              <a:rPr dirty="0"/>
+              <a:t> </a:t>
+            </a:r>
+            <a:r>
+              <a:rPr dirty="0" err="1"/>
+              <a:t>추출</a:t>
+            </a:r>
+            <a:endParaRPr dirty="0"/>
           </a:p>
           <a:p>
             <a:pPr defTabSz="457200">
@@ -4835,12 +5686,170 @@
               </a:defRPr>
             </a:pPr>
             <a:r>
-              <a:rPr b="1"/>
+              <a:rPr b="1" dirty="0" err="1"/>
               <a:t>문서</a:t>
             </a:r>
             <a:r>
-              <a:t>: AWS SageMaker 공식 문서만 인덱싱. 요금표, SageMaker 서비스 설명, 베스트 프랙티스, 비용 최적화 가이드 등 포함. 인덱싱 범위에 없는 답변은 Tavily 웹검색으로 보강</a:t>
-            </a:r>
+              <a:rPr dirty="0"/>
+              <a:t>: AWS SageMaker </a:t>
+            </a:r>
+            <a:r>
+              <a:rPr dirty="0" err="1"/>
+              <a:t>공식</a:t>
+            </a:r>
+            <a:r>
+              <a:rPr dirty="0"/>
+              <a:t> </a:t>
+            </a:r>
+            <a:r>
+              <a:rPr dirty="0" err="1"/>
+              <a:t>문서만</a:t>
+            </a:r>
+            <a:r>
+              <a:rPr dirty="0"/>
+              <a:t> </a:t>
+            </a:r>
+            <a:r>
+              <a:rPr dirty="0" err="1"/>
+              <a:t>인덱싱</a:t>
+            </a:r>
+            <a:r>
+              <a:rPr dirty="0"/>
+              <a:t>. </a:t>
+            </a:r>
+            <a:r>
+              <a:rPr dirty="0" err="1"/>
+              <a:t>요금표</a:t>
+            </a:r>
+            <a:r>
+              <a:rPr dirty="0"/>
+              <a:t>, SageMaker </a:t>
+            </a:r>
+            <a:r>
+              <a:rPr dirty="0" err="1"/>
+              <a:t>서비스</a:t>
+            </a:r>
+            <a:r>
+              <a:rPr dirty="0"/>
+              <a:t> </a:t>
+            </a:r>
+            <a:r>
+              <a:rPr dirty="0" err="1"/>
+              <a:t>설명</a:t>
+            </a:r>
+            <a:r>
+              <a:rPr dirty="0"/>
+              <a:t>, </a:t>
+            </a:r>
+            <a:r>
+              <a:rPr dirty="0" err="1"/>
+              <a:t>베스트</a:t>
+            </a:r>
+            <a:r>
+              <a:rPr dirty="0"/>
+              <a:t> </a:t>
+            </a:r>
+            <a:r>
+              <a:rPr dirty="0" err="1"/>
+              <a:t>프랙티스</a:t>
+            </a:r>
+            <a:r>
+              <a:rPr dirty="0"/>
+              <a:t>, </a:t>
+            </a:r>
+            <a:r>
+              <a:rPr dirty="0" err="1"/>
+              <a:t>비용</a:t>
+            </a:r>
+            <a:r>
+              <a:rPr dirty="0"/>
+              <a:t> </a:t>
+            </a:r>
+            <a:r>
+              <a:rPr dirty="0" err="1"/>
+              <a:t>최적화</a:t>
+            </a:r>
+            <a:r>
+              <a:rPr dirty="0"/>
+              <a:t> </a:t>
+            </a:r>
+            <a:r>
+              <a:rPr dirty="0" err="1"/>
+              <a:t>가이드</a:t>
+            </a:r>
+            <a:r>
+              <a:rPr dirty="0"/>
+              <a:t> </a:t>
+            </a:r>
+            <a:r>
+              <a:rPr dirty="0" err="1"/>
+              <a:t>등</a:t>
+            </a:r>
+            <a:r>
+              <a:rPr dirty="0"/>
+              <a:t> </a:t>
+            </a:r>
+            <a:r>
+              <a:rPr dirty="0" err="1"/>
+              <a:t>포함</a:t>
+            </a:r>
+            <a:r>
+              <a:rPr dirty="0"/>
+              <a:t>. </a:t>
+            </a:r>
+            <a:r>
+              <a:rPr dirty="0" err="1"/>
+              <a:t>인덱싱</a:t>
+            </a:r>
+            <a:r>
+              <a:rPr dirty="0"/>
+              <a:t> </a:t>
+            </a:r>
+            <a:r>
+              <a:rPr dirty="0" err="1"/>
+              <a:t>범위에</a:t>
+            </a:r>
+            <a:r>
+              <a:rPr dirty="0"/>
+              <a:t> </a:t>
+            </a:r>
+            <a:r>
+              <a:rPr dirty="0" err="1"/>
+              <a:t>없는</a:t>
+            </a:r>
+            <a:r>
+              <a:rPr dirty="0"/>
+              <a:t> </a:t>
+            </a:r>
+            <a:r>
+              <a:rPr dirty="0" err="1"/>
+              <a:t>답변은</a:t>
+            </a:r>
+            <a:r>
+              <a:rPr dirty="0"/>
+              <a:t> </a:t>
+            </a:r>
+            <a:r>
+              <a:rPr dirty="0" err="1"/>
+              <a:t>Tavily</a:t>
+            </a:r>
+            <a:r>
+              <a:rPr dirty="0"/>
+              <a:t> </a:t>
+            </a:r>
+            <a:r>
+              <a:rPr dirty="0" err="1"/>
+              <a:t>웹검색으로</a:t>
+            </a:r>
+            <a:r>
+              <a:rPr dirty="0"/>
+              <a:t> </a:t>
+            </a:r>
+            <a:r>
+              <a:rPr dirty="0" err="1"/>
+              <a:t>보강</a:t>
+            </a:r>
+            <a:endParaRPr dirty="0"/>
           </a:p>
           <a:p>
             <a:pPr defTabSz="457200">
@@ -4858,8 +5867,70 @@
               </a:defRPr>
             </a:pPr>
             <a:r>
-              <a:t>*실시간 CloudWatch 메트릭 수집, 자동 Stop이나 Resize 실행은 PoC 범위에서 제외</a:t>
-            </a:r>
+              <a:rPr dirty="0"/>
+              <a:t>*</a:t>
+            </a:r>
+            <a:r>
+              <a:rPr dirty="0" err="1"/>
+              <a:t>실시간</a:t>
+            </a:r>
+            <a:r>
+              <a:rPr dirty="0"/>
+              <a:t> CloudWatch </a:t>
+            </a:r>
+            <a:r>
+              <a:rPr dirty="0" err="1"/>
+              <a:t>메트릭</a:t>
+            </a:r>
+            <a:r>
+              <a:rPr dirty="0"/>
+              <a:t> </a:t>
+            </a:r>
+            <a:r>
+              <a:rPr dirty="0" err="1"/>
+              <a:t>수집</a:t>
+            </a:r>
+            <a:r>
+              <a:rPr dirty="0"/>
+              <a:t>, </a:t>
+            </a:r>
+            <a:r>
+              <a:rPr dirty="0" err="1"/>
+              <a:t>자동</a:t>
+            </a:r>
+            <a:r>
+              <a:rPr dirty="0"/>
+              <a:t> </a:t>
+            </a:r>
+            <a:r>
+              <a:rPr dirty="0" err="1"/>
+              <a:t>Stop이나</a:t>
+            </a:r>
+            <a:r>
+              <a:rPr dirty="0"/>
+              <a:t> Resize </a:t>
+            </a:r>
+            <a:r>
+              <a:rPr dirty="0" err="1"/>
+              <a:t>실행은</a:t>
+            </a:r>
+            <a:r>
+              <a:rPr dirty="0"/>
+              <a:t> PoC </a:t>
+            </a:r>
+            <a:r>
+              <a:rPr dirty="0" err="1"/>
+              <a:t>범위에서</a:t>
+            </a:r>
+            <a:r>
+              <a:rPr dirty="0"/>
+              <a:t> </a:t>
+            </a:r>
+            <a:r>
+              <a:rPr dirty="0" err="1"/>
+              <a:t>제외</a:t>
+            </a:r>
+            <a:endParaRPr dirty="0"/>
           </a:p>
         </p:txBody>
       </p:sp>
@@ -4872,9 +5943,7 @@
           <p:nvPr/>
         </p:nvPicPr>
         <p:blipFill>
-          <a:blip r:embed="rId2">
-            <a:extLst/>
-          </a:blip>
+          <a:blip r:embed="rId3"/>
           <a:stretch>
             <a:fillRect/>
           </a:stretch>
@@ -4934,6 +6003,7 @@
                 <a:sym typeface="Helvetica Neue Medium"/>
               </a:defRPr>
             </a:pPr>
+            <a:endParaRPr dirty="0"/>
           </a:p>
         </p:txBody>
       </p:sp>
@@ -4942,12 +6012,12 @@
   <p:clrMapOvr>
     <a:masterClrMapping/>
   </p:clrMapOvr>
-  <p:transition xmlns:p14="http://schemas.microsoft.com/office/powerpoint/2010/main" spd="med" advClick="1"/>
+  <p:transition spd="med"/>
 </p:sld>
 </file>
 
 <file path=ppt/slides/slide3.xml><?xml version="1.0" encoding="utf-8"?>
-<p:sld xmlns:a="http://schemas.openxmlformats.org/drawingml/2006/main" xmlns:r="http://schemas.openxmlformats.org/officeDocument/2006/relationships" xmlns:p="http://schemas.openxmlformats.org/presentationml/2006/main" xmlns:m="http://schemas.openxmlformats.org/officeDocument/2006/math" xmlns:a14="http://schemas.microsoft.com/office/drawing/2010/main" showMasterSp="1" showMasterPhAnim="1">
+<p:sld xmlns:a="http://schemas.openxmlformats.org/drawingml/2006/main" xmlns:r="http://schemas.openxmlformats.org/officeDocument/2006/relationships" xmlns:p="http://schemas.openxmlformats.org/presentationml/2006/main">
   <p:cSld>
     <p:spTree>
       <p:nvGrpSpPr>
@@ -4972,9 +6042,7 @@
           <p:nvPr/>
         </p:nvPicPr>
         <p:blipFill>
-          <a:blip r:embed="rId2">
-            <a:extLst/>
-          </a:blip>
+          <a:blip r:embed="rId3"/>
           <a:stretch>
             <a:fillRect/>
           </a:stretch>
@@ -5011,7 +6079,7 @@
           </a:ln>
           <a:extLst>
             <a:ext uri="{C572A759-6A51-4108-AA02-DFA0A04FC94B}">
-              <ma14:wrappingTextBoxFlag xmlns:ma14="http://schemas.microsoft.com/office/mac/drawingml/2011/main" val="1"/>
+              <ma14:wrappingTextBoxFlag xmlns:ma14="http://schemas.microsoft.com/office/mac/drawingml/2011/main" xmlns:a14="http://schemas.microsoft.com/office/drawing/2010/main" xmlns:m="http://schemas.openxmlformats.org/officeDocument/2006/math" xmlns="" val="1"/>
             </a:ext>
           </a:extLst>
         </p:spPr>
@@ -5027,7 +6095,7 @@
               <a:spcBef>
                 <a:spcPts val="1200"/>
               </a:spcBef>
-              <a:defRPr b="1" sz="3200">
+              <a:defRPr sz="3200" b="1">
                 <a:latin typeface="나눔고딕"/>
                 <a:ea typeface="나눔고딕"/>
                 <a:cs typeface="나눔고딕"/>
@@ -5036,10 +6104,19 @@
             </a:lvl1pPr>
           </a:lstStyle>
           <a:p>
-            <a:pPr/>
-            <a:r>
-              <a:t>기술 아키텍쳐</a:t>
-            </a:r>
+            <a:r>
+              <a:rPr dirty="0" err="1"/>
+              <a:t>기술</a:t>
+            </a:r>
+            <a:r>
+              <a:rPr dirty="0"/>
+              <a:t> </a:t>
+            </a:r>
+            <a:r>
+              <a:rPr dirty="0" err="1"/>
+              <a:t>아키텍쳐</a:t>
+            </a:r>
+            <a:endParaRPr dirty="0"/>
           </a:p>
         </p:txBody>
       </p:sp>
@@ -5062,7 +6139,7 @@
           </a:ln>
           <a:extLst>
             <a:ext uri="{C572A759-6A51-4108-AA02-DFA0A04FC94B}">
-              <ma14:wrappingTextBoxFlag xmlns:ma14="http://schemas.microsoft.com/office/mac/drawingml/2011/main" val="1"/>
+              <ma14:wrappingTextBoxFlag xmlns:ma14="http://schemas.microsoft.com/office/mac/drawingml/2011/main" xmlns:a14="http://schemas.microsoft.com/office/drawing/2010/main" xmlns:m="http://schemas.openxmlformats.org/officeDocument/2006/math" xmlns="" val="1"/>
             </a:ext>
           </a:extLst>
         </p:spPr>
@@ -5090,12 +6167,97 @@
               </a:defRPr>
             </a:pPr>
             <a:r>
+              <a:rPr dirty="0"/>
               <a:t>Router Agent: </a:t>
             </a:r>
-            <a:br/>
-            <a:r>
-              <a:t>LangChain과 LangGraph 기반으로 동작, LLM이 의도를 분류하고, 신뢰도 점수와 근거를 함께 반환</a:t>
-            </a:r>
+            <a:br>
+              <a:rPr dirty="0"/>
+            </a:br>
+            <a:r>
+              <a:rPr dirty="0" err="1"/>
+              <a:t>LangChain과</a:t>
+            </a:r>
+            <a:r>
+              <a:rPr dirty="0"/>
+              <a:t> LangGraph </a:t>
+            </a:r>
+            <a:r>
+              <a:rPr dirty="0" err="1"/>
+              <a:t>기반으로</a:t>
+            </a:r>
+            <a:r>
+              <a:rPr dirty="0"/>
+              <a:t> </a:t>
+            </a:r>
+            <a:r>
+              <a:rPr dirty="0" err="1"/>
+              <a:t>동작</a:t>
+            </a:r>
+            <a:r>
+              <a:rPr dirty="0"/>
+              <a:t>, </a:t>
+            </a:r>
+            <a:r>
+              <a:rPr dirty="0" err="1"/>
+              <a:t>LLM이</a:t>
+            </a:r>
+            <a:r>
+              <a:rPr dirty="0"/>
+              <a:t> </a:t>
+            </a:r>
+            <a:r>
+              <a:rPr dirty="0" err="1"/>
+              <a:t>의도를</a:t>
+            </a:r>
+            <a:r>
+              <a:rPr dirty="0"/>
+              <a:t> </a:t>
+            </a:r>
+            <a:r>
+              <a:rPr dirty="0" err="1"/>
+              <a:t>분류하고</a:t>
+            </a:r>
+            <a:r>
+              <a:rPr dirty="0"/>
+              <a:t>, </a:t>
+            </a:r>
+            <a:r>
+              <a:rPr dirty="0" err="1"/>
+              <a:t>신뢰도</a:t>
+            </a:r>
+            <a:r>
+              <a:rPr dirty="0"/>
+              <a:t> </a:t>
+            </a:r>
+            <a:r>
+              <a:rPr dirty="0" err="1"/>
+              <a:t>점수와</a:t>
+            </a:r>
+            <a:r>
+              <a:rPr dirty="0"/>
+              <a:t> </a:t>
+            </a:r>
+            <a:r>
+              <a:rPr dirty="0" err="1"/>
+              <a:t>근거를</a:t>
+            </a:r>
+            <a:r>
+              <a:rPr dirty="0"/>
+              <a:t> </a:t>
+            </a:r>
+            <a:r>
+              <a:rPr dirty="0" err="1"/>
+              <a:t>함께</a:t>
+            </a:r>
+            <a:r>
+              <a:rPr dirty="0"/>
+              <a:t> </a:t>
+            </a:r>
+            <a:r>
+              <a:rPr dirty="0" err="1"/>
+              <a:t>반환</a:t>
+            </a:r>
+            <a:endParaRPr dirty="0"/>
           </a:p>
           <a:p>
             <a:pPr marL="457200" indent="-317500" defTabSz="457200">
@@ -5116,12 +6278,57 @@
               </a:defRPr>
             </a:pPr>
             <a:r>
+              <a:rPr dirty="0"/>
               <a:t>General Agent: </a:t>
             </a:r>
-            <a:br/>
-            <a:r>
-              <a:t>인사, 도움말 같은 일반 질의에 응답</a:t>
-            </a:r>
+            <a:br>
+              <a:rPr dirty="0"/>
+            </a:br>
+            <a:r>
+              <a:rPr dirty="0" err="1"/>
+              <a:t>인사</a:t>
+            </a:r>
+            <a:r>
+              <a:rPr dirty="0"/>
+              <a:t>, </a:t>
+            </a:r>
+            <a:r>
+              <a:rPr dirty="0" err="1"/>
+              <a:t>도움말</a:t>
+            </a:r>
+            <a:r>
+              <a:rPr dirty="0"/>
+              <a:t> </a:t>
+            </a:r>
+            <a:r>
+              <a:rPr dirty="0" err="1"/>
+              <a:t>같은</a:t>
+            </a:r>
+            <a:r>
+              <a:rPr dirty="0"/>
+              <a:t> </a:t>
+            </a:r>
+            <a:r>
+              <a:rPr dirty="0" err="1"/>
+              <a:t>일반</a:t>
+            </a:r>
+            <a:r>
+              <a:rPr dirty="0"/>
+              <a:t> </a:t>
+            </a:r>
+            <a:r>
+              <a:rPr dirty="0" err="1"/>
+              <a:t>질의에</a:t>
+            </a:r>
+            <a:r>
+              <a:rPr dirty="0"/>
+              <a:t> </a:t>
+            </a:r>
+            <a:r>
+              <a:rPr dirty="0" err="1"/>
+              <a:t>응답</a:t>
+            </a:r>
+            <a:endParaRPr dirty="0"/>
           </a:p>
           <a:p>
             <a:pPr marL="457200" indent="-317500" defTabSz="457200">
@@ -5142,11 +6349,47 @@
               </a:defRPr>
             </a:pPr>
             <a:r>
+              <a:rPr dirty="0"/>
               <a:t>SQL Agent:</a:t>
             </a:r>
-            <a:br/>
-            <a:r>
-              <a:t> Redshift CUR에서 추출·변환된 데이터 &gt; Parquet 형식으로 Read &gt; NL2SQL</a:t>
+            <a:br>
+              <a:rPr dirty="0"/>
+            </a:br>
+            <a:r>
+              <a:rPr dirty="0"/>
+              <a:t> Redshift </a:t>
+            </a:r>
+            <a:r>
+              <a:rPr dirty="0" err="1"/>
+              <a:t>CUR에서</a:t>
+            </a:r>
+            <a:r>
+              <a:rPr dirty="0"/>
+              <a:t> </a:t>
+            </a:r>
+            <a:r>
+              <a:rPr dirty="0" err="1"/>
+              <a:t>추출·변환된</a:t>
+            </a:r>
+            <a:r>
+              <a:rPr dirty="0"/>
+              <a:t> </a:t>
+            </a:r>
+            <a:r>
+              <a:rPr dirty="0" err="1"/>
+              <a:t>데이터</a:t>
+            </a:r>
+            <a:r>
+              <a:rPr dirty="0"/>
+              <a:t> &gt; Parquet </a:t>
+            </a:r>
+            <a:r>
+              <a:rPr dirty="0" err="1"/>
+              <a:t>형식으로</a:t>
+            </a:r>
+            <a:r>
+              <a:rPr dirty="0"/>
+              <a:t> Read &gt; NL2SQL</a:t>
             </a:r>
           </a:p>
           <a:p>
@@ -5168,20 +6411,191 @@
               </a:defRPr>
             </a:pPr>
             <a:r>
+              <a:rPr dirty="0"/>
               <a:t>Docs Agent: </a:t>
             </a:r>
-            <a:br/>
-            <a:r>
-              <a:t>SageMaker 공식 문서를 크롤링·청킹·임베딩하여 Chroma 벡터 DB에 저장</a:t>
-            </a:r>
-            <a:br/>
-            <a:r>
-              <a:t>LangChain RAG로 검색 후 답변을 생성. </a:t>
-            </a:r>
-            <a:br/>
-            <a:r>
-              <a:t>답변 품질이 낮을 경우 Tavily를 통해 웹검색 수행하여 품질 보강</a:t>
-            </a:r>
+            <a:br>
+              <a:rPr dirty="0"/>
+            </a:br>
+            <a:r>
+              <a:rPr dirty="0"/>
+              <a:t>SageMaker </a:t>
+            </a:r>
+            <a:r>
+              <a:rPr dirty="0" err="1"/>
+              <a:t>공식</a:t>
+            </a:r>
+            <a:r>
+              <a:rPr dirty="0"/>
+              <a:t> </a:t>
+            </a:r>
+            <a:r>
+              <a:rPr dirty="0" err="1"/>
+              <a:t>문서를</a:t>
+            </a:r>
+            <a:r>
+              <a:rPr dirty="0"/>
+              <a:t> </a:t>
+            </a:r>
+            <a:r>
+              <a:rPr dirty="0" err="1"/>
+              <a:t>크롤링·청킹·임베딩하여</a:t>
+            </a:r>
+            <a:r>
+              <a:rPr dirty="0"/>
+              <a:t> Chroma </a:t>
+            </a:r>
+            <a:r>
+              <a:rPr dirty="0" err="1"/>
+              <a:t>벡터</a:t>
+            </a:r>
+            <a:r>
+              <a:rPr dirty="0"/>
+              <a:t> </a:t>
+            </a:r>
+            <a:r>
+              <a:rPr dirty="0" err="1"/>
+              <a:t>DB에</a:t>
+            </a:r>
+            <a:r>
+              <a:rPr dirty="0"/>
+              <a:t> </a:t>
+            </a:r>
+            <a:r>
+              <a:rPr dirty="0" err="1"/>
+              <a:t>저장</a:t>
+            </a:r>
+            <a:br>
+              <a:rPr dirty="0"/>
+            </a:br>
+            <a:r>
+              <a:rPr dirty="0" err="1"/>
+              <a:t>LangChain</a:t>
+            </a:r>
+            <a:r>
+              <a:rPr dirty="0"/>
+              <a:t> </a:t>
+            </a:r>
+            <a:r>
+              <a:rPr dirty="0" err="1"/>
+              <a:t>RAG로</a:t>
+            </a:r>
+            <a:r>
+              <a:rPr dirty="0"/>
+              <a:t> </a:t>
+            </a:r>
+            <a:r>
+              <a:rPr dirty="0" err="1"/>
+              <a:t>검색</a:t>
+            </a:r>
+            <a:r>
+              <a:rPr dirty="0"/>
+              <a:t> </a:t>
+            </a:r>
+            <a:r>
+              <a:rPr dirty="0" err="1"/>
+              <a:t>후</a:t>
+            </a:r>
+            <a:r>
+              <a:rPr dirty="0"/>
+              <a:t> </a:t>
+            </a:r>
+            <a:r>
+              <a:rPr dirty="0" err="1"/>
+              <a:t>답변을</a:t>
+            </a:r>
+            <a:r>
+              <a:rPr dirty="0"/>
+              <a:t> </a:t>
+            </a:r>
+            <a:r>
+              <a:rPr dirty="0" err="1"/>
+              <a:t>생성</a:t>
+            </a:r>
+            <a:r>
+              <a:rPr dirty="0"/>
+              <a:t>. </a:t>
+            </a:r>
+            <a:br>
+              <a:rPr dirty="0"/>
+            </a:br>
+            <a:r>
+              <a:rPr dirty="0" err="1"/>
+              <a:t>답변</a:t>
+            </a:r>
+            <a:r>
+              <a:rPr dirty="0"/>
+              <a:t> </a:t>
+            </a:r>
+            <a:r>
+              <a:rPr dirty="0" err="1"/>
+              <a:t>품질이</a:t>
+            </a:r>
+            <a:r>
+              <a:rPr dirty="0"/>
+              <a:t> </a:t>
+            </a:r>
+            <a:r>
+              <a:rPr dirty="0" err="1"/>
+              <a:t>낮을</a:t>
+            </a:r>
+            <a:r>
+              <a:rPr dirty="0"/>
+              <a:t> </a:t>
+            </a:r>
+            <a:r>
+              <a:rPr dirty="0" err="1"/>
+              <a:t>경우</a:t>
+            </a:r>
+            <a:r>
+              <a:rPr dirty="0"/>
+              <a:t> </a:t>
+            </a:r>
+            <a:r>
+              <a:rPr dirty="0" err="1"/>
+              <a:t>Tavily를</a:t>
+            </a:r>
+            <a:r>
+              <a:rPr dirty="0"/>
+              <a:t> </a:t>
+            </a:r>
+            <a:r>
+              <a:rPr dirty="0" err="1"/>
+              <a:t>통해</a:t>
+            </a:r>
+            <a:r>
+              <a:rPr dirty="0"/>
+              <a:t> </a:t>
+            </a:r>
+            <a:r>
+              <a:rPr dirty="0" err="1"/>
+              <a:t>웹검색</a:t>
+            </a:r>
+            <a:r>
+              <a:rPr dirty="0"/>
+              <a:t> </a:t>
+            </a:r>
+            <a:r>
+              <a:rPr dirty="0" err="1"/>
+              <a:t>수행하여</a:t>
+            </a:r>
+            <a:r>
+              <a:rPr dirty="0"/>
+              <a:t> </a:t>
+            </a:r>
+            <a:r>
+              <a:rPr dirty="0" err="1"/>
+              <a:t>품질</a:t>
+            </a:r>
+            <a:r>
+              <a:rPr dirty="0"/>
+              <a:t> </a:t>
+            </a:r>
+            <a:r>
+              <a:rPr dirty="0" err="1"/>
+              <a:t>보강</a:t>
+            </a:r>
+            <a:endParaRPr dirty="0"/>
           </a:p>
         </p:txBody>
       </p:sp>
@@ -5204,7 +6618,7 @@
           </a:ln>
           <a:extLst>
             <a:ext uri="{C572A759-6A51-4108-AA02-DFA0A04FC94B}">
-              <ma14:wrappingTextBoxFlag xmlns:ma14="http://schemas.microsoft.com/office/mac/drawingml/2011/main" val="1"/>
+              <ma14:wrappingTextBoxFlag xmlns:ma14="http://schemas.microsoft.com/office/mac/drawingml/2011/main" xmlns:a14="http://schemas.microsoft.com/office/drawing/2010/main" xmlns:m="http://schemas.openxmlformats.org/officeDocument/2006/math" xmlns="" val="1"/>
             </a:ext>
           </a:extLst>
         </p:spPr>
@@ -5231,8 +6645,34 @@
               </a:defRPr>
             </a:pPr>
             <a:r>
-              <a:t>Streamlit으로 구현, 실시간 채팅</a:t>
-            </a:r>
+              <a:rPr dirty="0" err="1"/>
+              <a:t>Streamlit으로</a:t>
+            </a:r>
+            <a:r>
+              <a:rPr dirty="0"/>
+              <a:t> </a:t>
+            </a:r>
+            <a:r>
+              <a:rPr dirty="0" err="1"/>
+              <a:t>구현</a:t>
+            </a:r>
+            <a:r>
+              <a:rPr dirty="0"/>
+              <a:t>, </a:t>
+            </a:r>
+            <a:r>
+              <a:rPr dirty="0" err="1"/>
+              <a:t>실시간</a:t>
+            </a:r>
+            <a:r>
+              <a:rPr dirty="0"/>
+              <a:t> </a:t>
+            </a:r>
+            <a:r>
+              <a:rPr dirty="0" err="1"/>
+              <a:t>채팅</a:t>
+            </a:r>
+            <a:endParaRPr dirty="0"/>
           </a:p>
           <a:p>
             <a:pPr marL="266700" indent="-266700" defTabSz="457200">
@@ -5252,8 +6692,70 @@
               </a:defRPr>
             </a:pPr>
             <a:r>
-              <a:t>SQL 결과, 문서 인용, 일반 답변을 의도에 맞게 표시</a:t>
-            </a:r>
+              <a:rPr dirty="0"/>
+              <a:t>SQL </a:t>
+            </a:r>
+            <a:r>
+              <a:rPr dirty="0" err="1"/>
+              <a:t>결과</a:t>
+            </a:r>
+            <a:r>
+              <a:rPr dirty="0"/>
+              <a:t>, </a:t>
+            </a:r>
+            <a:r>
+              <a:rPr dirty="0" err="1"/>
+              <a:t>문서</a:t>
+            </a:r>
+            <a:r>
+              <a:rPr dirty="0"/>
+              <a:t> </a:t>
+            </a:r>
+            <a:r>
+              <a:rPr dirty="0" err="1"/>
+              <a:t>인용</a:t>
+            </a:r>
+            <a:r>
+              <a:rPr dirty="0"/>
+              <a:t>, </a:t>
+            </a:r>
+            <a:r>
+              <a:rPr dirty="0" err="1"/>
+              <a:t>일반</a:t>
+            </a:r>
+            <a:r>
+              <a:rPr dirty="0"/>
+              <a:t> </a:t>
+            </a:r>
+            <a:r>
+              <a:rPr dirty="0" err="1"/>
+              <a:t>답변을</a:t>
+            </a:r>
+            <a:r>
+              <a:rPr dirty="0"/>
+              <a:t> </a:t>
+            </a:r>
+            <a:r>
+              <a:rPr dirty="0" err="1"/>
+              <a:t>의도에</a:t>
+            </a:r>
+            <a:r>
+              <a:rPr dirty="0"/>
+              <a:t> </a:t>
+            </a:r>
+            <a:r>
+              <a:rPr dirty="0" err="1"/>
+              <a:t>맞게</a:t>
+            </a:r>
+            <a:r>
+              <a:rPr dirty="0"/>
+              <a:t> </a:t>
+            </a:r>
+            <a:r>
+              <a:rPr dirty="0" err="1"/>
+              <a:t>표시</a:t>
+            </a:r>
+            <a:endParaRPr dirty="0"/>
           </a:p>
         </p:txBody>
       </p:sp>
@@ -5276,7 +6778,7 @@
           </a:ln>
           <a:extLst>
             <a:ext uri="{C572A759-6A51-4108-AA02-DFA0A04FC94B}">
-              <ma14:wrappingTextBoxFlag xmlns:ma14="http://schemas.microsoft.com/office/mac/drawingml/2011/main" val="1"/>
+              <ma14:wrappingTextBoxFlag xmlns:ma14="http://schemas.microsoft.com/office/mac/drawingml/2011/main" xmlns:a14="http://schemas.microsoft.com/office/drawing/2010/main" xmlns:m="http://schemas.openxmlformats.org/officeDocument/2006/math" xmlns="" val="1"/>
             </a:ext>
           </a:extLst>
         </p:spPr>
@@ -5303,8 +6805,78 @@
               </a:defRPr>
             </a:pPr>
             <a:r>
-              <a:t>ETL 파이프라인이 Redshift에서 CUR 데이터를 추출, 정규화, 집계 후 Parquet으로 저장</a:t>
-            </a:r>
+              <a:rPr dirty="0"/>
+              <a:t>ETL </a:t>
+            </a:r>
+            <a:r>
+              <a:rPr dirty="0" err="1"/>
+              <a:t>파이프라인이</a:t>
+            </a:r>
+            <a:r>
+              <a:rPr dirty="0"/>
+              <a:t> </a:t>
+            </a:r>
+            <a:r>
+              <a:rPr dirty="0" err="1"/>
+              <a:t>Redshift에서</a:t>
+            </a:r>
+            <a:r>
+              <a:rPr dirty="0"/>
+              <a:t> CUR </a:t>
+            </a:r>
+            <a:r>
+              <a:rPr dirty="0" err="1"/>
+              <a:t>데이터를</a:t>
+            </a:r>
+            <a:r>
+              <a:rPr dirty="0"/>
+              <a:t> </a:t>
+            </a:r>
+            <a:r>
+              <a:rPr dirty="0" err="1"/>
+              <a:t>추출</a:t>
+            </a:r>
+            <a:r>
+              <a:rPr dirty="0"/>
+              <a:t>, </a:t>
+            </a:r>
+            <a:r>
+              <a:rPr dirty="0" err="1"/>
+              <a:t>정규화</a:t>
+            </a:r>
+            <a:r>
+              <a:rPr dirty="0"/>
+              <a:t>, </a:t>
+            </a:r>
+            <a:r>
+              <a:rPr dirty="0" err="1"/>
+              <a:t>집계</a:t>
+            </a:r>
+            <a:r>
+              <a:rPr dirty="0"/>
+              <a:t> </a:t>
+            </a:r>
+            <a:r>
+              <a:rPr dirty="0" err="1"/>
+              <a:t>후</a:t>
+            </a:r>
+            <a:r>
+              <a:rPr dirty="0"/>
+              <a:t> </a:t>
+            </a:r>
+            <a:r>
+              <a:rPr dirty="0" err="1"/>
+              <a:t>Parquet으로</a:t>
+            </a:r>
+            <a:r>
+              <a:rPr dirty="0"/>
+              <a:t> </a:t>
+            </a:r>
+            <a:r>
+              <a:rPr dirty="0" err="1"/>
+              <a:t>저장</a:t>
+            </a:r>
+            <a:endParaRPr dirty="0"/>
           </a:p>
           <a:p>
             <a:pPr marL="266700" indent="-266700" defTabSz="457200">
@@ -5324,8 +6896,70 @@
               </a:defRPr>
             </a:pPr>
             <a:r>
-              <a:t>SageMaker 공식 문서를 수집, 청킹, 임베딩하여 Chorma DB에 저장</a:t>
-            </a:r>
+              <a:rPr dirty="0"/>
+              <a:t>SageMaker </a:t>
+            </a:r>
+            <a:r>
+              <a:rPr dirty="0" err="1"/>
+              <a:t>공식</a:t>
+            </a:r>
+            <a:r>
+              <a:rPr dirty="0"/>
+              <a:t> </a:t>
+            </a:r>
+            <a:r>
+              <a:rPr dirty="0" err="1"/>
+              <a:t>문서를</a:t>
+            </a:r>
+            <a:r>
+              <a:rPr dirty="0"/>
+              <a:t> </a:t>
+            </a:r>
+            <a:r>
+              <a:rPr dirty="0" err="1"/>
+              <a:t>수집</a:t>
+            </a:r>
+            <a:r>
+              <a:rPr dirty="0"/>
+              <a:t>, </a:t>
+            </a:r>
+            <a:r>
+              <a:rPr dirty="0" err="1"/>
+              <a:t>청킹</a:t>
+            </a:r>
+            <a:r>
+              <a:rPr dirty="0"/>
+              <a:t>, </a:t>
+            </a:r>
+            <a:r>
+              <a:rPr dirty="0" err="1"/>
+              <a:t>임베딩하여</a:t>
+            </a:r>
+            <a:r>
+              <a:rPr dirty="0"/>
+              <a:t> </a:t>
+            </a:r>
+            <a:r>
+              <a:rPr dirty="0" err="1"/>
+              <a:t>Chorma</a:t>
+            </a:r>
+            <a:r>
+              <a:rPr dirty="0"/>
+              <a:t> </a:t>
+            </a:r>
+            <a:r>
+              <a:rPr dirty="0" err="1"/>
+              <a:t>DB에</a:t>
+            </a:r>
+            <a:r>
+              <a:rPr dirty="0"/>
+              <a:t> </a:t>
+            </a:r>
+            <a:r>
+              <a:rPr dirty="0" err="1"/>
+              <a:t>저장</a:t>
+            </a:r>
+            <a:endParaRPr dirty="0"/>
           </a:p>
         </p:txBody>
       </p:sp>
@@ -5348,7 +6982,7 @@
           </a:ln>
           <a:extLst>
             <a:ext uri="{C572A759-6A51-4108-AA02-DFA0A04FC94B}">
-              <ma14:wrappingTextBoxFlag xmlns:ma14="http://schemas.microsoft.com/office/mac/drawingml/2011/main" val="1"/>
+              <ma14:wrappingTextBoxFlag xmlns:ma14="http://schemas.microsoft.com/office/mac/drawingml/2011/main" xmlns:a14="http://schemas.microsoft.com/office/drawing/2010/main" xmlns:m="http://schemas.openxmlformats.org/officeDocument/2006/math" xmlns="" val="1"/>
             </a:ext>
           </a:extLst>
         </p:spPr>
@@ -5364,7 +6998,7 @@
               <a:spcBef>
                 <a:spcPts val="1200"/>
               </a:spcBef>
-              <a:defRPr b="1" sz="2200">
+              <a:defRPr sz="2200" b="1">
                 <a:latin typeface="나눔고딕"/>
                 <a:ea typeface="나눔고딕"/>
                 <a:cs typeface="나눔고딕"/>
@@ -5373,8 +7007,8 @@
             </a:lvl1pPr>
           </a:lstStyle>
           <a:p>
-            <a:pPr/>
-            <a:r>
+            <a:r>
+              <a:rPr dirty="0"/>
               <a:t>Agent</a:t>
             </a:r>
           </a:p>
@@ -5388,8 +7022,8 @@
         </p:nvSpPr>
         <p:spPr>
           <a:xfrm>
-            <a:off x="511691" y="7807404"/>
-            <a:ext cx="6234558" cy="419101"/>
+            <a:off x="511691" y="7796382"/>
+            <a:ext cx="718145" cy="441146"/>
           </a:xfrm>
           <a:prstGeom prst="rect">
             <a:avLst/>
@@ -5399,7 +7033,7 @@
           </a:ln>
           <a:extLst>
             <a:ext uri="{C572A759-6A51-4108-AA02-DFA0A04FC94B}">
-              <ma14:wrappingTextBoxFlag xmlns:ma14="http://schemas.microsoft.com/office/mac/drawingml/2011/main" val="1"/>
+              <ma14:wrappingTextBoxFlag xmlns:ma14="http://schemas.microsoft.com/office/mac/drawingml/2011/main" xmlns:a14="http://schemas.microsoft.com/office/drawing/2010/main" xmlns:m="http://schemas.openxmlformats.org/officeDocument/2006/math" xmlns="" val="1"/>
             </a:ext>
           </a:extLst>
         </p:spPr>
@@ -5415,7 +7049,7 @@
               <a:spcBef>
                 <a:spcPts val="1200"/>
               </a:spcBef>
-              <a:defRPr b="1" sz="2200">
+              <a:defRPr sz="2200" b="1">
                 <a:latin typeface="나눔고딕"/>
                 <a:ea typeface="나눔고딕"/>
                 <a:cs typeface="나눔고딕"/>
@@ -5424,9 +7058,9 @@
             </a:lvl1pPr>
           </a:lstStyle>
           <a:p>
-            <a:pPr/>
-            <a:r>
-              <a:t>Data (ETL: Extract &amp; Transform &amp; Load Pipeline)</a:t>
+            <a:r>
+              <a:rPr dirty="0"/>
+              <a:t>Data</a:t>
             </a:r>
           </a:p>
         </p:txBody>
@@ -5450,7 +7084,7 @@
           </a:ln>
           <a:extLst>
             <a:ext uri="{C572A759-6A51-4108-AA02-DFA0A04FC94B}">
-              <ma14:wrappingTextBoxFlag xmlns:ma14="http://schemas.microsoft.com/office/mac/drawingml/2011/main" val="1"/>
+              <ma14:wrappingTextBoxFlag xmlns:ma14="http://schemas.microsoft.com/office/mac/drawingml/2011/main" xmlns:a14="http://schemas.microsoft.com/office/drawing/2010/main" xmlns:m="http://schemas.openxmlformats.org/officeDocument/2006/math" xmlns="" val="1"/>
             </a:ext>
           </a:extLst>
         </p:spPr>
@@ -5466,7 +7100,7 @@
               <a:spcBef>
                 <a:spcPts val="1200"/>
               </a:spcBef>
-              <a:defRPr b="1" sz="2200">
+              <a:defRPr sz="2200" b="1">
                 <a:latin typeface="나눔고딕"/>
                 <a:ea typeface="나눔고딕"/>
                 <a:cs typeface="나눔고딕"/>
@@ -5475,8 +7109,8 @@
             </a:lvl1pPr>
           </a:lstStyle>
           <a:p>
-            <a:pPr/>
-            <a:r>
+            <a:r>
+              <a:rPr dirty="0"/>
               <a:t>UI</a:t>
             </a:r>
           </a:p>
@@ -5487,12 +7121,12 @@
   <p:clrMapOvr>
     <a:masterClrMapping/>
   </p:clrMapOvr>
-  <p:transition xmlns:p14="http://schemas.microsoft.com/office/powerpoint/2010/main" spd="med" advClick="1"/>
+  <p:transition spd="med"/>
 </p:sld>
 </file>
 
 <file path=ppt/slides/slide4.xml><?xml version="1.0" encoding="utf-8"?>
-<p:sld xmlns:a="http://schemas.openxmlformats.org/drawingml/2006/main" xmlns:r="http://schemas.openxmlformats.org/officeDocument/2006/relationships" xmlns:p="http://schemas.openxmlformats.org/presentationml/2006/main" xmlns:m="http://schemas.openxmlformats.org/officeDocument/2006/math" xmlns:a14="http://schemas.microsoft.com/office/drawing/2010/main" showMasterSp="1" showMasterPhAnim="1">
+<p:sld xmlns:a="http://schemas.openxmlformats.org/drawingml/2006/main" xmlns:r="http://schemas.openxmlformats.org/officeDocument/2006/relationships" xmlns:p="http://schemas.openxmlformats.org/presentationml/2006/main">
   <p:cSld>
     <p:spTree>
       <p:nvGrpSpPr>
@@ -5527,7 +7161,7 @@
           </a:ln>
           <a:extLst>
             <a:ext uri="{C572A759-6A51-4108-AA02-DFA0A04FC94B}">
-              <ma14:wrappingTextBoxFlag xmlns:ma14="http://schemas.microsoft.com/office/mac/drawingml/2011/main" val="1"/>
+              <ma14:wrappingTextBoxFlag xmlns:ma14="http://schemas.microsoft.com/office/mac/drawingml/2011/main" xmlns:a14="http://schemas.microsoft.com/office/drawing/2010/main" xmlns:m="http://schemas.openxmlformats.org/officeDocument/2006/math" xmlns="" val="1"/>
             </a:ext>
           </a:extLst>
         </p:spPr>
@@ -5543,7 +7177,7 @@
               <a:spcBef>
                 <a:spcPts val="1200"/>
               </a:spcBef>
-              <a:defRPr b="1" sz="3200">
+              <a:defRPr sz="3200" b="1">
                 <a:latin typeface="나눔고딕"/>
                 <a:ea typeface="나눔고딕"/>
                 <a:cs typeface="나눔고딕"/>
@@ -5552,10 +7186,19 @@
             </a:lvl1pPr>
           </a:lstStyle>
           <a:p>
-            <a:pPr/>
-            <a:r>
-              <a:t>핵심 기술</a:t>
-            </a:r>
+            <a:r>
+              <a:rPr dirty="0" err="1"/>
+              <a:t>핵심</a:t>
+            </a:r>
+            <a:r>
+              <a:rPr dirty="0"/>
+              <a:t> </a:t>
+            </a:r>
+            <a:r>
+              <a:rPr dirty="0" err="1"/>
+              <a:t>기술</a:t>
+            </a:r>
+            <a:endParaRPr dirty="0"/>
           </a:p>
         </p:txBody>
       </p:sp>
@@ -5578,7 +7221,7 @@
           </a:ln>
           <a:extLst>
             <a:ext uri="{C572A759-6A51-4108-AA02-DFA0A04FC94B}">
-              <ma14:wrappingTextBoxFlag xmlns:ma14="http://schemas.microsoft.com/office/mac/drawingml/2011/main" val="1"/>
+              <ma14:wrappingTextBoxFlag xmlns:ma14="http://schemas.microsoft.com/office/mac/drawingml/2011/main" xmlns:a14="http://schemas.microsoft.com/office/drawing/2010/main" xmlns:m="http://schemas.openxmlformats.org/officeDocument/2006/math" xmlns="" val="1"/>
             </a:ext>
           </a:extLst>
         </p:spPr>
@@ -5603,8 +7246,50 @@
               </a:defRPr>
             </a:pPr>
             <a:r>
-              <a:t>LangGraph를 이용해 상태 기반 워크플로우로 구성</a:t>
-            </a:r>
+              <a:rPr dirty="0" err="1"/>
+              <a:t>LangGraph를</a:t>
+            </a:r>
+            <a:r>
+              <a:rPr dirty="0"/>
+              <a:t> </a:t>
+            </a:r>
+            <a:r>
+              <a:rPr dirty="0" err="1"/>
+              <a:t>이용해</a:t>
+            </a:r>
+            <a:r>
+              <a:rPr dirty="0"/>
+              <a:t> </a:t>
+            </a:r>
+            <a:r>
+              <a:rPr dirty="0" err="1"/>
+              <a:t>상태</a:t>
+            </a:r>
+            <a:r>
+              <a:rPr dirty="0"/>
+              <a:t> </a:t>
+            </a:r>
+            <a:r>
+              <a:rPr dirty="0" err="1"/>
+              <a:t>기반</a:t>
+            </a:r>
+            <a:r>
+              <a:rPr dirty="0"/>
+              <a:t> </a:t>
+            </a:r>
+            <a:r>
+              <a:rPr dirty="0" err="1"/>
+              <a:t>워크플로우로</a:t>
+            </a:r>
+            <a:r>
+              <a:rPr dirty="0"/>
+              <a:t> </a:t>
+            </a:r>
+            <a:r>
+              <a:rPr dirty="0" err="1"/>
+              <a:t>구성</a:t>
+            </a:r>
+            <a:endParaRPr dirty="0"/>
           </a:p>
           <a:p>
             <a:pPr defTabSz="457200">
@@ -5622,7 +7307,52 @@
               </a:defRPr>
             </a:pPr>
             <a:r>
-              <a:t>Router는 prepare, route, dispatch 단계로 단순하고 명확하게 동작하도록 설계 </a:t>
+              <a:rPr dirty="0" err="1"/>
+              <a:t>Router는</a:t>
+            </a:r>
+            <a:r>
+              <a:rPr dirty="0"/>
+              <a:t> prepare, route, dispatch </a:t>
+            </a:r>
+            <a:r>
+              <a:rPr dirty="0" err="1"/>
+              <a:t>단계로</a:t>
+            </a:r>
+            <a:r>
+              <a:rPr dirty="0"/>
+              <a:t> </a:t>
+            </a:r>
+            <a:r>
+              <a:rPr dirty="0" err="1"/>
+              <a:t>단순하고</a:t>
+            </a:r>
+            <a:r>
+              <a:rPr dirty="0"/>
+              <a:t> </a:t>
+            </a:r>
+            <a:r>
+              <a:rPr dirty="0" err="1"/>
+              <a:t>명확하게</a:t>
+            </a:r>
+            <a:r>
+              <a:rPr dirty="0"/>
+              <a:t> </a:t>
+            </a:r>
+            <a:r>
+              <a:rPr dirty="0" err="1"/>
+              <a:t>동작하도록</a:t>
+            </a:r>
+            <a:r>
+              <a:rPr dirty="0"/>
+              <a:t> </a:t>
+            </a:r>
+            <a:r>
+              <a:rPr dirty="0" err="1"/>
+              <a:t>설계</a:t>
+            </a:r>
+            <a:r>
+              <a:rPr dirty="0"/>
+              <a:t> </a:t>
             </a:r>
           </a:p>
           <a:p>
@@ -5641,11 +7371,45 @@
               </a:defRPr>
             </a:pPr>
             <a:r>
-              <a:t>각 에이전트는 독립된 모듈로 설계</a:t>
-            </a:r>
-          </a:p>
-          <a:p>
-            <a:pPr lvl="1" marL="876300" indent="-266700" defTabSz="457200">
+              <a:rPr dirty="0" err="1"/>
+              <a:t>각</a:t>
+            </a:r>
+            <a:r>
+              <a:rPr dirty="0"/>
+              <a:t> </a:t>
+            </a:r>
+            <a:r>
+              <a:rPr dirty="0" err="1"/>
+              <a:t>에이전트는</a:t>
+            </a:r>
+            <a:r>
+              <a:rPr dirty="0"/>
+              <a:t> </a:t>
+            </a:r>
+            <a:r>
+              <a:rPr dirty="0" err="1"/>
+              <a:t>독립된</a:t>
+            </a:r>
+            <a:r>
+              <a:rPr dirty="0"/>
+              <a:t> </a:t>
+            </a:r>
+            <a:r>
+              <a:rPr dirty="0" err="1"/>
+              <a:t>모듈로</a:t>
+            </a:r>
+            <a:r>
+              <a:rPr dirty="0"/>
+              <a:t> </a:t>
+            </a:r>
+            <a:r>
+              <a:rPr dirty="0" err="1"/>
+              <a:t>설계</a:t>
+            </a:r>
+            <a:endParaRPr dirty="0"/>
+          </a:p>
+          <a:p>
+            <a:pPr marL="876300" lvl="1" indent="-266700" defTabSz="457200">
               <a:lnSpc>
                 <a:spcPct val="100000"/>
               </a:lnSpc>
@@ -5662,11 +7426,41 @@
               </a:defRPr>
             </a:pPr>
             <a:r>
-              <a:t>SQL Agent는 NL2SQL과 실행기, 요약기를 포함</a:t>
-            </a:r>
-          </a:p>
-          <a:p>
-            <a:pPr lvl="1" marL="876300" indent="-266700" defTabSz="457200">
+              <a:rPr dirty="0"/>
+              <a:t>SQL </a:t>
+            </a:r>
+            <a:r>
+              <a:rPr dirty="0" err="1"/>
+              <a:t>Agent는</a:t>
+            </a:r>
+            <a:r>
+              <a:rPr dirty="0"/>
+              <a:t> NL2SQL과 </a:t>
+            </a:r>
+            <a:r>
+              <a:rPr dirty="0" err="1"/>
+              <a:t>실행기</a:t>
+            </a:r>
+            <a:r>
+              <a:rPr dirty="0"/>
+              <a:t>, </a:t>
+            </a:r>
+            <a:r>
+              <a:rPr dirty="0" err="1"/>
+              <a:t>요약기를</a:t>
+            </a:r>
+            <a:r>
+              <a:rPr dirty="0"/>
+              <a:t> </a:t>
+            </a:r>
+            <a:r>
+              <a:rPr dirty="0" err="1"/>
+              <a:t>포함</a:t>
+            </a:r>
+            <a:endParaRPr dirty="0"/>
+          </a:p>
+          <a:p>
+            <a:pPr marL="876300" lvl="1" indent="-266700" defTabSz="457200">
               <a:lnSpc>
                 <a:spcPct val="100000"/>
               </a:lnSpc>
@@ -5683,8 +7477,30 @@
               </a:defRPr>
             </a:pPr>
             <a:r>
-              <a:t>Docs Agent는 retriever, ingest, RAG 그래프를 포함</a:t>
-            </a:r>
+              <a:rPr dirty="0"/>
+              <a:t>Docs </a:t>
+            </a:r>
+            <a:r>
+              <a:rPr dirty="0" err="1"/>
+              <a:t>Agent는</a:t>
+            </a:r>
+            <a:r>
+              <a:rPr dirty="0"/>
+              <a:t> retriever, ingest, RAG </a:t>
+            </a:r>
+            <a:r>
+              <a:rPr dirty="0" err="1"/>
+              <a:t>그래프를</a:t>
+            </a:r>
+            <a:r>
+              <a:rPr dirty="0"/>
+              <a:t> </a:t>
+            </a:r>
+            <a:r>
+              <a:rPr dirty="0" err="1"/>
+              <a:t>포함</a:t>
+            </a:r>
+            <a:endParaRPr dirty="0"/>
           </a:p>
         </p:txBody>
       </p:sp>
@@ -5696,8 +7512,8 @@
         </p:nvSpPr>
         <p:spPr>
           <a:xfrm>
-            <a:off x="410091" y="8943978"/>
-            <a:ext cx="7791527" cy="1778001"/>
+            <a:off x="410091" y="8904519"/>
+            <a:ext cx="6769482" cy="1856919"/>
           </a:xfrm>
           <a:prstGeom prst="rect">
             <a:avLst/>
@@ -5707,7 +7523,7 @@
           </a:ln>
           <a:extLst>
             <a:ext uri="{C572A759-6A51-4108-AA02-DFA0A04FC94B}">
-              <ma14:wrappingTextBoxFlag xmlns:ma14="http://schemas.microsoft.com/office/mac/drawingml/2011/main" val="1"/>
+              <ma14:wrappingTextBoxFlag xmlns:ma14="http://schemas.microsoft.com/office/mac/drawingml/2011/main" xmlns:a14="http://schemas.microsoft.com/office/drawing/2010/main" xmlns:m="http://schemas.openxmlformats.org/officeDocument/2006/math" xmlns="" val="1"/>
             </a:ext>
           </a:extLst>
         </p:spPr>
@@ -5732,8 +7548,58 @@
               </a:defRPr>
             </a:pPr>
             <a:r>
-              <a:t>문서를 HTML 분할 후 청킹하여 의미 단위로 임베딩</a:t>
-            </a:r>
+              <a:rPr dirty="0" err="1"/>
+              <a:t>문서를</a:t>
+            </a:r>
+            <a:r>
+              <a:rPr dirty="0"/>
+              <a:t> HTML </a:t>
+            </a:r>
+            <a:r>
+              <a:rPr dirty="0" err="1"/>
+              <a:t>분할</a:t>
+            </a:r>
+            <a:r>
+              <a:rPr dirty="0"/>
+              <a:t> </a:t>
+            </a:r>
+            <a:r>
+              <a:rPr dirty="0" err="1"/>
+              <a:t>후</a:t>
+            </a:r>
+            <a:r>
+              <a:rPr dirty="0"/>
+              <a:t> </a:t>
+            </a:r>
+            <a:r>
+              <a:rPr dirty="0" err="1"/>
+              <a:t>청킹하여</a:t>
+            </a:r>
+            <a:r>
+              <a:rPr dirty="0"/>
+              <a:t> </a:t>
+            </a:r>
+            <a:r>
+              <a:rPr dirty="0" err="1"/>
+              <a:t>의미</a:t>
+            </a:r>
+            <a:r>
+              <a:rPr dirty="0"/>
+              <a:t> </a:t>
+            </a:r>
+            <a:r>
+              <a:rPr dirty="0" err="1"/>
+              <a:t>단위로</a:t>
+            </a:r>
+            <a:r>
+              <a:rPr dirty="0"/>
+              <a:t> </a:t>
+            </a:r>
+            <a:r>
+              <a:rPr dirty="0" err="1"/>
+              <a:t>임베딩</a:t>
+            </a:r>
+            <a:endParaRPr dirty="0"/>
           </a:p>
           <a:p>
             <a:pPr defTabSz="457200">
@@ -5751,7 +7617,40 @@
               </a:defRPr>
             </a:pPr>
             <a:r>
-              <a:t>OpenAI 임베딩과 Chroma를 사용해 검색한다. </a:t>
+              <a:rPr dirty="0"/>
+              <a:t>OpenAI </a:t>
+            </a:r>
+            <a:r>
+              <a:rPr dirty="0" err="1"/>
+              <a:t>임베딩과</a:t>
+            </a:r>
+            <a:r>
+              <a:rPr dirty="0"/>
+              <a:t> </a:t>
+            </a:r>
+            <a:r>
+              <a:rPr dirty="0" err="1"/>
+              <a:t>Chroma를</a:t>
+            </a:r>
+            <a:r>
+              <a:rPr dirty="0"/>
+              <a:t> </a:t>
+            </a:r>
+            <a:r>
+              <a:rPr dirty="0" err="1"/>
+              <a:t>사용해</a:t>
+            </a:r>
+            <a:r>
+              <a:rPr dirty="0"/>
+              <a:t> </a:t>
+            </a:r>
+            <a:r>
+              <a:rPr dirty="0" err="1"/>
+              <a:t>검색한다</a:t>
+            </a:r>
+            <a:r>
+              <a:rPr dirty="0"/>
+              <a:t>. </a:t>
             </a:r>
           </a:p>
           <a:p>
@@ -5770,8 +7669,82 @@
               </a:defRPr>
             </a:pPr>
             <a:r>
-              <a:t>검색 시 중복 제거, 유사도 임계값, 재순위화 등을 적용해 정확도 향상</a:t>
-            </a:r>
+              <a:rPr dirty="0" err="1"/>
+              <a:t>검색</a:t>
+            </a:r>
+            <a:r>
+              <a:rPr dirty="0"/>
+              <a:t> </a:t>
+            </a:r>
+            <a:r>
+              <a:rPr dirty="0" err="1"/>
+              <a:t>시</a:t>
+            </a:r>
+            <a:r>
+              <a:rPr dirty="0"/>
+              <a:t> </a:t>
+            </a:r>
+            <a:r>
+              <a:rPr dirty="0" err="1"/>
+              <a:t>중복</a:t>
+            </a:r>
+            <a:r>
+              <a:rPr dirty="0"/>
+              <a:t> </a:t>
+            </a:r>
+            <a:r>
+              <a:rPr dirty="0" err="1"/>
+              <a:t>제거</a:t>
+            </a:r>
+            <a:r>
+              <a:rPr dirty="0"/>
+              <a:t>, </a:t>
+            </a:r>
+            <a:r>
+              <a:rPr dirty="0" err="1"/>
+              <a:t>유사도</a:t>
+            </a:r>
+            <a:r>
+              <a:rPr dirty="0"/>
+              <a:t> </a:t>
+            </a:r>
+            <a:r>
+              <a:rPr dirty="0" err="1"/>
+              <a:t>임계값</a:t>
+            </a:r>
+            <a:r>
+              <a:rPr lang="ko-KR" altLang="en-US" dirty="0"/>
+              <a:t> </a:t>
+            </a:r>
+            <a:r>
+              <a:rPr dirty="0" err="1"/>
+              <a:t>등을</a:t>
+            </a:r>
+            <a:r>
+              <a:rPr dirty="0"/>
+              <a:t> </a:t>
+            </a:r>
+            <a:r>
+              <a:rPr dirty="0" err="1"/>
+              <a:t>적용해</a:t>
+            </a:r>
+            <a:r>
+              <a:rPr dirty="0"/>
+              <a:t> </a:t>
+            </a:r>
+            <a:r>
+              <a:rPr dirty="0" err="1"/>
+              <a:t>정확도</a:t>
+            </a:r>
+            <a:r>
+              <a:rPr dirty="0"/>
+              <a:t> </a:t>
+            </a:r>
+            <a:r>
+              <a:rPr dirty="0" err="1"/>
+              <a:t>향상</a:t>
+            </a:r>
+            <a:endParaRPr dirty="0"/>
           </a:p>
           <a:p>
             <a:pPr defTabSz="457200">
@@ -5789,8 +7762,50 @@
               </a:defRPr>
             </a:pPr>
             <a:r>
-              <a:t>응답에는 항상 출처와 근거를 포함하도록 설계</a:t>
-            </a:r>
+              <a:rPr dirty="0" err="1"/>
+              <a:t>응답에는</a:t>
+            </a:r>
+            <a:r>
+              <a:rPr dirty="0"/>
+              <a:t> </a:t>
+            </a:r>
+            <a:r>
+              <a:rPr dirty="0" err="1"/>
+              <a:t>항상</a:t>
+            </a:r>
+            <a:r>
+              <a:rPr dirty="0"/>
+              <a:t> </a:t>
+            </a:r>
+            <a:r>
+              <a:rPr dirty="0" err="1"/>
+              <a:t>출처와</a:t>
+            </a:r>
+            <a:r>
+              <a:rPr dirty="0"/>
+              <a:t> </a:t>
+            </a:r>
+            <a:r>
+              <a:rPr dirty="0" err="1"/>
+              <a:t>근거를</a:t>
+            </a:r>
+            <a:r>
+              <a:rPr dirty="0"/>
+              <a:t> </a:t>
+            </a:r>
+            <a:r>
+              <a:rPr dirty="0" err="1"/>
+              <a:t>포함하도록</a:t>
+            </a:r>
+            <a:r>
+              <a:rPr dirty="0"/>
+              <a:t> </a:t>
+            </a:r>
+            <a:r>
+              <a:rPr dirty="0" err="1"/>
+              <a:t>설계</a:t>
+            </a:r>
+            <a:endParaRPr dirty="0"/>
           </a:p>
         </p:txBody>
       </p:sp>
@@ -5813,7 +7828,7 @@
           </a:ln>
           <a:extLst>
             <a:ext uri="{C572A759-6A51-4108-AA02-DFA0A04FC94B}">
-              <ma14:wrappingTextBoxFlag xmlns:ma14="http://schemas.microsoft.com/office/mac/drawingml/2011/main" val="1"/>
+              <ma14:wrappingTextBoxFlag xmlns:ma14="http://schemas.microsoft.com/office/mac/drawingml/2011/main" xmlns:a14="http://schemas.microsoft.com/office/drawing/2010/main" xmlns:m="http://schemas.openxmlformats.org/officeDocument/2006/math" xmlns="" val="1"/>
             </a:ext>
           </a:extLst>
         </p:spPr>
@@ -5829,7 +7844,7 @@
               <a:spcBef>
                 <a:spcPts val="1200"/>
               </a:spcBef>
-              <a:defRPr b="1" sz="2700">
+              <a:defRPr sz="2700" b="1">
                 <a:latin typeface="나눔고딕"/>
                 <a:ea typeface="나눔고딕"/>
                 <a:cs typeface="나눔고딕"/>
@@ -5838,10 +7853,15 @@
             </a:lvl1pPr>
           </a:lstStyle>
           <a:p>
-            <a:pPr/>
-            <a:r>
-              <a:t>Agent 설계</a:t>
-            </a:r>
+            <a:r>
+              <a:rPr dirty="0"/>
+              <a:t>Agent </a:t>
+            </a:r>
+            <a:r>
+              <a:rPr dirty="0" err="1"/>
+              <a:t>설계</a:t>
+            </a:r>
+            <a:endParaRPr dirty="0"/>
           </a:p>
         </p:txBody>
       </p:sp>
@@ -5864,7 +7884,7 @@
           </a:ln>
           <a:extLst>
             <a:ext uri="{C572A759-6A51-4108-AA02-DFA0A04FC94B}">
-              <ma14:wrappingTextBoxFlag xmlns:ma14="http://schemas.microsoft.com/office/mac/drawingml/2011/main" val="1"/>
+              <ma14:wrappingTextBoxFlag xmlns:ma14="http://schemas.microsoft.com/office/mac/drawingml/2011/main" xmlns:a14="http://schemas.microsoft.com/office/drawing/2010/main" xmlns:m="http://schemas.openxmlformats.org/officeDocument/2006/math" xmlns="" val="1"/>
             </a:ext>
           </a:extLst>
         </p:spPr>
@@ -5880,7 +7900,7 @@
               <a:spcBef>
                 <a:spcPts val="1200"/>
               </a:spcBef>
-              <a:defRPr b="1" sz="2700">
+              <a:defRPr sz="2700" b="1">
                 <a:latin typeface="나눔고딕"/>
                 <a:ea typeface="나눔고딕"/>
                 <a:cs typeface="나눔고딕"/>
@@ -5889,10 +7909,15 @@
             </a:lvl1pPr>
           </a:lstStyle>
           <a:p>
-            <a:pPr/>
-            <a:r>
-              <a:t>Rag 최적화</a:t>
-            </a:r>
+            <a:r>
+              <a:rPr dirty="0"/>
+              <a:t>Rag </a:t>
+            </a:r>
+            <a:r>
+              <a:rPr dirty="0" err="1"/>
+              <a:t>최적화</a:t>
+            </a:r>
+            <a:endParaRPr dirty="0"/>
           </a:p>
         </p:txBody>
       </p:sp>
@@ -5905,9 +7930,7 @@
           <p:nvPr/>
         </p:nvPicPr>
         <p:blipFill>
-          <a:blip r:embed="rId2">
-            <a:extLst/>
-          </a:blip>
+          <a:blip r:embed="rId2"/>
           <a:stretch>
             <a:fillRect/>
           </a:stretch>
@@ -5934,9 +7957,7 @@
           <p:nvPr/>
         </p:nvPicPr>
         <p:blipFill>
-          <a:blip r:embed="rId3">
-            <a:extLst/>
-          </a:blip>
+          <a:blip r:embed="rId3"/>
           <a:stretch>
             <a:fillRect/>
           </a:stretch>
@@ -5963,9 +7984,7 @@
           <p:nvPr/>
         </p:nvPicPr>
         <p:blipFill>
-          <a:blip r:embed="rId4">
-            <a:extLst/>
-          </a:blip>
+          <a:blip r:embed="rId4"/>
           <a:stretch>
             <a:fillRect/>
           </a:stretch>
@@ -6002,7 +8021,7 @@
           </a:ln>
           <a:extLst>
             <a:ext uri="{C572A759-6A51-4108-AA02-DFA0A04FC94B}">
-              <ma14:wrappingTextBoxFlag xmlns:ma14="http://schemas.microsoft.com/office/mac/drawingml/2011/main" val="1"/>
+              <ma14:wrappingTextBoxFlag xmlns:ma14="http://schemas.microsoft.com/office/mac/drawingml/2011/main" xmlns:a14="http://schemas.microsoft.com/office/drawing/2010/main" xmlns:m="http://schemas.openxmlformats.org/officeDocument/2006/math" xmlns="" val="1"/>
             </a:ext>
           </a:extLst>
         </p:spPr>
@@ -6019,7 +8038,7 @@
               <a:spcBef>
                 <a:spcPts val="1200"/>
               </a:spcBef>
-              <a:defRPr b="1" sz="2100">
+              <a:defRPr sz="2100" b="1">
                 <a:latin typeface="나눔고딕"/>
                 <a:ea typeface="나눔고딕"/>
                 <a:cs typeface="나눔고딕"/>
@@ -6097,8 +8116,8 @@
         </p:nvSpPr>
         <p:spPr>
           <a:xfrm>
-            <a:off x="543849" y="11068108"/>
-            <a:ext cx="6808204" cy="863601"/>
+            <a:off x="410091" y="11099438"/>
+            <a:ext cx="6867265" cy="1379865"/>
           </a:xfrm>
           <a:prstGeom prst="rect">
             <a:avLst/>
@@ -6108,7 +8127,7 @@
           </a:ln>
           <a:extLst>
             <a:ext uri="{C572A759-6A51-4108-AA02-DFA0A04FC94B}">
-              <ma14:wrappingTextBoxFlag xmlns:ma14="http://schemas.microsoft.com/office/mac/drawingml/2011/main" val="1"/>
+              <ma14:wrappingTextBoxFlag xmlns:ma14="http://schemas.microsoft.com/office/mac/drawingml/2011/main" xmlns:a14="http://schemas.microsoft.com/office/drawing/2010/main" xmlns:m="http://schemas.openxmlformats.org/officeDocument/2006/math" xmlns="" val="1"/>
             </a:ext>
           </a:extLst>
         </p:spPr>
@@ -6125,7 +8144,7 @@
               <a:spcBef>
                 <a:spcPts val="1200"/>
               </a:spcBef>
-              <a:defRPr b="1" sz="2100">
+              <a:defRPr sz="2100" b="1">
                 <a:latin typeface="나눔고딕"/>
                 <a:ea typeface="나눔고딕"/>
                 <a:cs typeface="나눔고딕"/>
@@ -6133,8 +8152,17 @@
               </a:defRPr>
             </a:pPr>
             <a:r>
-              <a:t>개선 포인트</a:t>
-            </a:r>
+              <a:rPr err="1"/>
+              <a:t>개선</a:t>
+            </a:r>
+            <a:r>
+              <a:t> </a:t>
+            </a:r>
+            <a:r>
+              <a:rPr err="1"/>
+              <a:t>포인트</a:t>
+            </a:r>
+            <a:endParaRPr/>
           </a:p>
           <a:p>
             <a:pPr defTabSz="457200">
@@ -6152,8 +8180,85 @@
               </a:defRPr>
             </a:pPr>
             <a:r>
-              <a:t>문서 임베딩 단계에서 Summary 생성하여 키워드 검색 구현</a:t>
-            </a:r>
+              <a:rPr err="1"/>
+              <a:t>문서</a:t>
+            </a:r>
+            <a:r>
+              <a:t> </a:t>
+            </a:r>
+            <a:r>
+              <a:rPr err="1"/>
+              <a:t>임베딩</a:t>
+            </a:r>
+            <a:r>
+              <a:t> </a:t>
+            </a:r>
+            <a:r>
+              <a:rPr err="1"/>
+              <a:t>단계에서</a:t>
+            </a:r>
+            <a:r>
+              <a:t> Summary </a:t>
+            </a:r>
+            <a:r>
+              <a:rPr err="1"/>
+              <a:t>생성하여</a:t>
+            </a:r>
+            <a:r>
+              <a:t> </a:t>
+            </a:r>
+            <a:r>
+              <a:rPr err="1"/>
+              <a:t>키워드</a:t>
+            </a:r>
+            <a:r>
+              <a:t> </a:t>
+            </a:r>
+            <a:r>
+              <a:rPr err="1"/>
+              <a:t>검색</a:t>
+            </a:r>
+            <a:r>
+              <a:t> </a:t>
+            </a:r>
+            <a:r>
+              <a:rPr err="1"/>
+              <a:t>구현</a:t>
+            </a:r>
+            <a:endParaRPr lang="en-US"/>
+          </a:p>
+          <a:p>
+            <a:pPr defTabSz="457200">
+              <a:lnSpc>
+                <a:spcPct val="100000"/>
+              </a:lnSpc>
+              <a:spcBef>
+                <a:spcPts val="1200"/>
+              </a:spcBef>
+              <a:defRPr sz="2100">
+                <a:latin typeface="나눔고딕"/>
+                <a:ea typeface="나눔고딕"/>
+                <a:cs typeface="나눔고딕"/>
+                <a:sym typeface="나눔고딕"/>
+              </a:defRPr>
+            </a:pPr>
+            <a:r>
+              <a:rPr lang="ko-KR" altLang="en-US" err="1"/>
+              <a:t>유사도정렬</a:t>
+            </a:r>
+            <a:r>
+              <a:rPr lang="ko-KR" altLang="en-US"/>
+              <a:t> 외 다른 </a:t>
+            </a:r>
+            <a:r>
+              <a:rPr lang="ko-KR" altLang="en-US" err="1"/>
+              <a:t>메트릭</a:t>
+            </a:r>
+            <a:r>
+              <a:rPr lang="ko-KR" altLang="en-US"/>
+              <a:t> 도입</a:t>
+            </a:r>
+            <a:endParaRPr lang="en-US"/>
           </a:p>
         </p:txBody>
       </p:sp>
@@ -6162,12 +8267,12 @@
   <p:clrMapOvr>
     <a:masterClrMapping/>
   </p:clrMapOvr>
-  <p:transition xmlns:p14="http://schemas.microsoft.com/office/powerpoint/2010/main" spd="med" advClick="1"/>
+  <p:transition spd="med"/>
 </p:sld>
 </file>
 
 <file path=ppt/slides/slide5.xml><?xml version="1.0" encoding="utf-8"?>
-<p:sld xmlns:a="http://schemas.openxmlformats.org/drawingml/2006/main" xmlns:r="http://schemas.openxmlformats.org/officeDocument/2006/relationships" xmlns:p="http://schemas.openxmlformats.org/presentationml/2006/main" xmlns:m="http://schemas.openxmlformats.org/officeDocument/2006/math" xmlns:a14="http://schemas.microsoft.com/office/drawing/2010/main" showMasterSp="1" showMasterPhAnim="1">
+<p:sld xmlns:a="http://schemas.openxmlformats.org/drawingml/2006/main" xmlns:r="http://schemas.openxmlformats.org/officeDocument/2006/relationships" xmlns:p="http://schemas.openxmlformats.org/presentationml/2006/main">
   <p:cSld>
     <p:spTree>
       <p:nvGrpSpPr>
@@ -6202,7 +8307,7 @@
           </a:ln>
           <a:extLst>
             <a:ext uri="{C572A759-6A51-4108-AA02-DFA0A04FC94B}">
-              <ma14:wrappingTextBoxFlag xmlns:ma14="http://schemas.microsoft.com/office/mac/drawingml/2011/main" val="1"/>
+              <ma14:wrappingTextBoxFlag xmlns:ma14="http://schemas.microsoft.com/office/mac/drawingml/2011/main" xmlns:a14="http://schemas.microsoft.com/office/drawing/2010/main" xmlns:m="http://schemas.openxmlformats.org/officeDocument/2006/math" xmlns="" val="1"/>
             </a:ext>
           </a:extLst>
         </p:spPr>
@@ -6218,7 +8323,7 @@
               <a:spcBef>
                 <a:spcPts val="1200"/>
               </a:spcBef>
-              <a:defRPr b="1" sz="3200">
+              <a:defRPr sz="3200" b="1">
                 <a:latin typeface="나눔고딕"/>
                 <a:ea typeface="나눔고딕"/>
                 <a:cs typeface="나눔고딕"/>
@@ -6227,7 +8332,6 @@
             </a:lvl1pPr>
           </a:lstStyle>
           <a:p>
-            <a:pPr/>
             <a:r>
               <a:t>Demo</a:t>
             </a:r>
@@ -6243,9 +8347,7 @@
           <p:nvPr/>
         </p:nvPicPr>
         <p:blipFill>
-          <a:blip r:embed="rId2">
-            <a:extLst/>
-          </a:blip>
+          <a:blip r:embed="rId2"/>
           <a:stretch>
             <a:fillRect/>
           </a:stretch>
@@ -6268,12 +8370,12 @@
   <p:clrMapOvr>
     <a:masterClrMapping/>
   </p:clrMapOvr>
-  <p:transition xmlns:p14="http://schemas.microsoft.com/office/powerpoint/2010/main" spd="med" advClick="1"/>
+  <p:transition spd="med"/>
 </p:sld>
 </file>
 
 <file path=ppt/theme/theme1.xml><?xml version="1.0" encoding="utf-8"?>
-<a:theme xmlns:a="http://schemas.openxmlformats.org/drawingml/2006/main" xmlns:r="http://schemas.openxmlformats.org/officeDocument/2006/relationships" name="21_BasicWhite">
+<a:theme xmlns:a="http://schemas.openxmlformats.org/drawingml/2006/main" name="21_BasicWhite">
   <a:themeElements>
     <a:clrScheme name="21_BasicWhite">
       <a:dk1>
@@ -6472,7 +8574,7 @@
         <a:effectLst/>
         <a:sp3d/>
       </a:spPr>
-      <a:bodyPr rot="0" spcFirstLastPara="1" vertOverflow="overflow" horzOverflow="overflow" vert="horz" wrap="square" lIns="50800" tIns="50800" rIns="50800" bIns="50800" numCol="1" spcCol="38100" rtlCol="0" anchor="ctr" upright="0">
+      <a:bodyPr rot="0" spcFirstLastPara="1" vertOverflow="overflow" horzOverflow="overflow" vert="horz" wrap="square" lIns="50800" tIns="50800" rIns="50800" bIns="50800" numCol="1" spcCol="38100" rtlCol="0" anchor="ctr">
         <a:spAutoFit/>
       </a:bodyPr>
       <a:lstStyle>
@@ -6491,7 +8593,7 @@
           <a:buFontTx/>
           <a:buNone/>
           <a:tabLst/>
-          <a:defRPr b="0" baseline="0" cap="none" i="0" spc="0" strike="noStrike" sz="3200" u="none" kumimoji="0" normalizeH="0">
+          <a:defRPr kumimoji="0" sz="3200" b="0" i="0" u="none" strike="noStrike" cap="none" spc="0" normalizeH="0" baseline="0">
             <a:ln>
               <a:noFill/>
             </a:ln>
@@ -6521,7 +8623,7 @@
           <a:buFontTx/>
           <a:buNone/>
           <a:tabLst/>
-          <a:defRPr b="0" baseline="0" cap="none" i="0" spc="0" strike="noStrike" sz="1800" u="none" kumimoji="0" normalizeH="0">
+          <a:defRPr kumimoji="0" sz="1800" b="0" i="0" u="none" strike="noStrike" cap="none" spc="0" normalizeH="0" baseline="0">
             <a:ln>
               <a:noFill/>
             </a:ln>
@@ -6547,7 +8649,7 @@
           <a:buFontTx/>
           <a:buNone/>
           <a:tabLst/>
-          <a:defRPr b="0" baseline="0" cap="none" i="0" spc="0" strike="noStrike" sz="1800" u="none" kumimoji="0" normalizeH="0">
+          <a:defRPr kumimoji="0" sz="1800" b="0" i="0" u="none" strike="noStrike" cap="none" spc="0" normalizeH="0" baseline="0">
             <a:ln>
               <a:noFill/>
             </a:ln>
@@ -6573,7 +8675,7 @@
           <a:buFontTx/>
           <a:buNone/>
           <a:tabLst/>
-          <a:defRPr b="0" baseline="0" cap="none" i="0" spc="0" strike="noStrike" sz="1800" u="none" kumimoji="0" normalizeH="0">
+          <a:defRPr kumimoji="0" sz="1800" b="0" i="0" u="none" strike="noStrike" cap="none" spc="0" normalizeH="0" baseline="0">
             <a:ln>
               <a:noFill/>
             </a:ln>
@@ -6599,7 +8701,7 @@
           <a:buFontTx/>
           <a:buNone/>
           <a:tabLst/>
-          <a:defRPr b="0" baseline="0" cap="none" i="0" spc="0" strike="noStrike" sz="1800" u="none" kumimoji="0" normalizeH="0">
+          <a:defRPr kumimoji="0" sz="1800" b="0" i="0" u="none" strike="noStrike" cap="none" spc="0" normalizeH="0" baseline="0">
             <a:ln>
               <a:noFill/>
             </a:ln>
@@ -6625,7 +8727,7 @@
           <a:buFontTx/>
           <a:buNone/>
           <a:tabLst/>
-          <a:defRPr b="0" baseline="0" cap="none" i="0" spc="0" strike="noStrike" sz="1800" u="none" kumimoji="0" normalizeH="0">
+          <a:defRPr kumimoji="0" sz="1800" b="0" i="0" u="none" strike="noStrike" cap="none" spc="0" normalizeH="0" baseline="0">
             <a:ln>
               <a:noFill/>
             </a:ln>
@@ -6651,7 +8753,7 @@
           <a:buFontTx/>
           <a:buNone/>
           <a:tabLst/>
-          <a:defRPr b="0" baseline="0" cap="none" i="0" spc="0" strike="noStrike" sz="1800" u="none" kumimoji="0" normalizeH="0">
+          <a:defRPr kumimoji="0" sz="1800" b="0" i="0" u="none" strike="noStrike" cap="none" spc="0" normalizeH="0" baseline="0">
             <a:ln>
               <a:noFill/>
             </a:ln>
@@ -6677,7 +8779,7 @@
           <a:buFontTx/>
           <a:buNone/>
           <a:tabLst/>
-          <a:defRPr b="0" baseline="0" cap="none" i="0" spc="0" strike="noStrike" sz="1800" u="none" kumimoji="0" normalizeH="0">
+          <a:defRPr kumimoji="0" sz="1800" b="0" i="0" u="none" strike="noStrike" cap="none" spc="0" normalizeH="0" baseline="0">
             <a:ln>
               <a:noFill/>
             </a:ln>
@@ -6703,7 +8805,7 @@
           <a:buFontTx/>
           <a:buNone/>
           <a:tabLst/>
-          <a:defRPr b="0" baseline="0" cap="none" i="0" spc="0" strike="noStrike" sz="1800" u="none" kumimoji="0" normalizeH="0">
+          <a:defRPr kumimoji="0" sz="1800" b="0" i="0" u="none" strike="noStrike" cap="none" spc="0" normalizeH="0" baseline="0">
             <a:ln>
               <a:noFill/>
             </a:ln>
@@ -6729,7 +8831,7 @@
           <a:buFontTx/>
           <a:buNone/>
           <a:tabLst/>
-          <a:defRPr b="0" baseline="0" cap="none" i="0" spc="0" strike="noStrike" sz="1800" u="none" kumimoji="0" normalizeH="0">
+          <a:defRPr kumimoji="0" sz="1800" b="0" i="0" u="none" strike="noStrike" cap="none" spc="0" normalizeH="0" baseline="0">
             <a:ln>
               <a:noFill/>
             </a:ln>
@@ -6742,9 +8844,15 @@
         </a:lvl9pPr>
       </a:lstStyle>
       <a:style>
-        <a:lnRef idx="0"/>
-        <a:fillRef idx="0"/>
-        <a:effectRef idx="0"/>
+        <a:lnRef idx="0">
+          <a:scrgbClr r="0" g="0" b="0"/>
+        </a:lnRef>
+        <a:fillRef idx="0">
+          <a:scrgbClr r="0" g="0" b="0"/>
+        </a:fillRef>
+        <a:effectRef idx="0">
+          <a:scrgbClr r="0" g="0" b="0"/>
+        </a:effectRef>
         <a:fontRef idx="none"/>
       </a:style>
     </a:spDef>
@@ -6761,7 +8869,7 @@
         <a:effectLst/>
         <a:sp3d/>
       </a:spPr>
-      <a:bodyPr rot="0" spcFirstLastPara="1" vertOverflow="overflow" horzOverflow="overflow" vert="horz" wrap="square" lIns="91439" tIns="45719" rIns="91439" bIns="45719" numCol="1" spcCol="38100" rtlCol="0" anchor="t" upright="0">
+      <a:bodyPr rot="0" spcFirstLastPara="1" vertOverflow="overflow" horzOverflow="overflow" vert="horz" wrap="square" lIns="91439" tIns="45719" rIns="91439" bIns="45719" numCol="1" spcCol="38100" rtlCol="0" anchor="t">
         <a:noAutofit/>
       </a:bodyPr>
       <a:lstStyle>
@@ -6780,7 +8888,7 @@
           <a:buFontTx/>
           <a:buNone/>
           <a:tabLst/>
-          <a:defRPr b="0" baseline="0" cap="none" i="0" spc="0" strike="noStrike" sz="1800" u="none" kumimoji="0" normalizeH="0">
+          <a:defRPr kumimoji="0" sz="1800" b="0" i="0" u="none" strike="noStrike" cap="none" spc="0" normalizeH="0" baseline="0">
             <a:ln>
               <a:noFill/>
             </a:ln>
@@ -6806,7 +8914,7 @@
           <a:buFontTx/>
           <a:buNone/>
           <a:tabLst/>
-          <a:defRPr b="0" baseline="0" cap="none" i="0" spc="0" strike="noStrike" sz="1800" u="none" kumimoji="0" normalizeH="0">
+          <a:defRPr kumimoji="0" sz="1800" b="0" i="0" u="none" strike="noStrike" cap="none" spc="0" normalizeH="0" baseline="0">
             <a:ln>
               <a:noFill/>
             </a:ln>
@@ -6832,7 +8940,7 @@
           <a:buFontTx/>
           <a:buNone/>
           <a:tabLst/>
-          <a:defRPr b="0" baseline="0" cap="none" i="0" spc="0" strike="noStrike" sz="1800" u="none" kumimoji="0" normalizeH="0">
+          <a:defRPr kumimoji="0" sz="1800" b="0" i="0" u="none" strike="noStrike" cap="none" spc="0" normalizeH="0" baseline="0">
             <a:ln>
               <a:noFill/>
             </a:ln>
@@ -6858,7 +8966,7 @@
           <a:buFontTx/>
           <a:buNone/>
           <a:tabLst/>
-          <a:defRPr b="0" baseline="0" cap="none" i="0" spc="0" strike="noStrike" sz="1800" u="none" kumimoji="0" normalizeH="0">
+          <a:defRPr kumimoji="0" sz="1800" b="0" i="0" u="none" strike="noStrike" cap="none" spc="0" normalizeH="0" baseline="0">
             <a:ln>
               <a:noFill/>
             </a:ln>
@@ -6884,7 +8992,7 @@
           <a:buFontTx/>
           <a:buNone/>
           <a:tabLst/>
-          <a:defRPr b="0" baseline="0" cap="none" i="0" spc="0" strike="noStrike" sz="1800" u="none" kumimoji="0" normalizeH="0">
+          <a:defRPr kumimoji="0" sz="1800" b="0" i="0" u="none" strike="noStrike" cap="none" spc="0" normalizeH="0" baseline="0">
             <a:ln>
               <a:noFill/>
             </a:ln>
@@ -6910,7 +9018,7 @@
           <a:buFontTx/>
           <a:buNone/>
           <a:tabLst/>
-          <a:defRPr b="0" baseline="0" cap="none" i="0" spc="0" strike="noStrike" sz="1800" u="none" kumimoji="0" normalizeH="0">
+          <a:defRPr kumimoji="0" sz="1800" b="0" i="0" u="none" strike="noStrike" cap="none" spc="0" normalizeH="0" baseline="0">
             <a:ln>
               <a:noFill/>
             </a:ln>
@@ -6936,7 +9044,7 @@
           <a:buFontTx/>
           <a:buNone/>
           <a:tabLst/>
-          <a:defRPr b="0" baseline="0" cap="none" i="0" spc="0" strike="noStrike" sz="1800" u="none" kumimoji="0" normalizeH="0">
+          <a:defRPr kumimoji="0" sz="1800" b="0" i="0" u="none" strike="noStrike" cap="none" spc="0" normalizeH="0" baseline="0">
             <a:ln>
               <a:noFill/>
             </a:ln>
@@ -6962,7 +9070,7 @@
           <a:buFontTx/>
           <a:buNone/>
           <a:tabLst/>
-          <a:defRPr b="0" baseline="0" cap="none" i="0" spc="0" strike="noStrike" sz="1800" u="none" kumimoji="0" normalizeH="0">
+          <a:defRPr kumimoji="0" sz="1800" b="0" i="0" u="none" strike="noStrike" cap="none" spc="0" normalizeH="0" baseline="0">
             <a:ln>
               <a:noFill/>
             </a:ln>
@@ -6988,7 +9096,7 @@
           <a:buFontTx/>
           <a:buNone/>
           <a:tabLst/>
-          <a:defRPr b="0" baseline="0" cap="none" i="0" spc="0" strike="noStrike" sz="1800" u="none" kumimoji="0" normalizeH="0">
+          <a:defRPr kumimoji="0" sz="1800" b="0" i="0" u="none" strike="noStrike" cap="none" spc="0" normalizeH="0" baseline="0">
             <a:ln>
               <a:noFill/>
             </a:ln>
@@ -7014,7 +9122,7 @@
           <a:buFontTx/>
           <a:buNone/>
           <a:tabLst/>
-          <a:defRPr b="0" baseline="0" cap="none" i="0" spc="0" strike="noStrike" sz="1800" u="none" kumimoji="0" normalizeH="0">
+          <a:defRPr kumimoji="0" sz="1800" b="0" i="0" u="none" strike="noStrike" cap="none" spc="0" normalizeH="0" baseline="0">
             <a:ln>
               <a:noFill/>
             </a:ln>
@@ -7027,9 +9135,15 @@
         </a:lvl9pPr>
       </a:lstStyle>
       <a:style>
-        <a:lnRef idx="0"/>
-        <a:fillRef idx="0"/>
-        <a:effectRef idx="0"/>
+        <a:lnRef idx="0">
+          <a:scrgbClr r="0" g="0" b="0"/>
+        </a:lnRef>
+        <a:fillRef idx="0">
+          <a:scrgbClr r="0" g="0" b="0"/>
+        </a:fillRef>
+        <a:effectRef idx="0">
+          <a:scrgbClr r="0" g="0" b="0"/>
+        </a:effectRef>
         <a:fontRef idx="none"/>
       </a:style>
     </a:lnDef>
@@ -7043,7 +9157,7 @@
         <a:effectLst/>
         <a:sp3d/>
       </a:spPr>
-      <a:bodyPr rot="0" spcFirstLastPara="1" vertOverflow="overflow" horzOverflow="overflow" vert="horz" wrap="square" lIns="50800" tIns="50800" rIns="50800" bIns="50800" numCol="1" spcCol="38100" rtlCol="0" anchor="ctr" upright="0">
+      <a:bodyPr rot="0" spcFirstLastPara="1" vertOverflow="overflow" horzOverflow="overflow" vert="horz" wrap="square" lIns="50800" tIns="50800" rIns="50800" bIns="50800" numCol="1" spcCol="38100" rtlCol="0" anchor="ctr">
         <a:spAutoFit/>
       </a:bodyPr>
       <a:lstStyle>
@@ -7062,7 +9176,7 @@
           <a:buFontTx/>
           <a:buNone/>
           <a:tabLst/>
-          <a:defRPr b="0" baseline="0" cap="none" i="0" spc="0" strike="noStrike" sz="4800" u="none" kumimoji="0" normalizeH="0">
+          <a:defRPr kumimoji="0" sz="4800" b="0" i="0" u="none" strike="noStrike" cap="none" spc="0" normalizeH="0" baseline="0">
             <a:ln>
               <a:noFill/>
             </a:ln>
@@ -7092,7 +9206,7 @@
           <a:buFontTx/>
           <a:buNone/>
           <a:tabLst/>
-          <a:defRPr b="0" baseline="0" cap="none" i="0" spc="0" strike="noStrike" sz="1800" u="none" kumimoji="0" normalizeH="0">
+          <a:defRPr kumimoji="0" sz="1800" b="0" i="0" u="none" strike="noStrike" cap="none" spc="0" normalizeH="0" baseline="0">
             <a:ln>
               <a:noFill/>
             </a:ln>
@@ -7118,7 +9232,7 @@
           <a:buFontTx/>
           <a:buNone/>
           <a:tabLst/>
-          <a:defRPr b="0" baseline="0" cap="none" i="0" spc="0" strike="noStrike" sz="1800" u="none" kumimoji="0" normalizeH="0">
+          <a:defRPr kumimoji="0" sz="1800" b="0" i="0" u="none" strike="noStrike" cap="none" spc="0" normalizeH="0" baseline="0">
             <a:ln>
               <a:noFill/>
             </a:ln>
@@ -7144,7 +9258,7 @@
           <a:buFontTx/>
           <a:buNone/>
           <a:tabLst/>
-          <a:defRPr b="0" baseline="0" cap="none" i="0" spc="0" strike="noStrike" sz="1800" u="none" kumimoji="0" normalizeH="0">
+          <a:defRPr kumimoji="0" sz="1800" b="0" i="0" u="none" strike="noStrike" cap="none" spc="0" normalizeH="0" baseline="0">
             <a:ln>
               <a:noFill/>
             </a:ln>
@@ -7170,7 +9284,7 @@
           <a:buFontTx/>
           <a:buNone/>
           <a:tabLst/>
-          <a:defRPr b="0" baseline="0" cap="none" i="0" spc="0" strike="noStrike" sz="1800" u="none" kumimoji="0" normalizeH="0">
+          <a:defRPr kumimoji="0" sz="1800" b="0" i="0" u="none" strike="noStrike" cap="none" spc="0" normalizeH="0" baseline="0">
             <a:ln>
               <a:noFill/>
             </a:ln>
@@ -7196,7 +9310,7 @@
           <a:buFontTx/>
           <a:buNone/>
           <a:tabLst/>
-          <a:defRPr b="0" baseline="0" cap="none" i="0" spc="0" strike="noStrike" sz="1800" u="none" kumimoji="0" normalizeH="0">
+          <a:defRPr kumimoji="0" sz="1800" b="0" i="0" u="none" strike="noStrike" cap="none" spc="0" normalizeH="0" baseline="0">
             <a:ln>
               <a:noFill/>
             </a:ln>
@@ -7222,7 +9336,7 @@
           <a:buFontTx/>
           <a:buNone/>
           <a:tabLst/>
-          <a:defRPr b="0" baseline="0" cap="none" i="0" spc="0" strike="noStrike" sz="1800" u="none" kumimoji="0" normalizeH="0">
+          <a:defRPr kumimoji="0" sz="1800" b="0" i="0" u="none" strike="noStrike" cap="none" spc="0" normalizeH="0" baseline="0">
             <a:ln>
               <a:noFill/>
             </a:ln>
@@ -7248,7 +9362,7 @@
           <a:buFontTx/>
           <a:buNone/>
           <a:tabLst/>
-          <a:defRPr b="0" baseline="0" cap="none" i="0" spc="0" strike="noStrike" sz="1800" u="none" kumimoji="0" normalizeH="0">
+          <a:defRPr kumimoji="0" sz="1800" b="0" i="0" u="none" strike="noStrike" cap="none" spc="0" normalizeH="0" baseline="0">
             <a:ln>
               <a:noFill/>
             </a:ln>
@@ -7274,7 +9388,7 @@
           <a:buFontTx/>
           <a:buNone/>
           <a:tabLst/>
-          <a:defRPr b="0" baseline="0" cap="none" i="0" spc="0" strike="noStrike" sz="1800" u="none" kumimoji="0" normalizeH="0">
+          <a:defRPr kumimoji="0" sz="1800" b="0" i="0" u="none" strike="noStrike" cap="none" spc="0" normalizeH="0" baseline="0">
             <a:ln>
               <a:noFill/>
             </a:ln>
@@ -7300,7 +9414,7 @@
           <a:buFontTx/>
           <a:buNone/>
           <a:tabLst/>
-          <a:defRPr b="0" baseline="0" cap="none" i="0" spc="0" strike="noStrike" sz="1800" u="none" kumimoji="0" normalizeH="0">
+          <a:defRPr kumimoji="0" sz="1800" b="0" i="0" u="none" strike="noStrike" cap="none" spc="0" normalizeH="0" baseline="0">
             <a:ln>
               <a:noFill/>
             </a:ln>
@@ -7313,18 +9427,25 @@
         </a:lvl9pPr>
       </a:lstStyle>
       <a:style>
-        <a:lnRef idx="0"/>
-        <a:fillRef idx="0"/>
-        <a:effectRef idx="0"/>
+        <a:lnRef idx="0">
+          <a:scrgbClr r="0" g="0" b="0"/>
+        </a:lnRef>
+        <a:fillRef idx="0">
+          <a:scrgbClr r="0" g="0" b="0"/>
+        </a:fillRef>
+        <a:effectRef idx="0">
+          <a:scrgbClr r="0" g="0" b="0"/>
+        </a:effectRef>
         <a:fontRef idx="none"/>
       </a:style>
     </a:txDef>
   </a:objectDefaults>
+  <a:extraClrSchemeLst/>
 </a:theme>
 </file>
 
 <file path=ppt/theme/theme2.xml><?xml version="1.0" encoding="utf-8"?>
-<a:theme xmlns:a="http://schemas.openxmlformats.org/drawingml/2006/main" xmlns:r="http://schemas.openxmlformats.org/officeDocument/2006/relationships" name="21_BasicWhite">
+<a:theme xmlns:a="http://schemas.openxmlformats.org/drawingml/2006/main" name="21_BasicWhite">
   <a:themeElements>
     <a:clrScheme name="21_BasicWhite">
       <a:dk1>
@@ -7523,7 +9644,7 @@
         <a:effectLst/>
         <a:sp3d/>
       </a:spPr>
-      <a:bodyPr rot="0" spcFirstLastPara="1" vertOverflow="overflow" horzOverflow="overflow" vert="horz" wrap="square" lIns="50800" tIns="50800" rIns="50800" bIns="50800" numCol="1" spcCol="38100" rtlCol="0" anchor="ctr" upright="0">
+      <a:bodyPr rot="0" spcFirstLastPara="1" vertOverflow="overflow" horzOverflow="overflow" vert="horz" wrap="square" lIns="50800" tIns="50800" rIns="50800" bIns="50800" numCol="1" spcCol="38100" rtlCol="0" anchor="ctr">
         <a:spAutoFit/>
       </a:bodyPr>
       <a:lstStyle>
@@ -7542,7 +9663,7 @@
           <a:buFontTx/>
           <a:buNone/>
           <a:tabLst/>
-          <a:defRPr b="0" baseline="0" cap="none" i="0" spc="0" strike="noStrike" sz="3200" u="none" kumimoji="0" normalizeH="0">
+          <a:defRPr kumimoji="0" sz="3200" b="0" i="0" u="none" strike="noStrike" cap="none" spc="0" normalizeH="0" baseline="0">
             <a:ln>
               <a:noFill/>
             </a:ln>
@@ -7572,7 +9693,7 @@
           <a:buFontTx/>
           <a:buNone/>
           <a:tabLst/>
-          <a:defRPr b="0" baseline="0" cap="none" i="0" spc="0" strike="noStrike" sz="1800" u="none" kumimoji="0" normalizeH="0">
+          <a:defRPr kumimoji="0" sz="1800" b="0" i="0" u="none" strike="noStrike" cap="none" spc="0" normalizeH="0" baseline="0">
             <a:ln>
               <a:noFill/>
             </a:ln>
@@ -7598,7 +9719,7 @@
           <a:buFontTx/>
           <a:buNone/>
           <a:tabLst/>
-          <a:defRPr b="0" baseline="0" cap="none" i="0" spc="0" strike="noStrike" sz="1800" u="none" kumimoji="0" normalizeH="0">
+          <a:defRPr kumimoji="0" sz="1800" b="0" i="0" u="none" strike="noStrike" cap="none" spc="0" normalizeH="0" baseline="0">
             <a:ln>
               <a:noFill/>
             </a:ln>
@@ -7624,7 +9745,7 @@
           <a:buFontTx/>
           <a:buNone/>
           <a:tabLst/>
-          <a:defRPr b="0" baseline="0" cap="none" i="0" spc="0" strike="noStrike" sz="1800" u="none" kumimoji="0" normalizeH="0">
+          <a:defRPr kumimoji="0" sz="1800" b="0" i="0" u="none" strike="noStrike" cap="none" spc="0" normalizeH="0" baseline="0">
             <a:ln>
               <a:noFill/>
             </a:ln>
@@ -7650,7 +9771,7 @@
           <a:buFontTx/>
           <a:buNone/>
           <a:tabLst/>
-          <a:defRPr b="0" baseline="0" cap="none" i="0" spc="0" strike="noStrike" sz="1800" u="none" kumimoji="0" normalizeH="0">
+          <a:defRPr kumimoji="0" sz="1800" b="0" i="0" u="none" strike="noStrike" cap="none" spc="0" normalizeH="0" baseline="0">
             <a:ln>
               <a:noFill/>
             </a:ln>
@@ -7676,7 +9797,7 @@
           <a:buFontTx/>
           <a:buNone/>
           <a:tabLst/>
-          <a:defRPr b="0" baseline="0" cap="none" i="0" spc="0" strike="noStrike" sz="1800" u="none" kumimoji="0" normalizeH="0">
+          <a:defRPr kumimoji="0" sz="1800" b="0" i="0" u="none" strike="noStrike" cap="none" spc="0" normalizeH="0" baseline="0">
             <a:ln>
               <a:noFill/>
             </a:ln>
@@ -7702,7 +9823,7 @@
           <a:buFontTx/>
           <a:buNone/>
           <a:tabLst/>
-          <a:defRPr b="0" baseline="0" cap="none" i="0" spc="0" strike="noStrike" sz="1800" u="none" kumimoji="0" normalizeH="0">
+          <a:defRPr kumimoji="0" sz="1800" b="0" i="0" u="none" strike="noStrike" cap="none" spc="0" normalizeH="0" baseline="0">
             <a:ln>
               <a:noFill/>
             </a:ln>
@@ -7728,7 +9849,7 @@
           <a:buFontTx/>
           <a:buNone/>
           <a:tabLst/>
-          <a:defRPr b="0" baseline="0" cap="none" i="0" spc="0" strike="noStrike" sz="1800" u="none" kumimoji="0" normalizeH="0">
+          <a:defRPr kumimoji="0" sz="1800" b="0" i="0" u="none" strike="noStrike" cap="none" spc="0" normalizeH="0" baseline="0">
             <a:ln>
               <a:noFill/>
             </a:ln>
@@ -7754,7 +9875,7 @@
           <a:buFontTx/>
           <a:buNone/>
           <a:tabLst/>
-          <a:defRPr b="0" baseline="0" cap="none" i="0" spc="0" strike="noStrike" sz="1800" u="none" kumimoji="0" normalizeH="0">
+          <a:defRPr kumimoji="0" sz="1800" b="0" i="0" u="none" strike="noStrike" cap="none" spc="0" normalizeH="0" baseline="0">
             <a:ln>
               <a:noFill/>
             </a:ln>
@@ -7780,7 +9901,7 @@
           <a:buFontTx/>
           <a:buNone/>
           <a:tabLst/>
-          <a:defRPr b="0" baseline="0" cap="none" i="0" spc="0" strike="noStrike" sz="1800" u="none" kumimoji="0" normalizeH="0">
+          <a:defRPr kumimoji="0" sz="1800" b="0" i="0" u="none" strike="noStrike" cap="none" spc="0" normalizeH="0" baseline="0">
             <a:ln>
               <a:noFill/>
             </a:ln>
@@ -7793,9 +9914,15 @@
         </a:lvl9pPr>
       </a:lstStyle>
       <a:style>
-        <a:lnRef idx="0"/>
-        <a:fillRef idx="0"/>
-        <a:effectRef idx="0"/>
+        <a:lnRef idx="0">
+          <a:scrgbClr r="0" g="0" b="0"/>
+        </a:lnRef>
+        <a:fillRef idx="0">
+          <a:scrgbClr r="0" g="0" b="0"/>
+        </a:fillRef>
+        <a:effectRef idx="0">
+          <a:scrgbClr r="0" g="0" b="0"/>
+        </a:effectRef>
         <a:fontRef idx="none"/>
       </a:style>
     </a:spDef>
@@ -7812,7 +9939,7 @@
         <a:effectLst/>
         <a:sp3d/>
       </a:spPr>
-      <a:bodyPr rot="0" spcFirstLastPara="1" vertOverflow="overflow" horzOverflow="overflow" vert="horz" wrap="square" lIns="91439" tIns="45719" rIns="91439" bIns="45719" numCol="1" spcCol="38100" rtlCol="0" anchor="t" upright="0">
+      <a:bodyPr rot="0" spcFirstLastPara="1" vertOverflow="overflow" horzOverflow="overflow" vert="horz" wrap="square" lIns="91439" tIns="45719" rIns="91439" bIns="45719" numCol="1" spcCol="38100" rtlCol="0" anchor="t">
         <a:noAutofit/>
       </a:bodyPr>
       <a:lstStyle>
@@ -7831,7 +9958,7 @@
           <a:buFontTx/>
           <a:buNone/>
           <a:tabLst/>
-          <a:defRPr b="0" baseline="0" cap="none" i="0" spc="0" strike="noStrike" sz="1800" u="none" kumimoji="0" normalizeH="0">
+          <a:defRPr kumimoji="0" sz="1800" b="0" i="0" u="none" strike="noStrike" cap="none" spc="0" normalizeH="0" baseline="0">
             <a:ln>
               <a:noFill/>
             </a:ln>
@@ -7857,7 +9984,7 @@
           <a:buFontTx/>
           <a:buNone/>
           <a:tabLst/>
-          <a:defRPr b="0" baseline="0" cap="none" i="0" spc="0" strike="noStrike" sz="1800" u="none" kumimoji="0" normalizeH="0">
+          <a:defRPr kumimoji="0" sz="1800" b="0" i="0" u="none" strike="noStrike" cap="none" spc="0" normalizeH="0" baseline="0">
             <a:ln>
               <a:noFill/>
             </a:ln>
@@ -7883,7 +10010,7 @@
           <a:buFontTx/>
           <a:buNone/>
           <a:tabLst/>
-          <a:defRPr b="0" baseline="0" cap="none" i="0" spc="0" strike="noStrike" sz="1800" u="none" kumimoji="0" normalizeH="0">
+          <a:defRPr kumimoji="0" sz="1800" b="0" i="0" u="none" strike="noStrike" cap="none" spc="0" normalizeH="0" baseline="0">
             <a:ln>
               <a:noFill/>
             </a:ln>
@@ -7909,7 +10036,7 @@
           <a:buFontTx/>
           <a:buNone/>
           <a:tabLst/>
-          <a:defRPr b="0" baseline="0" cap="none" i="0" spc="0" strike="noStrike" sz="1800" u="none" kumimoji="0" normalizeH="0">
+          <a:defRPr kumimoji="0" sz="1800" b="0" i="0" u="none" strike="noStrike" cap="none" spc="0" normalizeH="0" baseline="0">
             <a:ln>
               <a:noFill/>
             </a:ln>
@@ -7935,7 +10062,7 @@
           <a:buFontTx/>
           <a:buNone/>
           <a:tabLst/>
-          <a:defRPr b="0" baseline="0" cap="none" i="0" spc="0" strike="noStrike" sz="1800" u="none" kumimoji="0" normalizeH="0">
+          <a:defRPr kumimoji="0" sz="1800" b="0" i="0" u="none" strike="noStrike" cap="none" spc="0" normalizeH="0" baseline="0">
             <a:ln>
               <a:noFill/>
             </a:ln>
@@ -7961,7 +10088,7 @@
           <a:buFontTx/>
           <a:buNone/>
           <a:tabLst/>
-          <a:defRPr b="0" baseline="0" cap="none" i="0" spc="0" strike="noStrike" sz="1800" u="none" kumimoji="0" normalizeH="0">
+          <a:defRPr kumimoji="0" sz="1800" b="0" i="0" u="none" strike="noStrike" cap="none" spc="0" normalizeH="0" baseline="0">
             <a:ln>
               <a:noFill/>
             </a:ln>
@@ -7987,7 +10114,7 @@
           <a:buFontTx/>
           <a:buNone/>
           <a:tabLst/>
-          <a:defRPr b="0" baseline="0" cap="none" i="0" spc="0" strike="noStrike" sz="1800" u="none" kumimoji="0" normalizeH="0">
+          <a:defRPr kumimoji="0" sz="1800" b="0" i="0" u="none" strike="noStrike" cap="none" spc="0" normalizeH="0" baseline="0">
             <a:ln>
               <a:noFill/>
             </a:ln>
@@ -8013,7 +10140,7 @@
           <a:buFontTx/>
           <a:buNone/>
           <a:tabLst/>
-          <a:defRPr b="0" baseline="0" cap="none" i="0" spc="0" strike="noStrike" sz="1800" u="none" kumimoji="0" normalizeH="0">
+          <a:defRPr kumimoji="0" sz="1800" b="0" i="0" u="none" strike="noStrike" cap="none" spc="0" normalizeH="0" baseline="0">
             <a:ln>
               <a:noFill/>
             </a:ln>
@@ -8039,7 +10166,7 @@
           <a:buFontTx/>
           <a:buNone/>
           <a:tabLst/>
-          <a:defRPr b="0" baseline="0" cap="none" i="0" spc="0" strike="noStrike" sz="1800" u="none" kumimoji="0" normalizeH="0">
+          <a:defRPr kumimoji="0" sz="1800" b="0" i="0" u="none" strike="noStrike" cap="none" spc="0" normalizeH="0" baseline="0">
             <a:ln>
               <a:noFill/>
             </a:ln>
@@ -8065,7 +10192,7 @@
           <a:buFontTx/>
           <a:buNone/>
           <a:tabLst/>
-          <a:defRPr b="0" baseline="0" cap="none" i="0" spc="0" strike="noStrike" sz="1800" u="none" kumimoji="0" normalizeH="0">
+          <a:defRPr kumimoji="0" sz="1800" b="0" i="0" u="none" strike="noStrike" cap="none" spc="0" normalizeH="0" baseline="0">
             <a:ln>
               <a:noFill/>
             </a:ln>
@@ -8078,9 +10205,15 @@
         </a:lvl9pPr>
       </a:lstStyle>
       <a:style>
-        <a:lnRef idx="0"/>
-        <a:fillRef idx="0"/>
-        <a:effectRef idx="0"/>
+        <a:lnRef idx="0">
+          <a:scrgbClr r="0" g="0" b="0"/>
+        </a:lnRef>
+        <a:fillRef idx="0">
+          <a:scrgbClr r="0" g="0" b="0"/>
+        </a:fillRef>
+        <a:effectRef idx="0">
+          <a:scrgbClr r="0" g="0" b="0"/>
+        </a:effectRef>
         <a:fontRef idx="none"/>
       </a:style>
     </a:lnDef>
@@ -8094,7 +10227,7 @@
         <a:effectLst/>
         <a:sp3d/>
       </a:spPr>
-      <a:bodyPr rot="0" spcFirstLastPara="1" vertOverflow="overflow" horzOverflow="overflow" vert="horz" wrap="square" lIns="50800" tIns="50800" rIns="50800" bIns="50800" numCol="1" spcCol="38100" rtlCol="0" anchor="ctr" upright="0">
+      <a:bodyPr rot="0" spcFirstLastPara="1" vertOverflow="overflow" horzOverflow="overflow" vert="horz" wrap="square" lIns="50800" tIns="50800" rIns="50800" bIns="50800" numCol="1" spcCol="38100" rtlCol="0" anchor="ctr">
         <a:spAutoFit/>
       </a:bodyPr>
       <a:lstStyle>
@@ -8113,7 +10246,7 @@
           <a:buFontTx/>
           <a:buNone/>
           <a:tabLst/>
-          <a:defRPr b="0" baseline="0" cap="none" i="0" spc="0" strike="noStrike" sz="4800" u="none" kumimoji="0" normalizeH="0">
+          <a:defRPr kumimoji="0" sz="4800" b="0" i="0" u="none" strike="noStrike" cap="none" spc="0" normalizeH="0" baseline="0">
             <a:ln>
               <a:noFill/>
             </a:ln>
@@ -8143,7 +10276,7 @@
           <a:buFontTx/>
           <a:buNone/>
           <a:tabLst/>
-          <a:defRPr b="0" baseline="0" cap="none" i="0" spc="0" strike="noStrike" sz="1800" u="none" kumimoji="0" normalizeH="0">
+          <a:defRPr kumimoji="0" sz="1800" b="0" i="0" u="none" strike="noStrike" cap="none" spc="0" normalizeH="0" baseline="0">
             <a:ln>
               <a:noFill/>
             </a:ln>
@@ -8169,7 +10302,7 @@
           <a:buFontTx/>
           <a:buNone/>
           <a:tabLst/>
-          <a:defRPr b="0" baseline="0" cap="none" i="0" spc="0" strike="noStrike" sz="1800" u="none" kumimoji="0" normalizeH="0">
+          <a:defRPr kumimoji="0" sz="1800" b="0" i="0" u="none" strike="noStrike" cap="none" spc="0" normalizeH="0" baseline="0">
             <a:ln>
               <a:noFill/>
             </a:ln>
@@ -8195,7 +10328,7 @@
           <a:buFontTx/>
           <a:buNone/>
           <a:tabLst/>
-          <a:defRPr b="0" baseline="0" cap="none" i="0" spc="0" strike="noStrike" sz="1800" u="none" kumimoji="0" normalizeH="0">
+          <a:defRPr kumimoji="0" sz="1800" b="0" i="0" u="none" strike="noStrike" cap="none" spc="0" normalizeH="0" baseline="0">
             <a:ln>
               <a:noFill/>
             </a:ln>
@@ -8221,7 +10354,7 @@
           <a:buFontTx/>
           <a:buNone/>
           <a:tabLst/>
-          <a:defRPr b="0" baseline="0" cap="none" i="0" spc="0" strike="noStrike" sz="1800" u="none" kumimoji="0" normalizeH="0">
+          <a:defRPr kumimoji="0" sz="1800" b="0" i="0" u="none" strike="noStrike" cap="none" spc="0" normalizeH="0" baseline="0">
             <a:ln>
               <a:noFill/>
             </a:ln>
@@ -8247,7 +10380,7 @@
           <a:buFontTx/>
           <a:buNone/>
           <a:tabLst/>
-          <a:defRPr b="0" baseline="0" cap="none" i="0" spc="0" strike="noStrike" sz="1800" u="none" kumimoji="0" normalizeH="0">
+          <a:defRPr kumimoji="0" sz="1800" b="0" i="0" u="none" strike="noStrike" cap="none" spc="0" normalizeH="0" baseline="0">
             <a:ln>
               <a:noFill/>
             </a:ln>
@@ -8273,7 +10406,7 @@
           <a:buFontTx/>
           <a:buNone/>
           <a:tabLst/>
-          <a:defRPr b="0" baseline="0" cap="none" i="0" spc="0" strike="noStrike" sz="1800" u="none" kumimoji="0" normalizeH="0">
+          <a:defRPr kumimoji="0" sz="1800" b="0" i="0" u="none" strike="noStrike" cap="none" spc="0" normalizeH="0" baseline="0">
             <a:ln>
               <a:noFill/>
             </a:ln>
@@ -8299,7 +10432,7 @@
           <a:buFontTx/>
           <a:buNone/>
           <a:tabLst/>
-          <a:defRPr b="0" baseline="0" cap="none" i="0" spc="0" strike="noStrike" sz="1800" u="none" kumimoji="0" normalizeH="0">
+          <a:defRPr kumimoji="0" sz="1800" b="0" i="0" u="none" strike="noStrike" cap="none" spc="0" normalizeH="0" baseline="0">
             <a:ln>
               <a:noFill/>
             </a:ln>
@@ -8325,7 +10458,7 @@
           <a:buFontTx/>
           <a:buNone/>
           <a:tabLst/>
-          <a:defRPr b="0" baseline="0" cap="none" i="0" spc="0" strike="noStrike" sz="1800" u="none" kumimoji="0" normalizeH="0">
+          <a:defRPr kumimoji="0" sz="1800" b="0" i="0" u="none" strike="noStrike" cap="none" spc="0" normalizeH="0" baseline="0">
             <a:ln>
               <a:noFill/>
             </a:ln>
@@ -8351,7 +10484,7 @@
           <a:buFontTx/>
           <a:buNone/>
           <a:tabLst/>
-          <a:defRPr b="0" baseline="0" cap="none" i="0" spc="0" strike="noStrike" sz="1800" u="none" kumimoji="0" normalizeH="0">
+          <a:defRPr kumimoji="0" sz="1800" b="0" i="0" u="none" strike="noStrike" cap="none" spc="0" normalizeH="0" baseline="0">
             <a:ln>
               <a:noFill/>
             </a:ln>
@@ -8364,12 +10497,19 @@
         </a:lvl9pPr>
       </a:lstStyle>
       <a:style>
-        <a:lnRef idx="0"/>
-        <a:fillRef idx="0"/>
-        <a:effectRef idx="0"/>
+        <a:lnRef idx="0">
+          <a:scrgbClr r="0" g="0" b="0"/>
+        </a:lnRef>
+        <a:fillRef idx="0">
+          <a:scrgbClr r="0" g="0" b="0"/>
+        </a:fillRef>
+        <a:effectRef idx="0">
+          <a:scrgbClr r="0" g="0" b="0"/>
+        </a:effectRef>
         <a:fontRef idx="none"/>
       </a:style>
     </a:txDef>
   </a:objectDefaults>
+  <a:extraClrSchemeLst/>
 </a:theme>
 </file>